--- a/U4/Notes/Lesson 4.1 - Explorer Hat Activity - DC Motors.pptx
+++ b/U4/Notes/Lesson 4.1 - Explorer Hat Activity - DC Motors.pptx
@@ -1,25 +1,26 @@
 
 <file path=ppt/presentation.xml><?xml version="1.0" encoding="utf-8"?>
-<p:presentation xmlns:a="http://schemas.openxmlformats.org/drawingml/2006/main" xmlns:r="http://schemas.openxmlformats.org/officeDocument/2006/relationships" xmlns:mc="http://schemas.openxmlformats.org/markup-compatibility/2006" xmlns:mv="urn:schemas-microsoft-com:mac:vml" xmlns:p="http://schemas.openxmlformats.org/presentationml/2006/main" xmlns:c="http://schemas.openxmlformats.org/drawingml/2006/chart" xmlns:dgm="http://schemas.openxmlformats.org/drawingml/2006/diagram" xmlns:o="urn:schemas-microsoft-com:office:office" xmlns:v="urn:schemas-microsoft-com:vml" xmlns:pvml="urn:schemas-microsoft-com:office:powerpoint" xmlns:com="http://schemas.openxmlformats.org/drawingml/2006/compatibility" xmlns:p14="http://schemas.microsoft.com/office/powerpoint/2010/main" xmlns:p15="http://schemas.microsoft.com/office/powerpoint/2012/main" xmlns:ahyp="http://schemas.microsoft.com/office/drawing/2018/hyperlinkcolor" autoCompressPictures="0" strictFirstAndLastChars="0" saveSubsetFonts="1">
+<p:presentation xmlns:a="http://schemas.openxmlformats.org/drawingml/2006/main" xmlns:r="http://schemas.openxmlformats.org/officeDocument/2006/relationships" xmlns:p="http://schemas.openxmlformats.org/presentationml/2006/main" strictFirstAndLastChars="0" saveSubsetFonts="1" autoCompressPictures="0">
   <p:sldMasterIdLst>
-    <p:sldMasterId id="2147483648" r:id="rId3"/>
+    <p:sldMasterId id="2147483648" r:id="rId1"/>
   </p:sldMasterIdLst>
   <p:notesMasterIdLst>
-    <p:notesMasterId r:id="rId4"/>
+    <p:notesMasterId r:id="rId10"/>
   </p:notesMasterIdLst>
   <p:sldIdLst>
-    <p:sldId id="256" r:id="rId5"/>
-    <p:sldId id="257" r:id="rId6"/>
-    <p:sldId id="258" r:id="rId7"/>
-    <p:sldId id="259" r:id="rId8"/>
-    <p:sldId id="260" r:id="rId9"/>
-    <p:sldId id="261" r:id="rId10"/>
-    <p:sldId id="262" r:id="rId11"/>
+    <p:sldId id="256" r:id="rId2"/>
+    <p:sldId id="263" r:id="rId3"/>
+    <p:sldId id="257" r:id="rId4"/>
+    <p:sldId id="258" r:id="rId5"/>
+    <p:sldId id="259" r:id="rId6"/>
+    <p:sldId id="260" r:id="rId7"/>
+    <p:sldId id="261" r:id="rId8"/>
+    <p:sldId id="262" r:id="rId9"/>
   </p:sldIdLst>
-  <p:sldSz cy="5143500" cx="9144000"/>
+  <p:sldSz cx="9144000" cy="5143500" type="screen16x9"/>
   <p:notesSz cx="6858000" cy="9144000"/>
   <p:defaultTextStyle>
-    <a:defPPr lvl="0" marR="0" rtl="0" algn="l">
+    <a:defPPr marR="0" lvl="0" algn="l" rtl="0">
       <a:lnSpc>
         <a:spcPct val="100000"/>
       </a:lnSpc>
@@ -30,7 +31,7 @@
         <a:spcPts val="0"/>
       </a:spcAft>
     </a:defPPr>
-    <a:lvl1pPr lvl="0" marR="0" rtl="0" algn="l">
+    <a:lvl1pPr marR="0" lvl="0" algn="l" rtl="0">
       <a:lnSpc>
         <a:spcPct val="100000"/>
       </a:lnSpc>
@@ -44,7 +45,7 @@
         <a:srgbClr val="000000"/>
       </a:buClr>
       <a:buFont typeface="Arial"/>
-      <a:defRPr b="0" i="0" sz="1400" u="none" cap="none" strike="noStrike">
+      <a:defRPr sz="1400" b="0" i="0" u="none" strike="noStrike" cap="none">
         <a:solidFill>
           <a:srgbClr val="000000"/>
         </a:solidFill>
@@ -54,7 +55,7 @@
         <a:sym typeface="Arial"/>
       </a:defRPr>
     </a:lvl1pPr>
-    <a:lvl2pPr lvl="1" marR="0" rtl="0" algn="l">
+    <a:lvl2pPr marR="0" lvl="1" algn="l" rtl="0">
       <a:lnSpc>
         <a:spcPct val="100000"/>
       </a:lnSpc>
@@ -68,7 +69,7 @@
         <a:srgbClr val="000000"/>
       </a:buClr>
       <a:buFont typeface="Arial"/>
-      <a:defRPr b="0" i="0" sz="1400" u="none" cap="none" strike="noStrike">
+      <a:defRPr sz="1400" b="0" i="0" u="none" strike="noStrike" cap="none">
         <a:solidFill>
           <a:srgbClr val="000000"/>
         </a:solidFill>
@@ -78,7 +79,7 @@
         <a:sym typeface="Arial"/>
       </a:defRPr>
     </a:lvl2pPr>
-    <a:lvl3pPr lvl="2" marR="0" rtl="0" algn="l">
+    <a:lvl3pPr marR="0" lvl="2" algn="l" rtl="0">
       <a:lnSpc>
         <a:spcPct val="100000"/>
       </a:lnSpc>
@@ -92,7 +93,7 @@
         <a:srgbClr val="000000"/>
       </a:buClr>
       <a:buFont typeface="Arial"/>
-      <a:defRPr b="0" i="0" sz="1400" u="none" cap="none" strike="noStrike">
+      <a:defRPr sz="1400" b="0" i="0" u="none" strike="noStrike" cap="none">
         <a:solidFill>
           <a:srgbClr val="000000"/>
         </a:solidFill>
@@ -102,7 +103,7 @@
         <a:sym typeface="Arial"/>
       </a:defRPr>
     </a:lvl3pPr>
-    <a:lvl4pPr lvl="3" marR="0" rtl="0" algn="l">
+    <a:lvl4pPr marR="0" lvl="3" algn="l" rtl="0">
       <a:lnSpc>
         <a:spcPct val="100000"/>
       </a:lnSpc>
@@ -116,7 +117,7 @@
         <a:srgbClr val="000000"/>
       </a:buClr>
       <a:buFont typeface="Arial"/>
-      <a:defRPr b="0" i="0" sz="1400" u="none" cap="none" strike="noStrike">
+      <a:defRPr sz="1400" b="0" i="0" u="none" strike="noStrike" cap="none">
         <a:solidFill>
           <a:srgbClr val="000000"/>
         </a:solidFill>
@@ -126,7 +127,7 @@
         <a:sym typeface="Arial"/>
       </a:defRPr>
     </a:lvl4pPr>
-    <a:lvl5pPr lvl="4" marR="0" rtl="0" algn="l">
+    <a:lvl5pPr marR="0" lvl="4" algn="l" rtl="0">
       <a:lnSpc>
         <a:spcPct val="100000"/>
       </a:lnSpc>
@@ -140,7 +141,7 @@
         <a:srgbClr val="000000"/>
       </a:buClr>
       <a:buFont typeface="Arial"/>
-      <a:defRPr b="0" i="0" sz="1400" u="none" cap="none" strike="noStrike">
+      <a:defRPr sz="1400" b="0" i="0" u="none" strike="noStrike" cap="none">
         <a:solidFill>
           <a:srgbClr val="000000"/>
         </a:solidFill>
@@ -150,7 +151,7 @@
         <a:sym typeface="Arial"/>
       </a:defRPr>
     </a:lvl5pPr>
-    <a:lvl6pPr lvl="5" marR="0" rtl="0" algn="l">
+    <a:lvl6pPr marR="0" lvl="5" algn="l" rtl="0">
       <a:lnSpc>
         <a:spcPct val="100000"/>
       </a:lnSpc>
@@ -164,7 +165,7 @@
         <a:srgbClr val="000000"/>
       </a:buClr>
       <a:buFont typeface="Arial"/>
-      <a:defRPr b="0" i="0" sz="1400" u="none" cap="none" strike="noStrike">
+      <a:defRPr sz="1400" b="0" i="0" u="none" strike="noStrike" cap="none">
         <a:solidFill>
           <a:srgbClr val="000000"/>
         </a:solidFill>
@@ -174,7 +175,7 @@
         <a:sym typeface="Arial"/>
       </a:defRPr>
     </a:lvl6pPr>
-    <a:lvl7pPr lvl="6" marR="0" rtl="0" algn="l">
+    <a:lvl7pPr marR="0" lvl="6" algn="l" rtl="0">
       <a:lnSpc>
         <a:spcPct val="100000"/>
       </a:lnSpc>
@@ -188,7 +189,7 @@
         <a:srgbClr val="000000"/>
       </a:buClr>
       <a:buFont typeface="Arial"/>
-      <a:defRPr b="0" i="0" sz="1400" u="none" cap="none" strike="noStrike">
+      <a:defRPr sz="1400" b="0" i="0" u="none" strike="noStrike" cap="none">
         <a:solidFill>
           <a:srgbClr val="000000"/>
         </a:solidFill>
@@ -198,7 +199,7 @@
         <a:sym typeface="Arial"/>
       </a:defRPr>
     </a:lvl7pPr>
-    <a:lvl8pPr lvl="7" marR="0" rtl="0" algn="l">
+    <a:lvl8pPr marR="0" lvl="7" algn="l" rtl="0">
       <a:lnSpc>
         <a:spcPct val="100000"/>
       </a:lnSpc>
@@ -212,7 +213,7 @@
         <a:srgbClr val="000000"/>
       </a:buClr>
       <a:buFont typeface="Arial"/>
-      <a:defRPr b="0" i="0" sz="1400" u="none" cap="none" strike="noStrike">
+      <a:defRPr sz="1400" b="0" i="0" u="none" strike="noStrike" cap="none">
         <a:solidFill>
           <a:srgbClr val="000000"/>
         </a:solidFill>
@@ -222,7 +223,7 @@
         <a:sym typeface="Arial"/>
       </a:defRPr>
     </a:lvl8pPr>
-    <a:lvl9pPr lvl="8" marR="0" rtl="0" algn="l">
+    <a:lvl9pPr marR="0" lvl="8" algn="l" rtl="0">
       <a:lnSpc>
         <a:spcPct val="100000"/>
       </a:lnSpc>
@@ -236,7 +237,7 @@
         <a:srgbClr val="000000"/>
       </a:buClr>
       <a:buFont typeface="Arial"/>
-      <a:defRPr b="0" i="0" sz="1400" u="none" cap="none" strike="noStrike">
+      <a:defRPr sz="1400" b="0" i="0" u="none" strike="noStrike" cap="none">
         <a:solidFill>
           <a:srgbClr val="000000"/>
         </a:solidFill>
@@ -249,18 +250,23 @@
   </p:defaultTextStyle>
   <p:extLst>
     <p:ext uri="http://customooxmlschemas.google.com/">
-      <go:slidesCustomData xmlns:go="http://customooxmlschemas.google.com/" r:id="rId12" roundtripDataSignature="AMtx7mgh1pFCaRAmtuMsczJ3rbc4Hq71gw=="/>
+      <go:slidesCustomData xmlns:go="http://customooxmlschemas.google.com/" xmlns:ahyp="http://schemas.microsoft.com/office/drawing/2018/hyperlinkcolor" xmlns:p15="http://schemas.microsoft.com/office/powerpoint/2012/main" xmlns:p14="http://schemas.microsoft.com/office/powerpoint/2010/main" xmlns:com="http://schemas.openxmlformats.org/drawingml/2006/compatibility" xmlns:pvml="urn:schemas-microsoft-com:office:powerpoint" xmlns:v="urn:schemas-microsoft-com:vml" xmlns:o="urn:schemas-microsoft-com:office:office" xmlns:dgm="http://schemas.openxmlformats.org/drawingml/2006/diagram" xmlns:c="http://schemas.openxmlformats.org/drawingml/2006/chart" xmlns:mv="urn:schemas-microsoft-com:mac:vml" xmlns:mc="http://schemas.openxmlformats.org/markup-compatibility/2006" xmlns="" r:id="rId12" roundtripDataSignature="AMtx7mgh1pFCaRAmtuMsczJ3rbc4Hq71gw=="/>
     </p:ext>
   </p:extLst>
 </p:presentation>
 </file>
 
 <file path=ppt/notesMasters/notesMaster1.xml><?xml version="1.0" encoding="utf-8"?>
-<p:notesMaster xmlns:a="http://schemas.openxmlformats.org/drawingml/2006/main" xmlns:r="http://schemas.openxmlformats.org/officeDocument/2006/relationships" xmlns:mc="http://schemas.openxmlformats.org/markup-compatibility/2006" xmlns:mv="urn:schemas-microsoft-com:mac:vml" xmlns:p="http://schemas.openxmlformats.org/presentationml/2006/main" xmlns:c="http://schemas.openxmlformats.org/drawingml/2006/chart" xmlns:dgm="http://schemas.openxmlformats.org/drawingml/2006/diagram" xmlns:o="urn:schemas-microsoft-com:office:office" xmlns:v="urn:schemas-microsoft-com:vml" xmlns:pvml="urn:schemas-microsoft-com:office:powerpoint" xmlns:com="http://schemas.openxmlformats.org/drawingml/2006/compatibility" xmlns:p14="http://schemas.microsoft.com/office/powerpoint/2010/main" xmlns:p15="http://schemas.microsoft.com/office/powerpoint/2012/main" xmlns:ahyp="http://schemas.microsoft.com/office/drawing/2018/hyperlinkcolor">
+<p:notesMaster xmlns:a="http://schemas.openxmlformats.org/drawingml/2006/main" xmlns:r="http://schemas.openxmlformats.org/officeDocument/2006/relationships" xmlns:p="http://schemas.openxmlformats.org/presentationml/2006/main">
   <p:cSld>
+    <p:bg>
+      <p:bgRef idx="1001">
+        <a:schemeClr val="bg1"/>
+      </p:bgRef>
+    </p:bg>
     <p:spTree>
       <p:nvGrpSpPr>
-        <p:cNvPr id="2" name="Shape 2"/>
+        <p:cNvPr id="1" name="Shape 2"/>
         <p:cNvGrpSpPr/>
         <p:nvPr/>
       </p:nvGrpSpPr>
@@ -275,9 +281,11 @@
       <p:sp>
         <p:nvSpPr>
           <p:cNvPr id="3" name="Google Shape;3;n"/>
-          <p:cNvSpPr/>
+          <p:cNvSpPr>
+            <a:spLocks noGrp="1" noRot="1" noChangeAspect="1"/>
+          </p:cNvSpPr>
           <p:nvPr>
-            <p:ph idx="2" type="sldImg"/>
+            <p:ph type="sldImg" idx="2"/>
           </p:nvPr>
         </p:nvSpPr>
         <p:spPr>
@@ -286,9 +294,13 @@
             <a:ext cx="6096075" cy="3429000"/>
           </a:xfrm>
           <a:custGeom>
-            <a:rect b="b" l="l" r="r" t="t"/>
+            <a:avLst/>
+            <a:gdLst/>
+            <a:ahLst/>
+            <a:cxnLst/>
+            <a:rect l="l" t="t" r="r" b="b"/>
             <a:pathLst>
-              <a:path extrusionOk="0" h="120000" w="120000">
+              <a:path w="120000" h="120000" extrusionOk="0">
                 <a:moveTo>
                   <a:pt x="0" y="0"/>
                 </a:moveTo>
@@ -306,23 +318,25 @@
             </a:pathLst>
           </a:custGeom>
           <a:noFill/>
-          <a:ln cap="flat" cmpd="sng" w="9525">
+          <a:ln w="9525" cap="flat" cmpd="sng">
             <a:solidFill>
               <a:srgbClr val="000000"/>
             </a:solidFill>
             <a:prstDash val="solid"/>
             <a:round/>
-            <a:headEnd len="sm" w="sm" type="none"/>
-            <a:tailEnd len="sm" w="sm" type="none"/>
+            <a:headEnd type="none" w="sm" len="sm"/>
+            <a:tailEnd type="none" w="sm" len="sm"/>
           </a:ln>
         </p:spPr>
       </p:sp>
       <p:sp>
         <p:nvSpPr>
           <p:cNvPr id="4" name="Google Shape;4;n"/>
-          <p:cNvSpPr txBox="1"/>
+          <p:cNvSpPr txBox="1">
+            <a:spLocks noGrp="1"/>
+          </p:cNvSpPr>
           <p:nvPr>
-            <p:ph idx="1" type="body"/>
+            <p:ph type="body" idx="1"/>
           </p:nvPr>
         </p:nvSpPr>
         <p:spPr>
@@ -339,11 +353,11 @@
           </a:ln>
         </p:spPr>
         <p:txBody>
-          <a:bodyPr anchorCtr="0" anchor="t" bIns="91425" lIns="91425" spcFirstLastPara="1" rIns="91425" wrap="square" tIns="91425">
+          <a:bodyPr spcFirstLastPara="1" wrap="square" lIns="91425" tIns="91425" rIns="91425" bIns="91425" anchor="t" anchorCtr="0">
             <a:noAutofit/>
           </a:bodyPr>
           <a:lstStyle>
-            <a:lvl1pPr indent="-298450" lvl="0" marL="457200" marR="0" rtl="0" algn="l">
+            <a:lvl1pPr marL="457200" marR="0" lvl="0" indent="-298450" algn="l" rtl="0">
               <a:lnSpc>
                 <a:spcPct val="100000"/>
               </a:lnSpc>
@@ -359,7 +373,7 @@
               <a:buSzPts val="1100"/>
               <a:buFont typeface="Arial"/>
               <a:buChar char="●"/>
-              <a:defRPr b="0" i="0" sz="1100" u="none" cap="none" strike="noStrike">
+              <a:defRPr sz="1100" b="0" i="0" u="none" strike="noStrike" cap="none">
                 <a:solidFill>
                   <a:srgbClr val="000000"/>
                 </a:solidFill>
@@ -369,7 +383,7 @@
                 <a:sym typeface="Arial"/>
               </a:defRPr>
             </a:lvl1pPr>
-            <a:lvl2pPr indent="-298450" lvl="1" marL="914400" marR="0" rtl="0" algn="l">
+            <a:lvl2pPr marL="914400" marR="0" lvl="1" indent="-298450" algn="l" rtl="0">
               <a:lnSpc>
                 <a:spcPct val="100000"/>
               </a:lnSpc>
@@ -385,7 +399,7 @@
               <a:buSzPts val="1100"/>
               <a:buFont typeface="Arial"/>
               <a:buChar char="○"/>
-              <a:defRPr b="0" i="0" sz="1100" u="none" cap="none" strike="noStrike">
+              <a:defRPr sz="1100" b="0" i="0" u="none" strike="noStrike" cap="none">
                 <a:solidFill>
                   <a:srgbClr val="000000"/>
                 </a:solidFill>
@@ -395,7 +409,7 @@
                 <a:sym typeface="Arial"/>
               </a:defRPr>
             </a:lvl2pPr>
-            <a:lvl3pPr indent="-298450" lvl="2" marL="1371600" marR="0" rtl="0" algn="l">
+            <a:lvl3pPr marL="1371600" marR="0" lvl="2" indent="-298450" algn="l" rtl="0">
               <a:lnSpc>
                 <a:spcPct val="100000"/>
               </a:lnSpc>
@@ -411,7 +425,7 @@
               <a:buSzPts val="1100"/>
               <a:buFont typeface="Arial"/>
               <a:buChar char="■"/>
-              <a:defRPr b="0" i="0" sz="1100" u="none" cap="none" strike="noStrike">
+              <a:defRPr sz="1100" b="0" i="0" u="none" strike="noStrike" cap="none">
                 <a:solidFill>
                   <a:srgbClr val="000000"/>
                 </a:solidFill>
@@ -421,7 +435,7 @@
                 <a:sym typeface="Arial"/>
               </a:defRPr>
             </a:lvl3pPr>
-            <a:lvl4pPr indent="-298450" lvl="3" marL="1828800" marR="0" rtl="0" algn="l">
+            <a:lvl4pPr marL="1828800" marR="0" lvl="3" indent="-298450" algn="l" rtl="0">
               <a:lnSpc>
                 <a:spcPct val="100000"/>
               </a:lnSpc>
@@ -437,7 +451,7 @@
               <a:buSzPts val="1100"/>
               <a:buFont typeface="Arial"/>
               <a:buChar char="●"/>
-              <a:defRPr b="0" i="0" sz="1100" u="none" cap="none" strike="noStrike">
+              <a:defRPr sz="1100" b="0" i="0" u="none" strike="noStrike" cap="none">
                 <a:solidFill>
                   <a:srgbClr val="000000"/>
                 </a:solidFill>
@@ -447,7 +461,7 @@
                 <a:sym typeface="Arial"/>
               </a:defRPr>
             </a:lvl4pPr>
-            <a:lvl5pPr indent="-298450" lvl="4" marL="2286000" marR="0" rtl="0" algn="l">
+            <a:lvl5pPr marL="2286000" marR="0" lvl="4" indent="-298450" algn="l" rtl="0">
               <a:lnSpc>
                 <a:spcPct val="100000"/>
               </a:lnSpc>
@@ -463,7 +477,7 @@
               <a:buSzPts val="1100"/>
               <a:buFont typeface="Arial"/>
               <a:buChar char="○"/>
-              <a:defRPr b="0" i="0" sz="1100" u="none" cap="none" strike="noStrike">
+              <a:defRPr sz="1100" b="0" i="0" u="none" strike="noStrike" cap="none">
                 <a:solidFill>
                   <a:srgbClr val="000000"/>
                 </a:solidFill>
@@ -473,7 +487,7 @@
                 <a:sym typeface="Arial"/>
               </a:defRPr>
             </a:lvl5pPr>
-            <a:lvl6pPr indent="-298450" lvl="5" marL="2743200" marR="0" rtl="0" algn="l">
+            <a:lvl6pPr marL="2743200" marR="0" lvl="5" indent="-298450" algn="l" rtl="0">
               <a:lnSpc>
                 <a:spcPct val="100000"/>
               </a:lnSpc>
@@ -489,7 +503,7 @@
               <a:buSzPts val="1100"/>
               <a:buFont typeface="Arial"/>
               <a:buChar char="■"/>
-              <a:defRPr b="0" i="0" sz="1100" u="none" cap="none" strike="noStrike">
+              <a:defRPr sz="1100" b="0" i="0" u="none" strike="noStrike" cap="none">
                 <a:solidFill>
                   <a:srgbClr val="000000"/>
                 </a:solidFill>
@@ -499,7 +513,7 @@
                 <a:sym typeface="Arial"/>
               </a:defRPr>
             </a:lvl6pPr>
-            <a:lvl7pPr indent="-298450" lvl="6" marL="3200400" marR="0" rtl="0" algn="l">
+            <a:lvl7pPr marL="3200400" marR="0" lvl="6" indent="-298450" algn="l" rtl="0">
               <a:lnSpc>
                 <a:spcPct val="100000"/>
               </a:lnSpc>
@@ -515,7 +529,7 @@
               <a:buSzPts val="1100"/>
               <a:buFont typeface="Arial"/>
               <a:buChar char="●"/>
-              <a:defRPr b="0" i="0" sz="1100" u="none" cap="none" strike="noStrike">
+              <a:defRPr sz="1100" b="0" i="0" u="none" strike="noStrike" cap="none">
                 <a:solidFill>
                   <a:srgbClr val="000000"/>
                 </a:solidFill>
@@ -525,7 +539,7 @@
                 <a:sym typeface="Arial"/>
               </a:defRPr>
             </a:lvl7pPr>
-            <a:lvl8pPr indent="-298450" lvl="7" marL="3657600" marR="0" rtl="0" algn="l">
+            <a:lvl8pPr marL="3657600" marR="0" lvl="7" indent="-298450" algn="l" rtl="0">
               <a:lnSpc>
                 <a:spcPct val="100000"/>
               </a:lnSpc>
@@ -541,7 +555,7 @@
               <a:buSzPts val="1100"/>
               <a:buFont typeface="Arial"/>
               <a:buChar char="○"/>
-              <a:defRPr b="0" i="0" sz="1100" u="none" cap="none" strike="noStrike">
+              <a:defRPr sz="1100" b="0" i="0" u="none" strike="noStrike" cap="none">
                 <a:solidFill>
                   <a:srgbClr val="000000"/>
                 </a:solidFill>
@@ -551,7 +565,7 @@
                 <a:sym typeface="Arial"/>
               </a:defRPr>
             </a:lvl8pPr>
-            <a:lvl9pPr indent="-298450" lvl="8" marL="4114800" marR="0" rtl="0" algn="l">
+            <a:lvl9pPr marL="4114800" marR="0" lvl="8" indent="-298450" algn="l" rtl="0">
               <a:lnSpc>
                 <a:spcPct val="100000"/>
               </a:lnSpc>
@@ -567,7 +581,7 @@
               <a:buSzPts val="1100"/>
               <a:buFont typeface="Arial"/>
               <a:buChar char="■"/>
-              <a:defRPr b="0" i="0" sz="1100" u="none" cap="none" strike="noStrike">
+              <a:defRPr sz="1100" b="0" i="0" u="none" strike="noStrike" cap="none">
                 <a:solidFill>
                   <a:srgbClr val="000000"/>
                 </a:solidFill>
@@ -578,14 +592,16 @@
               </a:defRPr>
             </a:lvl9pPr>
           </a:lstStyle>
-          <a:p/>
+          <a:p>
+            <a:endParaRPr/>
+          </a:p>
         </p:txBody>
       </p:sp>
     </p:spTree>
   </p:cSld>
-  <p:clrMap accent1="accent1" accent2="accent2" accent3="accent3" accent4="accent4" accent5="accent5" accent6="accent6" bg1="lt1" bg2="dk2" tx1="dk1" tx2="lt2" folHlink="folHlink" hlink="hlink"/>
+  <p:clrMap bg1="lt1" tx1="dk1" bg2="dk2" tx2="lt2" accent1="accent1" accent2="accent2" accent3="accent3" accent4="accent4" accent5="accent5" accent6="accent6" hlink="hlink" folHlink="folHlink"/>
   <p:notesStyle>
-    <a:defPPr lvl="0" marR="0" rtl="0" algn="l">
+    <a:defPPr marR="0" lvl="0" algn="l" rtl="0">
       <a:lnSpc>
         <a:spcPct val="100000"/>
       </a:lnSpc>
@@ -596,7 +612,7 @@
         <a:spcPts val="0"/>
       </a:spcAft>
     </a:defPPr>
-    <a:lvl1pPr lvl="0" marR="0" rtl="0" algn="l">
+    <a:lvl1pPr marR="0" lvl="0" algn="l" rtl="0">
       <a:lnSpc>
         <a:spcPct val="100000"/>
       </a:lnSpc>
@@ -610,7 +626,7 @@
         <a:srgbClr val="000000"/>
       </a:buClr>
       <a:buFont typeface="Arial"/>
-      <a:defRPr b="0" i="0" sz="1400" u="none" cap="none" strike="noStrike">
+      <a:defRPr sz="1400" b="0" i="0" u="none" strike="noStrike" cap="none">
         <a:solidFill>
           <a:srgbClr val="000000"/>
         </a:solidFill>
@@ -620,7 +636,7 @@
         <a:sym typeface="Arial"/>
       </a:defRPr>
     </a:lvl1pPr>
-    <a:lvl2pPr lvl="1" marR="0" rtl="0" algn="l">
+    <a:lvl2pPr marR="0" lvl="1" algn="l" rtl="0">
       <a:lnSpc>
         <a:spcPct val="100000"/>
       </a:lnSpc>
@@ -634,7 +650,7 @@
         <a:srgbClr val="000000"/>
       </a:buClr>
       <a:buFont typeface="Arial"/>
-      <a:defRPr b="0" i="0" sz="1400" u="none" cap="none" strike="noStrike">
+      <a:defRPr sz="1400" b="0" i="0" u="none" strike="noStrike" cap="none">
         <a:solidFill>
           <a:srgbClr val="000000"/>
         </a:solidFill>
@@ -644,7 +660,7 @@
         <a:sym typeface="Arial"/>
       </a:defRPr>
     </a:lvl2pPr>
-    <a:lvl3pPr lvl="2" marR="0" rtl="0" algn="l">
+    <a:lvl3pPr marR="0" lvl="2" algn="l" rtl="0">
       <a:lnSpc>
         <a:spcPct val="100000"/>
       </a:lnSpc>
@@ -658,7 +674,7 @@
         <a:srgbClr val="000000"/>
       </a:buClr>
       <a:buFont typeface="Arial"/>
-      <a:defRPr b="0" i="0" sz="1400" u="none" cap="none" strike="noStrike">
+      <a:defRPr sz="1400" b="0" i="0" u="none" strike="noStrike" cap="none">
         <a:solidFill>
           <a:srgbClr val="000000"/>
         </a:solidFill>
@@ -668,7 +684,7 @@
         <a:sym typeface="Arial"/>
       </a:defRPr>
     </a:lvl3pPr>
-    <a:lvl4pPr lvl="3" marR="0" rtl="0" algn="l">
+    <a:lvl4pPr marR="0" lvl="3" algn="l" rtl="0">
       <a:lnSpc>
         <a:spcPct val="100000"/>
       </a:lnSpc>
@@ -682,7 +698,7 @@
         <a:srgbClr val="000000"/>
       </a:buClr>
       <a:buFont typeface="Arial"/>
-      <a:defRPr b="0" i="0" sz="1400" u="none" cap="none" strike="noStrike">
+      <a:defRPr sz="1400" b="0" i="0" u="none" strike="noStrike" cap="none">
         <a:solidFill>
           <a:srgbClr val="000000"/>
         </a:solidFill>
@@ -692,7 +708,7 @@
         <a:sym typeface="Arial"/>
       </a:defRPr>
     </a:lvl4pPr>
-    <a:lvl5pPr lvl="4" marR="0" rtl="0" algn="l">
+    <a:lvl5pPr marR="0" lvl="4" algn="l" rtl="0">
       <a:lnSpc>
         <a:spcPct val="100000"/>
       </a:lnSpc>
@@ -706,7 +722,7 @@
         <a:srgbClr val="000000"/>
       </a:buClr>
       <a:buFont typeface="Arial"/>
-      <a:defRPr b="0" i="0" sz="1400" u="none" cap="none" strike="noStrike">
+      <a:defRPr sz="1400" b="0" i="0" u="none" strike="noStrike" cap="none">
         <a:solidFill>
           <a:srgbClr val="000000"/>
         </a:solidFill>
@@ -716,7 +732,7 @@
         <a:sym typeface="Arial"/>
       </a:defRPr>
     </a:lvl5pPr>
-    <a:lvl6pPr lvl="5" marR="0" rtl="0" algn="l">
+    <a:lvl6pPr marR="0" lvl="5" algn="l" rtl="0">
       <a:lnSpc>
         <a:spcPct val="100000"/>
       </a:lnSpc>
@@ -730,7 +746,7 @@
         <a:srgbClr val="000000"/>
       </a:buClr>
       <a:buFont typeface="Arial"/>
-      <a:defRPr b="0" i="0" sz="1400" u="none" cap="none" strike="noStrike">
+      <a:defRPr sz="1400" b="0" i="0" u="none" strike="noStrike" cap="none">
         <a:solidFill>
           <a:srgbClr val="000000"/>
         </a:solidFill>
@@ -740,7 +756,7 @@
         <a:sym typeface="Arial"/>
       </a:defRPr>
     </a:lvl6pPr>
-    <a:lvl7pPr lvl="6" marR="0" rtl="0" algn="l">
+    <a:lvl7pPr marR="0" lvl="6" algn="l" rtl="0">
       <a:lnSpc>
         <a:spcPct val="100000"/>
       </a:lnSpc>
@@ -754,7 +770,7 @@
         <a:srgbClr val="000000"/>
       </a:buClr>
       <a:buFont typeface="Arial"/>
-      <a:defRPr b="0" i="0" sz="1400" u="none" cap="none" strike="noStrike">
+      <a:defRPr sz="1400" b="0" i="0" u="none" strike="noStrike" cap="none">
         <a:solidFill>
           <a:srgbClr val="000000"/>
         </a:solidFill>
@@ -764,7 +780,7 @@
         <a:sym typeface="Arial"/>
       </a:defRPr>
     </a:lvl7pPr>
-    <a:lvl8pPr lvl="7" marR="0" rtl="0" algn="l">
+    <a:lvl8pPr marR="0" lvl="7" algn="l" rtl="0">
       <a:lnSpc>
         <a:spcPct val="100000"/>
       </a:lnSpc>
@@ -778,7 +794,7 @@
         <a:srgbClr val="000000"/>
       </a:buClr>
       <a:buFont typeface="Arial"/>
-      <a:defRPr b="0" i="0" sz="1400" u="none" cap="none" strike="noStrike">
+      <a:defRPr sz="1400" b="0" i="0" u="none" strike="noStrike" cap="none">
         <a:solidFill>
           <a:srgbClr val="000000"/>
         </a:solidFill>
@@ -788,7 +804,7 @@
         <a:sym typeface="Arial"/>
       </a:defRPr>
     </a:lvl8pPr>
-    <a:lvl9pPr lvl="8" marR="0" rtl="0" algn="l">
+    <a:lvl9pPr marR="0" lvl="8" algn="l" rtl="0">
       <a:lnSpc>
         <a:spcPct val="100000"/>
       </a:lnSpc>
@@ -802,7 +818,7 @@
         <a:srgbClr val="000000"/>
       </a:buClr>
       <a:buFont typeface="Arial"/>
-      <a:defRPr b="0" i="0" sz="1400" u="none" cap="none" strike="noStrike">
+      <a:defRPr sz="1400" b="0" i="0" u="none" strike="noStrike" cap="none">
         <a:solidFill>
           <a:srgbClr val="000000"/>
         </a:solidFill>
@@ -817,11 +833,11 @@
 </file>
 
 <file path=ppt/notesSlides/notesSlide1.xml><?xml version="1.0" encoding="utf-8"?>
-<p:notes xmlns:a="http://schemas.openxmlformats.org/drawingml/2006/main" xmlns:r="http://schemas.openxmlformats.org/officeDocument/2006/relationships" xmlns:mc="http://schemas.openxmlformats.org/markup-compatibility/2006" xmlns:mv="urn:schemas-microsoft-com:mac:vml" xmlns:p="http://schemas.openxmlformats.org/presentationml/2006/main" xmlns:c="http://schemas.openxmlformats.org/drawingml/2006/chart" xmlns:dgm="http://schemas.openxmlformats.org/drawingml/2006/diagram" xmlns:o="urn:schemas-microsoft-com:office:office" xmlns:v="urn:schemas-microsoft-com:vml" xmlns:pvml="urn:schemas-microsoft-com:office:powerpoint" xmlns:com="http://schemas.openxmlformats.org/drawingml/2006/compatibility" xmlns:p14="http://schemas.microsoft.com/office/powerpoint/2010/main" xmlns:p15="http://schemas.microsoft.com/office/powerpoint/2012/main" xmlns:ahyp="http://schemas.microsoft.com/office/drawing/2018/hyperlinkcolor" showMasterPhAnim="0" showMasterSp="0">
+<p:notes xmlns:a="http://schemas.openxmlformats.org/drawingml/2006/main" xmlns:r="http://schemas.openxmlformats.org/officeDocument/2006/relationships" xmlns:p="http://schemas.openxmlformats.org/presentationml/2006/main" showMasterSp="0" showMasterPhAnim="0">
   <p:cSld>
     <p:spTree>
       <p:nvGrpSpPr>
-        <p:cNvPr id="50" name="Shape 50"/>
+        <p:cNvPr id="1" name="Shape 50"/>
         <p:cNvGrpSpPr/>
         <p:nvPr/>
       </p:nvGrpSpPr>
@@ -836,9 +852,11 @@
       <p:sp>
         <p:nvSpPr>
           <p:cNvPr id="51" name="Google Shape;51;p1:notes"/>
-          <p:cNvSpPr/>
+          <p:cNvSpPr>
+            <a:spLocks noGrp="1" noRot="1" noChangeAspect="1"/>
+          </p:cNvSpPr>
           <p:nvPr>
-            <p:ph idx="2" type="sldImg"/>
+            <p:ph type="sldImg" idx="2"/>
           </p:nvPr>
         </p:nvSpPr>
         <p:spPr>
@@ -847,9 +865,13 @@
             <a:ext cx="6096075" cy="3429000"/>
           </a:xfrm>
           <a:custGeom>
-            <a:rect b="b" l="l" r="r" t="t"/>
+            <a:avLst/>
+            <a:gdLst/>
+            <a:ahLst/>
+            <a:cxnLst/>
+            <a:rect l="l" t="t" r="r" b="b"/>
             <a:pathLst>
-              <a:path extrusionOk="0" h="120000" w="120000">
+              <a:path w="120000" h="120000" extrusionOk="0">
                 <a:moveTo>
                   <a:pt x="0" y="0"/>
                 </a:moveTo>
@@ -867,23 +889,25 @@
             </a:pathLst>
           </a:custGeom>
           <a:noFill/>
-          <a:ln cap="flat" cmpd="sng" w="9525">
+          <a:ln w="9525" cap="flat" cmpd="sng">
             <a:solidFill>
               <a:srgbClr val="000000"/>
             </a:solidFill>
             <a:prstDash val="solid"/>
             <a:round/>
-            <a:headEnd len="sm" w="sm" type="none"/>
-            <a:tailEnd len="sm" w="sm" type="none"/>
+            <a:headEnd type="none" w="sm" len="sm"/>
+            <a:tailEnd type="none" w="sm" len="sm"/>
           </a:ln>
         </p:spPr>
       </p:sp>
       <p:sp>
         <p:nvSpPr>
           <p:cNvPr id="52" name="Google Shape;52;p1:notes"/>
-          <p:cNvSpPr txBox="1"/>
+          <p:cNvSpPr txBox="1">
+            <a:spLocks noGrp="1"/>
+          </p:cNvSpPr>
           <p:nvPr>
-            <p:ph idx="1" type="body"/>
+            <p:ph type="body" idx="1"/>
           </p:nvPr>
         </p:nvSpPr>
         <p:spPr>
@@ -900,12 +924,12 @@
           </a:ln>
         </p:spPr>
         <p:txBody>
-          <a:bodyPr anchorCtr="0" anchor="t" bIns="91425" lIns="91425" spcFirstLastPara="1" rIns="91425" wrap="square" tIns="91425">
+          <a:bodyPr spcFirstLastPara="1" wrap="square" lIns="91425" tIns="91425" rIns="91425" bIns="91425" anchor="t" anchorCtr="0">
             <a:noAutofit/>
           </a:bodyPr>
           <a:lstStyle/>
           <a:p>
-            <a:pPr indent="0" lvl="0" marL="0" rtl="0" algn="l">
+            <a:pPr marL="0" lvl="0" indent="0" algn="l" rtl="0">
               <a:lnSpc>
                 <a:spcPct val="100000"/>
               </a:lnSpc>
@@ -918,9 +942,6 @@
               <a:buSzPts val="1100"/>
               <a:buNone/>
             </a:pPr>
-            <a:r>
-              <a:t/>
-            </a:r>
             <a:endParaRPr/>
           </a:p>
         </p:txBody>
@@ -934,11 +955,11 @@
 </file>
 
 <file path=ppt/notesSlides/notesSlide2.xml><?xml version="1.0" encoding="utf-8"?>
-<p:notes xmlns:a="http://schemas.openxmlformats.org/drawingml/2006/main" xmlns:r="http://schemas.openxmlformats.org/officeDocument/2006/relationships" xmlns:mc="http://schemas.openxmlformats.org/markup-compatibility/2006" xmlns:mv="urn:schemas-microsoft-com:mac:vml" xmlns:p="http://schemas.openxmlformats.org/presentationml/2006/main" xmlns:c="http://schemas.openxmlformats.org/drawingml/2006/chart" xmlns:dgm="http://schemas.openxmlformats.org/drawingml/2006/diagram" xmlns:o="urn:schemas-microsoft-com:office:office" xmlns:v="urn:schemas-microsoft-com:vml" xmlns:pvml="urn:schemas-microsoft-com:office:powerpoint" xmlns:com="http://schemas.openxmlformats.org/drawingml/2006/compatibility" xmlns:p14="http://schemas.microsoft.com/office/powerpoint/2010/main" xmlns:p15="http://schemas.microsoft.com/office/powerpoint/2012/main" xmlns:ahyp="http://schemas.microsoft.com/office/drawing/2018/hyperlinkcolor" showMasterPhAnim="0" showMasterSp="0">
+<p:notes xmlns:a="http://schemas.openxmlformats.org/drawingml/2006/main" xmlns:r="http://schemas.openxmlformats.org/officeDocument/2006/relationships" xmlns:p="http://schemas.openxmlformats.org/presentationml/2006/main" showMasterSp="0" showMasterPhAnim="0">
   <p:cSld>
     <p:spTree>
       <p:nvGrpSpPr>
-        <p:cNvPr id="56" name="Shape 56"/>
+        <p:cNvPr id="1" name="Shape 56"/>
         <p:cNvGrpSpPr/>
         <p:nvPr/>
       </p:nvGrpSpPr>
@@ -953,9 +974,11 @@
       <p:sp>
         <p:nvSpPr>
           <p:cNvPr id="57" name="Google Shape;57;p2:notes"/>
-          <p:cNvSpPr/>
+          <p:cNvSpPr>
+            <a:spLocks noGrp="1" noRot="1" noChangeAspect="1"/>
+          </p:cNvSpPr>
           <p:nvPr>
-            <p:ph idx="2" type="sldImg"/>
+            <p:ph type="sldImg" idx="2"/>
           </p:nvPr>
         </p:nvSpPr>
         <p:spPr>
@@ -964,9 +987,13 @@
             <a:ext cx="6096000" cy="3429000"/>
           </a:xfrm>
           <a:custGeom>
-            <a:rect b="b" l="l" r="r" t="t"/>
+            <a:avLst/>
+            <a:gdLst/>
+            <a:ahLst/>
+            <a:cxnLst/>
+            <a:rect l="l" t="t" r="r" b="b"/>
             <a:pathLst>
-              <a:path extrusionOk="0" h="120000" w="120000">
+              <a:path w="120000" h="120000" extrusionOk="0">
                 <a:moveTo>
                   <a:pt x="0" y="0"/>
                 </a:moveTo>
@@ -984,23 +1011,25 @@
             </a:pathLst>
           </a:custGeom>
           <a:noFill/>
-          <a:ln cap="flat" cmpd="sng" w="9525">
+          <a:ln w="9525" cap="flat" cmpd="sng">
             <a:solidFill>
               <a:srgbClr val="000000"/>
             </a:solidFill>
             <a:prstDash val="solid"/>
             <a:round/>
-            <a:headEnd len="sm" w="sm" type="none"/>
-            <a:tailEnd len="sm" w="sm" type="none"/>
+            <a:headEnd type="none" w="sm" len="sm"/>
+            <a:tailEnd type="none" w="sm" len="sm"/>
           </a:ln>
         </p:spPr>
       </p:sp>
       <p:sp>
         <p:nvSpPr>
           <p:cNvPr id="58" name="Google Shape;58;p2:notes"/>
-          <p:cNvSpPr txBox="1"/>
+          <p:cNvSpPr txBox="1">
+            <a:spLocks noGrp="1"/>
+          </p:cNvSpPr>
           <p:nvPr>
-            <p:ph idx="1" type="body"/>
+            <p:ph type="body" idx="1"/>
           </p:nvPr>
         </p:nvSpPr>
         <p:spPr>
@@ -1017,12 +1046,12 @@
           </a:ln>
         </p:spPr>
         <p:txBody>
-          <a:bodyPr anchorCtr="0" anchor="t" bIns="91425" lIns="91425" spcFirstLastPara="1" rIns="91425" wrap="square" tIns="91425">
+          <a:bodyPr spcFirstLastPara="1" wrap="square" lIns="91425" tIns="91425" rIns="91425" bIns="91425" anchor="t" anchorCtr="0">
             <a:noAutofit/>
           </a:bodyPr>
           <a:lstStyle/>
           <a:p>
-            <a:pPr indent="0" lvl="0" marL="0" rtl="0" algn="l">
+            <a:pPr marL="0" lvl="0" indent="0" algn="l" rtl="0">
               <a:lnSpc>
                 <a:spcPct val="100000"/>
               </a:lnSpc>
@@ -1035,9 +1064,6 @@
               <a:buSzPts val="1100"/>
               <a:buNone/>
             </a:pPr>
-            <a:r>
-              <a:t/>
-            </a:r>
             <a:endParaRPr/>
           </a:p>
         </p:txBody>
@@ -1051,11 +1077,11 @@
 </file>
 
 <file path=ppt/notesSlides/notesSlide3.xml><?xml version="1.0" encoding="utf-8"?>
-<p:notes xmlns:a="http://schemas.openxmlformats.org/drawingml/2006/main" xmlns:r="http://schemas.openxmlformats.org/officeDocument/2006/relationships" xmlns:mc="http://schemas.openxmlformats.org/markup-compatibility/2006" xmlns:mv="urn:schemas-microsoft-com:mac:vml" xmlns:p="http://schemas.openxmlformats.org/presentationml/2006/main" xmlns:c="http://schemas.openxmlformats.org/drawingml/2006/chart" xmlns:dgm="http://schemas.openxmlformats.org/drawingml/2006/diagram" xmlns:o="urn:schemas-microsoft-com:office:office" xmlns:v="urn:schemas-microsoft-com:vml" xmlns:pvml="urn:schemas-microsoft-com:office:powerpoint" xmlns:com="http://schemas.openxmlformats.org/drawingml/2006/compatibility" xmlns:p14="http://schemas.microsoft.com/office/powerpoint/2010/main" xmlns:p15="http://schemas.microsoft.com/office/powerpoint/2012/main" xmlns:ahyp="http://schemas.microsoft.com/office/drawing/2018/hyperlinkcolor" showMasterPhAnim="0" showMasterSp="0">
+<p:notes xmlns:a="http://schemas.openxmlformats.org/drawingml/2006/main" xmlns:r="http://schemas.openxmlformats.org/officeDocument/2006/relationships" xmlns:p="http://schemas.openxmlformats.org/presentationml/2006/main" showMasterSp="0" showMasterPhAnim="0">
   <p:cSld>
     <p:spTree>
       <p:nvGrpSpPr>
-        <p:cNvPr id="62" name="Shape 62"/>
+        <p:cNvPr id="1" name="Shape 62"/>
         <p:cNvGrpSpPr/>
         <p:nvPr/>
       </p:nvGrpSpPr>
@@ -1070,9 +1096,11 @@
       <p:sp>
         <p:nvSpPr>
           <p:cNvPr id="63" name="Google Shape;63;p3:notes"/>
-          <p:cNvSpPr/>
+          <p:cNvSpPr>
+            <a:spLocks noGrp="1" noRot="1" noChangeAspect="1"/>
+          </p:cNvSpPr>
           <p:nvPr>
-            <p:ph idx="2" type="sldImg"/>
+            <p:ph type="sldImg" idx="2"/>
           </p:nvPr>
         </p:nvSpPr>
         <p:spPr>
@@ -1081,9 +1109,13 @@
             <a:ext cx="6096000" cy="3429000"/>
           </a:xfrm>
           <a:custGeom>
-            <a:rect b="b" l="l" r="r" t="t"/>
+            <a:avLst/>
+            <a:gdLst/>
+            <a:ahLst/>
+            <a:cxnLst/>
+            <a:rect l="l" t="t" r="r" b="b"/>
             <a:pathLst>
-              <a:path extrusionOk="0" h="120000" w="120000">
+              <a:path w="120000" h="120000" extrusionOk="0">
                 <a:moveTo>
                   <a:pt x="0" y="0"/>
                 </a:moveTo>
@@ -1101,23 +1133,25 @@
             </a:pathLst>
           </a:custGeom>
           <a:noFill/>
-          <a:ln cap="flat" cmpd="sng" w="9525">
+          <a:ln w="9525" cap="flat" cmpd="sng">
             <a:solidFill>
               <a:srgbClr val="000000"/>
             </a:solidFill>
             <a:prstDash val="solid"/>
             <a:round/>
-            <a:headEnd len="sm" w="sm" type="none"/>
-            <a:tailEnd len="sm" w="sm" type="none"/>
+            <a:headEnd type="none" w="sm" len="sm"/>
+            <a:tailEnd type="none" w="sm" len="sm"/>
           </a:ln>
         </p:spPr>
       </p:sp>
       <p:sp>
         <p:nvSpPr>
           <p:cNvPr id="64" name="Google Shape;64;p3:notes"/>
-          <p:cNvSpPr txBox="1"/>
+          <p:cNvSpPr txBox="1">
+            <a:spLocks noGrp="1"/>
+          </p:cNvSpPr>
           <p:nvPr>
-            <p:ph idx="1" type="body"/>
+            <p:ph type="body" idx="1"/>
           </p:nvPr>
         </p:nvSpPr>
         <p:spPr>
@@ -1134,12 +1168,12 @@
           </a:ln>
         </p:spPr>
         <p:txBody>
-          <a:bodyPr anchorCtr="0" anchor="t" bIns="91425" lIns="91425" spcFirstLastPara="1" rIns="91425" wrap="square" tIns="91425">
+          <a:bodyPr spcFirstLastPara="1" wrap="square" lIns="91425" tIns="91425" rIns="91425" bIns="91425" anchor="t" anchorCtr="0">
             <a:noAutofit/>
           </a:bodyPr>
           <a:lstStyle/>
           <a:p>
-            <a:pPr indent="0" lvl="0" marL="0" rtl="0" algn="l">
+            <a:pPr marL="0" lvl="0" indent="0" algn="l" rtl="0">
               <a:lnSpc>
                 <a:spcPct val="100000"/>
               </a:lnSpc>
@@ -1152,9 +1186,6 @@
               <a:buSzPts val="1100"/>
               <a:buNone/>
             </a:pPr>
-            <a:r>
-              <a:t/>
-            </a:r>
             <a:endParaRPr/>
           </a:p>
         </p:txBody>
@@ -1168,11 +1199,11 @@
 </file>
 
 <file path=ppt/notesSlides/notesSlide4.xml><?xml version="1.0" encoding="utf-8"?>
-<p:notes xmlns:a="http://schemas.openxmlformats.org/drawingml/2006/main" xmlns:r="http://schemas.openxmlformats.org/officeDocument/2006/relationships" xmlns:mc="http://schemas.openxmlformats.org/markup-compatibility/2006" xmlns:mv="urn:schemas-microsoft-com:mac:vml" xmlns:p="http://schemas.openxmlformats.org/presentationml/2006/main" xmlns:c="http://schemas.openxmlformats.org/drawingml/2006/chart" xmlns:dgm="http://schemas.openxmlformats.org/drawingml/2006/diagram" xmlns:o="urn:schemas-microsoft-com:office:office" xmlns:v="urn:schemas-microsoft-com:vml" xmlns:pvml="urn:schemas-microsoft-com:office:powerpoint" xmlns:com="http://schemas.openxmlformats.org/drawingml/2006/compatibility" xmlns:p14="http://schemas.microsoft.com/office/powerpoint/2010/main" xmlns:p15="http://schemas.microsoft.com/office/powerpoint/2012/main" xmlns:ahyp="http://schemas.microsoft.com/office/drawing/2018/hyperlinkcolor" showMasterPhAnim="0" showMasterSp="0">
+<p:notes xmlns:a="http://schemas.openxmlformats.org/drawingml/2006/main" xmlns:r="http://schemas.openxmlformats.org/officeDocument/2006/relationships" xmlns:p="http://schemas.openxmlformats.org/presentationml/2006/main" showMasterSp="0" showMasterPhAnim="0">
   <p:cSld>
     <p:spTree>
       <p:nvGrpSpPr>
-        <p:cNvPr id="68" name="Shape 68"/>
+        <p:cNvPr id="1" name="Shape 68"/>
         <p:cNvGrpSpPr/>
         <p:nvPr/>
       </p:nvGrpSpPr>
@@ -1187,9 +1218,11 @@
       <p:sp>
         <p:nvSpPr>
           <p:cNvPr id="69" name="Google Shape;69;p4:notes"/>
-          <p:cNvSpPr/>
+          <p:cNvSpPr>
+            <a:spLocks noGrp="1" noRot="1" noChangeAspect="1"/>
+          </p:cNvSpPr>
           <p:nvPr>
-            <p:ph idx="2" type="sldImg"/>
+            <p:ph type="sldImg" idx="2"/>
           </p:nvPr>
         </p:nvSpPr>
         <p:spPr>
@@ -1198,9 +1231,13 @@
             <a:ext cx="6096000" cy="3429000"/>
           </a:xfrm>
           <a:custGeom>
-            <a:rect b="b" l="l" r="r" t="t"/>
+            <a:avLst/>
+            <a:gdLst/>
+            <a:ahLst/>
+            <a:cxnLst/>
+            <a:rect l="l" t="t" r="r" b="b"/>
             <a:pathLst>
-              <a:path extrusionOk="0" h="120000" w="120000">
+              <a:path w="120000" h="120000" extrusionOk="0">
                 <a:moveTo>
                   <a:pt x="0" y="0"/>
                 </a:moveTo>
@@ -1218,23 +1255,25 @@
             </a:pathLst>
           </a:custGeom>
           <a:noFill/>
-          <a:ln cap="flat" cmpd="sng" w="9525">
+          <a:ln w="9525" cap="flat" cmpd="sng">
             <a:solidFill>
               <a:srgbClr val="000000"/>
             </a:solidFill>
             <a:prstDash val="solid"/>
             <a:round/>
-            <a:headEnd len="sm" w="sm" type="none"/>
-            <a:tailEnd len="sm" w="sm" type="none"/>
+            <a:headEnd type="none" w="sm" len="sm"/>
+            <a:tailEnd type="none" w="sm" len="sm"/>
           </a:ln>
         </p:spPr>
       </p:sp>
       <p:sp>
         <p:nvSpPr>
           <p:cNvPr id="70" name="Google Shape;70;p4:notes"/>
-          <p:cNvSpPr txBox="1"/>
+          <p:cNvSpPr txBox="1">
+            <a:spLocks noGrp="1"/>
+          </p:cNvSpPr>
           <p:nvPr>
-            <p:ph idx="1" type="body"/>
+            <p:ph type="body" idx="1"/>
           </p:nvPr>
         </p:nvSpPr>
         <p:spPr>
@@ -1251,12 +1290,12 @@
           </a:ln>
         </p:spPr>
         <p:txBody>
-          <a:bodyPr anchorCtr="0" anchor="t" bIns="91425" lIns="91425" spcFirstLastPara="1" rIns="91425" wrap="square" tIns="91425">
+          <a:bodyPr spcFirstLastPara="1" wrap="square" lIns="91425" tIns="91425" rIns="91425" bIns="91425" anchor="t" anchorCtr="0">
             <a:noAutofit/>
           </a:bodyPr>
           <a:lstStyle/>
           <a:p>
-            <a:pPr indent="0" lvl="0" marL="0" rtl="0" algn="l">
+            <a:pPr marL="0" lvl="0" indent="0" algn="l" rtl="0">
               <a:lnSpc>
                 <a:spcPct val="100000"/>
               </a:lnSpc>
@@ -1269,9 +1308,6 @@
               <a:buSzPts val="1100"/>
               <a:buNone/>
             </a:pPr>
-            <a:r>
-              <a:t/>
-            </a:r>
             <a:endParaRPr/>
           </a:p>
         </p:txBody>
@@ -1285,11 +1321,11 @@
 </file>
 
 <file path=ppt/notesSlides/notesSlide5.xml><?xml version="1.0" encoding="utf-8"?>
-<p:notes xmlns:a="http://schemas.openxmlformats.org/drawingml/2006/main" xmlns:r="http://schemas.openxmlformats.org/officeDocument/2006/relationships" xmlns:mc="http://schemas.openxmlformats.org/markup-compatibility/2006" xmlns:mv="urn:schemas-microsoft-com:mac:vml" xmlns:p="http://schemas.openxmlformats.org/presentationml/2006/main" xmlns:c="http://schemas.openxmlformats.org/drawingml/2006/chart" xmlns:dgm="http://schemas.openxmlformats.org/drawingml/2006/diagram" xmlns:o="urn:schemas-microsoft-com:office:office" xmlns:v="urn:schemas-microsoft-com:vml" xmlns:pvml="urn:schemas-microsoft-com:office:powerpoint" xmlns:com="http://schemas.openxmlformats.org/drawingml/2006/compatibility" xmlns:p14="http://schemas.microsoft.com/office/powerpoint/2010/main" xmlns:p15="http://schemas.microsoft.com/office/powerpoint/2012/main" xmlns:ahyp="http://schemas.microsoft.com/office/drawing/2018/hyperlinkcolor" showMasterPhAnim="0" showMasterSp="0">
+<p:notes xmlns:a="http://schemas.openxmlformats.org/drawingml/2006/main" xmlns:r="http://schemas.openxmlformats.org/officeDocument/2006/relationships" xmlns:p="http://schemas.openxmlformats.org/presentationml/2006/main" showMasterSp="0" showMasterPhAnim="0">
   <p:cSld>
     <p:spTree>
       <p:nvGrpSpPr>
-        <p:cNvPr id="74" name="Shape 74"/>
+        <p:cNvPr id="1" name="Shape 74"/>
         <p:cNvGrpSpPr/>
         <p:nvPr/>
       </p:nvGrpSpPr>
@@ -1304,9 +1340,11 @@
       <p:sp>
         <p:nvSpPr>
           <p:cNvPr id="75" name="Google Shape;75;p5:notes"/>
-          <p:cNvSpPr/>
+          <p:cNvSpPr>
+            <a:spLocks noGrp="1" noRot="1" noChangeAspect="1"/>
+          </p:cNvSpPr>
           <p:nvPr>
-            <p:ph idx="2" type="sldImg"/>
+            <p:ph type="sldImg" idx="2"/>
           </p:nvPr>
         </p:nvSpPr>
         <p:spPr>
@@ -1315,9 +1353,13 @@
             <a:ext cx="6096000" cy="3429000"/>
           </a:xfrm>
           <a:custGeom>
-            <a:rect b="b" l="l" r="r" t="t"/>
+            <a:avLst/>
+            <a:gdLst/>
+            <a:ahLst/>
+            <a:cxnLst/>
+            <a:rect l="l" t="t" r="r" b="b"/>
             <a:pathLst>
-              <a:path extrusionOk="0" h="120000" w="120000">
+              <a:path w="120000" h="120000" extrusionOk="0">
                 <a:moveTo>
                   <a:pt x="0" y="0"/>
                 </a:moveTo>
@@ -1335,23 +1377,25 @@
             </a:pathLst>
           </a:custGeom>
           <a:noFill/>
-          <a:ln cap="flat" cmpd="sng" w="9525">
+          <a:ln w="9525" cap="flat" cmpd="sng">
             <a:solidFill>
               <a:srgbClr val="000000"/>
             </a:solidFill>
             <a:prstDash val="solid"/>
             <a:round/>
-            <a:headEnd len="sm" w="sm" type="none"/>
-            <a:tailEnd len="sm" w="sm" type="none"/>
+            <a:headEnd type="none" w="sm" len="sm"/>
+            <a:tailEnd type="none" w="sm" len="sm"/>
           </a:ln>
         </p:spPr>
       </p:sp>
       <p:sp>
         <p:nvSpPr>
           <p:cNvPr id="76" name="Google Shape;76;p5:notes"/>
-          <p:cNvSpPr txBox="1"/>
+          <p:cNvSpPr txBox="1">
+            <a:spLocks noGrp="1"/>
+          </p:cNvSpPr>
           <p:nvPr>
-            <p:ph idx="1" type="body"/>
+            <p:ph type="body" idx="1"/>
           </p:nvPr>
         </p:nvSpPr>
         <p:spPr>
@@ -1368,12 +1412,12 @@
           </a:ln>
         </p:spPr>
         <p:txBody>
-          <a:bodyPr anchorCtr="0" anchor="t" bIns="91425" lIns="91425" spcFirstLastPara="1" rIns="91425" wrap="square" tIns="91425">
+          <a:bodyPr spcFirstLastPara="1" wrap="square" lIns="91425" tIns="91425" rIns="91425" bIns="91425" anchor="t" anchorCtr="0">
             <a:noAutofit/>
           </a:bodyPr>
           <a:lstStyle/>
           <a:p>
-            <a:pPr indent="0" lvl="0" marL="0" rtl="0" algn="l">
+            <a:pPr marL="0" lvl="0" indent="0" algn="l" rtl="0">
               <a:lnSpc>
                 <a:spcPct val="100000"/>
               </a:lnSpc>
@@ -1386,9 +1430,6 @@
               <a:buSzPts val="1100"/>
               <a:buNone/>
             </a:pPr>
-            <a:r>
-              <a:t/>
-            </a:r>
             <a:endParaRPr/>
           </a:p>
         </p:txBody>
@@ -1402,11 +1443,11 @@
 </file>
 
 <file path=ppt/notesSlides/notesSlide6.xml><?xml version="1.0" encoding="utf-8"?>
-<p:notes xmlns:a="http://schemas.openxmlformats.org/drawingml/2006/main" xmlns:r="http://schemas.openxmlformats.org/officeDocument/2006/relationships" xmlns:mc="http://schemas.openxmlformats.org/markup-compatibility/2006" xmlns:mv="urn:schemas-microsoft-com:mac:vml" xmlns:p="http://schemas.openxmlformats.org/presentationml/2006/main" xmlns:c="http://schemas.openxmlformats.org/drawingml/2006/chart" xmlns:dgm="http://schemas.openxmlformats.org/drawingml/2006/diagram" xmlns:o="urn:schemas-microsoft-com:office:office" xmlns:v="urn:schemas-microsoft-com:vml" xmlns:pvml="urn:schemas-microsoft-com:office:powerpoint" xmlns:com="http://schemas.openxmlformats.org/drawingml/2006/compatibility" xmlns:p14="http://schemas.microsoft.com/office/powerpoint/2010/main" xmlns:p15="http://schemas.microsoft.com/office/powerpoint/2012/main" xmlns:ahyp="http://schemas.microsoft.com/office/drawing/2018/hyperlinkcolor" showMasterPhAnim="0" showMasterSp="0">
+<p:notes xmlns:a="http://schemas.openxmlformats.org/drawingml/2006/main" xmlns:r="http://schemas.openxmlformats.org/officeDocument/2006/relationships" xmlns:p="http://schemas.openxmlformats.org/presentationml/2006/main" showMasterSp="0" showMasterPhAnim="0">
   <p:cSld>
     <p:spTree>
       <p:nvGrpSpPr>
-        <p:cNvPr id="81" name="Shape 81"/>
+        <p:cNvPr id="1" name="Shape 81"/>
         <p:cNvGrpSpPr/>
         <p:nvPr/>
       </p:nvGrpSpPr>
@@ -1421,9 +1462,11 @@
       <p:sp>
         <p:nvSpPr>
           <p:cNvPr id="82" name="Google Shape;82;p6:notes"/>
-          <p:cNvSpPr/>
+          <p:cNvSpPr>
+            <a:spLocks noGrp="1" noRot="1" noChangeAspect="1"/>
+          </p:cNvSpPr>
           <p:nvPr>
-            <p:ph idx="2" type="sldImg"/>
+            <p:ph type="sldImg" idx="2"/>
           </p:nvPr>
         </p:nvSpPr>
         <p:spPr>
@@ -1432,9 +1475,13 @@
             <a:ext cx="6096000" cy="3429000"/>
           </a:xfrm>
           <a:custGeom>
-            <a:rect b="b" l="l" r="r" t="t"/>
+            <a:avLst/>
+            <a:gdLst/>
+            <a:ahLst/>
+            <a:cxnLst/>
+            <a:rect l="l" t="t" r="r" b="b"/>
             <a:pathLst>
-              <a:path extrusionOk="0" h="120000" w="120000">
+              <a:path w="120000" h="120000" extrusionOk="0">
                 <a:moveTo>
                   <a:pt x="0" y="0"/>
                 </a:moveTo>
@@ -1452,23 +1499,25 @@
             </a:pathLst>
           </a:custGeom>
           <a:noFill/>
-          <a:ln cap="flat" cmpd="sng" w="9525">
+          <a:ln w="9525" cap="flat" cmpd="sng">
             <a:solidFill>
               <a:srgbClr val="000000"/>
             </a:solidFill>
             <a:prstDash val="solid"/>
             <a:round/>
-            <a:headEnd len="sm" w="sm" type="none"/>
-            <a:tailEnd len="sm" w="sm" type="none"/>
+            <a:headEnd type="none" w="sm" len="sm"/>
+            <a:tailEnd type="none" w="sm" len="sm"/>
           </a:ln>
         </p:spPr>
       </p:sp>
       <p:sp>
         <p:nvSpPr>
           <p:cNvPr id="83" name="Google Shape;83;p6:notes"/>
-          <p:cNvSpPr txBox="1"/>
+          <p:cNvSpPr txBox="1">
+            <a:spLocks noGrp="1"/>
+          </p:cNvSpPr>
           <p:nvPr>
-            <p:ph idx="1" type="body"/>
+            <p:ph type="body" idx="1"/>
           </p:nvPr>
         </p:nvSpPr>
         <p:spPr>
@@ -1485,12 +1534,12 @@
           </a:ln>
         </p:spPr>
         <p:txBody>
-          <a:bodyPr anchorCtr="0" anchor="t" bIns="91425" lIns="91425" spcFirstLastPara="1" rIns="91425" wrap="square" tIns="91425">
+          <a:bodyPr spcFirstLastPara="1" wrap="square" lIns="91425" tIns="91425" rIns="91425" bIns="91425" anchor="t" anchorCtr="0">
             <a:noAutofit/>
           </a:bodyPr>
           <a:lstStyle/>
           <a:p>
-            <a:pPr indent="0" lvl="0" marL="0" rtl="0" algn="l">
+            <a:pPr marL="0" lvl="0" indent="0" algn="l" rtl="0">
               <a:lnSpc>
                 <a:spcPct val="100000"/>
               </a:lnSpc>
@@ -1503,9 +1552,6 @@
               <a:buSzPts val="1100"/>
               <a:buNone/>
             </a:pPr>
-            <a:r>
-              <a:t/>
-            </a:r>
             <a:endParaRPr/>
           </a:p>
         </p:txBody>
@@ -1519,11 +1565,11 @@
 </file>
 
 <file path=ppt/notesSlides/notesSlide7.xml><?xml version="1.0" encoding="utf-8"?>
-<p:notes xmlns:a="http://schemas.openxmlformats.org/drawingml/2006/main" xmlns:r="http://schemas.openxmlformats.org/officeDocument/2006/relationships" xmlns:mc="http://schemas.openxmlformats.org/markup-compatibility/2006" xmlns:mv="urn:schemas-microsoft-com:mac:vml" xmlns:p="http://schemas.openxmlformats.org/presentationml/2006/main" xmlns:c="http://schemas.openxmlformats.org/drawingml/2006/chart" xmlns:dgm="http://schemas.openxmlformats.org/drawingml/2006/diagram" xmlns:o="urn:schemas-microsoft-com:office:office" xmlns:v="urn:schemas-microsoft-com:vml" xmlns:pvml="urn:schemas-microsoft-com:office:powerpoint" xmlns:com="http://schemas.openxmlformats.org/drawingml/2006/compatibility" xmlns:p14="http://schemas.microsoft.com/office/powerpoint/2010/main" xmlns:p15="http://schemas.microsoft.com/office/powerpoint/2012/main" xmlns:ahyp="http://schemas.microsoft.com/office/drawing/2018/hyperlinkcolor" showMasterPhAnim="0" showMasterSp="0">
+<p:notes xmlns:a="http://schemas.openxmlformats.org/drawingml/2006/main" xmlns:r="http://schemas.openxmlformats.org/officeDocument/2006/relationships" xmlns:p="http://schemas.openxmlformats.org/presentationml/2006/main" showMasterSp="0" showMasterPhAnim="0">
   <p:cSld>
     <p:spTree>
       <p:nvGrpSpPr>
-        <p:cNvPr id="90" name="Shape 90"/>
+        <p:cNvPr id="1" name="Shape 90"/>
         <p:cNvGrpSpPr/>
         <p:nvPr/>
       </p:nvGrpSpPr>
@@ -1538,9 +1584,11 @@
       <p:sp>
         <p:nvSpPr>
           <p:cNvPr id="91" name="Google Shape;91;p7:notes"/>
-          <p:cNvSpPr/>
+          <p:cNvSpPr>
+            <a:spLocks noGrp="1" noRot="1" noChangeAspect="1"/>
+          </p:cNvSpPr>
           <p:nvPr>
-            <p:ph idx="2" type="sldImg"/>
+            <p:ph type="sldImg" idx="2"/>
           </p:nvPr>
         </p:nvSpPr>
         <p:spPr>
@@ -1549,9 +1597,13 @@
             <a:ext cx="6096000" cy="3429000"/>
           </a:xfrm>
           <a:custGeom>
-            <a:rect b="b" l="l" r="r" t="t"/>
+            <a:avLst/>
+            <a:gdLst/>
+            <a:ahLst/>
+            <a:cxnLst/>
+            <a:rect l="l" t="t" r="r" b="b"/>
             <a:pathLst>
-              <a:path extrusionOk="0" h="120000" w="120000">
+              <a:path w="120000" h="120000" extrusionOk="0">
                 <a:moveTo>
                   <a:pt x="0" y="0"/>
                 </a:moveTo>
@@ -1569,23 +1621,25 @@
             </a:pathLst>
           </a:custGeom>
           <a:noFill/>
-          <a:ln cap="flat" cmpd="sng" w="9525">
+          <a:ln w="9525" cap="flat" cmpd="sng">
             <a:solidFill>
               <a:srgbClr val="000000"/>
             </a:solidFill>
             <a:prstDash val="solid"/>
             <a:round/>
-            <a:headEnd len="sm" w="sm" type="none"/>
-            <a:tailEnd len="sm" w="sm" type="none"/>
+            <a:headEnd type="none" w="sm" len="sm"/>
+            <a:tailEnd type="none" w="sm" len="sm"/>
           </a:ln>
         </p:spPr>
       </p:sp>
       <p:sp>
         <p:nvSpPr>
           <p:cNvPr id="92" name="Google Shape;92;p7:notes"/>
-          <p:cNvSpPr txBox="1"/>
+          <p:cNvSpPr txBox="1">
+            <a:spLocks noGrp="1"/>
+          </p:cNvSpPr>
           <p:nvPr>
-            <p:ph idx="1" type="body"/>
+            <p:ph type="body" idx="1"/>
           </p:nvPr>
         </p:nvSpPr>
         <p:spPr>
@@ -1602,12 +1656,12 @@
           </a:ln>
         </p:spPr>
         <p:txBody>
-          <a:bodyPr anchorCtr="0" anchor="t" bIns="91425" lIns="91425" spcFirstLastPara="1" rIns="91425" wrap="square" tIns="91425">
+          <a:bodyPr spcFirstLastPara="1" wrap="square" lIns="91425" tIns="91425" rIns="91425" bIns="91425" anchor="t" anchorCtr="0">
             <a:noAutofit/>
           </a:bodyPr>
           <a:lstStyle/>
           <a:p>
-            <a:pPr indent="0" lvl="0" marL="0" rtl="0" algn="l">
+            <a:pPr marL="0" lvl="0" indent="0" algn="l" rtl="0">
               <a:lnSpc>
                 <a:spcPct val="100000"/>
               </a:lnSpc>
@@ -1620,9 +1674,6 @@
               <a:buSzPts val="1100"/>
               <a:buNone/>
             </a:pPr>
-            <a:r>
-              <a:t/>
-            </a:r>
             <a:endParaRPr/>
           </a:p>
         </p:txBody>
@@ -1636,11 +1687,11 @@
 </file>
 
 <file path=ppt/slideLayouts/slideLayout1.xml><?xml version="1.0" encoding="utf-8"?>
-<p:sldLayout xmlns:a="http://schemas.openxmlformats.org/drawingml/2006/main" xmlns:r="http://schemas.openxmlformats.org/officeDocument/2006/relationships" xmlns:mc="http://schemas.openxmlformats.org/markup-compatibility/2006" xmlns:mv="urn:schemas-microsoft-com:mac:vml" xmlns:p="http://schemas.openxmlformats.org/presentationml/2006/main" xmlns:c="http://schemas.openxmlformats.org/drawingml/2006/chart" xmlns:dgm="http://schemas.openxmlformats.org/drawingml/2006/diagram" xmlns:o="urn:schemas-microsoft-com:office:office" xmlns:v="urn:schemas-microsoft-com:vml" xmlns:pvml="urn:schemas-microsoft-com:office:powerpoint" xmlns:com="http://schemas.openxmlformats.org/drawingml/2006/compatibility" xmlns:p14="http://schemas.microsoft.com/office/powerpoint/2010/main" xmlns:p15="http://schemas.microsoft.com/office/powerpoint/2012/main" xmlns:ahyp="http://schemas.microsoft.com/office/drawing/2018/hyperlinkcolor" matchingName="Title slide" type="title">
+<p:sldLayout xmlns:a="http://schemas.openxmlformats.org/drawingml/2006/main" xmlns:r="http://schemas.openxmlformats.org/officeDocument/2006/relationships" xmlns:p="http://schemas.openxmlformats.org/presentationml/2006/main" matchingName="Title slide" type="title">
   <p:cSld name="TITLE">
     <p:spTree>
       <p:nvGrpSpPr>
-        <p:cNvPr id="9" name="Shape 9"/>
+        <p:cNvPr id="1" name="Shape 9"/>
         <p:cNvGrpSpPr/>
         <p:nvPr/>
       </p:nvGrpSpPr>
@@ -1655,7 +1706,9 @@
       <p:sp>
         <p:nvSpPr>
           <p:cNvPr id="10" name="Google Shape;10;p9"/>
-          <p:cNvSpPr txBox="1"/>
+          <p:cNvSpPr txBox="1">
+            <a:spLocks noGrp="1"/>
+          </p:cNvSpPr>
           <p:nvPr>
             <p:ph type="ctrTitle"/>
           </p:nvPr>
@@ -1674,7 +1727,7 @@
           </a:ln>
         </p:spPr>
         <p:txBody>
-          <a:bodyPr anchorCtr="0" anchor="b" bIns="91425" lIns="91425" spcFirstLastPara="1" rIns="91425" wrap="square" tIns="91425">
+          <a:bodyPr spcFirstLastPara="1" wrap="square" lIns="91425" tIns="91425" rIns="91425" bIns="91425" anchor="b" anchorCtr="0">
             <a:noAutofit/>
           </a:bodyPr>
           <a:lstStyle>
@@ -1805,15 +1858,19 @@
               <a:defRPr sz="5200"/>
             </a:lvl9pPr>
           </a:lstStyle>
-          <a:p/>
+          <a:p>
+            <a:endParaRPr/>
+          </a:p>
         </p:txBody>
       </p:sp>
       <p:sp>
         <p:nvSpPr>
           <p:cNvPr id="11" name="Google Shape;11;p9"/>
-          <p:cNvSpPr txBox="1"/>
+          <p:cNvSpPr txBox="1">
+            <a:spLocks noGrp="1"/>
+          </p:cNvSpPr>
           <p:nvPr>
-            <p:ph idx="1" type="subTitle"/>
+            <p:ph type="subTitle" idx="1"/>
           </p:nvPr>
         </p:nvSpPr>
         <p:spPr>
@@ -1830,7 +1887,7 @@
           </a:ln>
         </p:spPr>
         <p:txBody>
-          <a:bodyPr anchorCtr="0" anchor="t" bIns="91425" lIns="91425" spcFirstLastPara="1" rIns="91425" wrap="square" tIns="91425">
+          <a:bodyPr spcFirstLastPara="1" wrap="square" lIns="91425" tIns="91425" rIns="91425" bIns="91425" anchor="t" anchorCtr="0">
             <a:noAutofit/>
           </a:bodyPr>
           <a:lstStyle>
@@ -1961,15 +2018,19 @@
               <a:defRPr sz="2800"/>
             </a:lvl9pPr>
           </a:lstStyle>
-          <a:p/>
+          <a:p>
+            <a:endParaRPr/>
+          </a:p>
         </p:txBody>
       </p:sp>
       <p:sp>
         <p:nvSpPr>
           <p:cNvPr id="12" name="Google Shape;12;p9"/>
-          <p:cNvSpPr txBox="1"/>
+          <p:cNvSpPr txBox="1">
+            <a:spLocks noGrp="1"/>
+          </p:cNvSpPr>
           <p:nvPr>
-            <p:ph idx="12" type="sldNum"/>
+            <p:ph type="sldNum" idx="12"/>
           </p:nvPr>
         </p:nvSpPr>
         <p:spPr>
@@ -1986,11 +2047,11 @@
           </a:ln>
         </p:spPr>
         <p:txBody>
-          <a:bodyPr anchorCtr="0" anchor="ctr" bIns="91425" lIns="91425" spcFirstLastPara="1" rIns="91425" wrap="square" tIns="91425">
+          <a:bodyPr spcFirstLastPara="1" wrap="square" lIns="91425" tIns="91425" rIns="91425" bIns="91425" anchor="ctr" anchorCtr="0">
             <a:noAutofit/>
           </a:bodyPr>
           <a:lstStyle>
-            <a:lvl1pPr indent="0" lvl="0" marL="0" marR="0" algn="r">
+            <a:lvl1pPr marL="0" marR="0" lvl="0" indent="0" algn="r">
               <a:lnSpc>
                 <a:spcPct val="100000"/>
               </a:lnSpc>
@@ -2006,7 +2067,7 @@
               <a:buSzPts val="1000"/>
               <a:buFont typeface="Arial"/>
               <a:buNone/>
-              <a:defRPr b="0" i="0" sz="1000" u="none" cap="none" strike="noStrike">
+              <a:defRPr sz="1000" b="0" i="0" u="none" strike="noStrike" cap="none">
                 <a:solidFill>
                   <a:schemeClr val="dk2"/>
                 </a:solidFill>
@@ -2016,7 +2077,7 @@
                 <a:sym typeface="Arial"/>
               </a:defRPr>
             </a:lvl1pPr>
-            <a:lvl2pPr indent="0" lvl="1" marL="0" marR="0" algn="r">
+            <a:lvl2pPr marL="0" marR="0" lvl="1" indent="0" algn="r">
               <a:lnSpc>
                 <a:spcPct val="100000"/>
               </a:lnSpc>
@@ -2032,7 +2093,7 @@
               <a:buSzPts val="1000"/>
               <a:buFont typeface="Arial"/>
               <a:buNone/>
-              <a:defRPr b="0" i="0" sz="1000" u="none" cap="none" strike="noStrike">
+              <a:defRPr sz="1000" b="0" i="0" u="none" strike="noStrike" cap="none">
                 <a:solidFill>
                   <a:schemeClr val="dk2"/>
                 </a:solidFill>
@@ -2042,7 +2103,7 @@
                 <a:sym typeface="Arial"/>
               </a:defRPr>
             </a:lvl2pPr>
-            <a:lvl3pPr indent="0" lvl="2" marL="0" marR="0" algn="r">
+            <a:lvl3pPr marL="0" marR="0" lvl="2" indent="0" algn="r">
               <a:lnSpc>
                 <a:spcPct val="100000"/>
               </a:lnSpc>
@@ -2058,7 +2119,7 @@
               <a:buSzPts val="1000"/>
               <a:buFont typeface="Arial"/>
               <a:buNone/>
-              <a:defRPr b="0" i="0" sz="1000" u="none" cap="none" strike="noStrike">
+              <a:defRPr sz="1000" b="0" i="0" u="none" strike="noStrike" cap="none">
                 <a:solidFill>
                   <a:schemeClr val="dk2"/>
                 </a:solidFill>
@@ -2068,7 +2129,7 @@
                 <a:sym typeface="Arial"/>
               </a:defRPr>
             </a:lvl3pPr>
-            <a:lvl4pPr indent="0" lvl="3" marL="0" marR="0" algn="r">
+            <a:lvl4pPr marL="0" marR="0" lvl="3" indent="0" algn="r">
               <a:lnSpc>
                 <a:spcPct val="100000"/>
               </a:lnSpc>
@@ -2084,7 +2145,7 @@
               <a:buSzPts val="1000"/>
               <a:buFont typeface="Arial"/>
               <a:buNone/>
-              <a:defRPr b="0" i="0" sz="1000" u="none" cap="none" strike="noStrike">
+              <a:defRPr sz="1000" b="0" i="0" u="none" strike="noStrike" cap="none">
                 <a:solidFill>
                   <a:schemeClr val="dk2"/>
                 </a:solidFill>
@@ -2094,7 +2155,7 @@
                 <a:sym typeface="Arial"/>
               </a:defRPr>
             </a:lvl4pPr>
-            <a:lvl5pPr indent="0" lvl="4" marL="0" marR="0" algn="r">
+            <a:lvl5pPr marL="0" marR="0" lvl="4" indent="0" algn="r">
               <a:lnSpc>
                 <a:spcPct val="100000"/>
               </a:lnSpc>
@@ -2110,7 +2171,7 @@
               <a:buSzPts val="1000"/>
               <a:buFont typeface="Arial"/>
               <a:buNone/>
-              <a:defRPr b="0" i="0" sz="1000" u="none" cap="none" strike="noStrike">
+              <a:defRPr sz="1000" b="0" i="0" u="none" strike="noStrike" cap="none">
                 <a:solidFill>
                   <a:schemeClr val="dk2"/>
                 </a:solidFill>
@@ -2120,7 +2181,7 @@
                 <a:sym typeface="Arial"/>
               </a:defRPr>
             </a:lvl5pPr>
-            <a:lvl6pPr indent="0" lvl="5" marL="0" marR="0" algn="r">
+            <a:lvl6pPr marL="0" marR="0" lvl="5" indent="0" algn="r">
               <a:lnSpc>
                 <a:spcPct val="100000"/>
               </a:lnSpc>
@@ -2136,7 +2197,7 @@
               <a:buSzPts val="1000"/>
               <a:buFont typeface="Arial"/>
               <a:buNone/>
-              <a:defRPr b="0" i="0" sz="1000" u="none" cap="none" strike="noStrike">
+              <a:defRPr sz="1000" b="0" i="0" u="none" strike="noStrike" cap="none">
                 <a:solidFill>
                   <a:schemeClr val="dk2"/>
                 </a:solidFill>
@@ -2146,7 +2207,7 @@
                 <a:sym typeface="Arial"/>
               </a:defRPr>
             </a:lvl6pPr>
-            <a:lvl7pPr indent="0" lvl="6" marL="0" marR="0" algn="r">
+            <a:lvl7pPr marL="0" marR="0" lvl="6" indent="0" algn="r">
               <a:lnSpc>
                 <a:spcPct val="100000"/>
               </a:lnSpc>
@@ -2162,7 +2223,7 @@
               <a:buSzPts val="1000"/>
               <a:buFont typeface="Arial"/>
               <a:buNone/>
-              <a:defRPr b="0" i="0" sz="1000" u="none" cap="none" strike="noStrike">
+              <a:defRPr sz="1000" b="0" i="0" u="none" strike="noStrike" cap="none">
                 <a:solidFill>
                   <a:schemeClr val="dk2"/>
                 </a:solidFill>
@@ -2172,7 +2233,7 @@
                 <a:sym typeface="Arial"/>
               </a:defRPr>
             </a:lvl7pPr>
-            <a:lvl8pPr indent="0" lvl="7" marL="0" marR="0" algn="r">
+            <a:lvl8pPr marL="0" marR="0" lvl="7" indent="0" algn="r">
               <a:lnSpc>
                 <a:spcPct val="100000"/>
               </a:lnSpc>
@@ -2188,7 +2249,7 @@
               <a:buSzPts val="1000"/>
               <a:buFont typeface="Arial"/>
               <a:buNone/>
-              <a:defRPr b="0" i="0" sz="1000" u="none" cap="none" strike="noStrike">
+              <a:defRPr sz="1000" b="0" i="0" u="none" strike="noStrike" cap="none">
                 <a:solidFill>
                   <a:schemeClr val="dk2"/>
                 </a:solidFill>
@@ -2198,7 +2259,7 @@
                 <a:sym typeface="Arial"/>
               </a:defRPr>
             </a:lvl8pPr>
-            <a:lvl9pPr indent="0" lvl="8" marL="0" marR="0" algn="r">
+            <a:lvl9pPr marL="0" marR="0" lvl="8" indent="0" algn="r">
               <a:lnSpc>
                 <a:spcPct val="100000"/>
               </a:lnSpc>
@@ -2214,7 +2275,7 @@
               <a:buSzPts val="1000"/>
               <a:buFont typeface="Arial"/>
               <a:buNone/>
-              <a:defRPr b="0" i="0" sz="1000" u="none" cap="none" strike="noStrike">
+              <a:defRPr sz="1000" b="0" i="0" u="none" strike="noStrike" cap="none">
                 <a:solidFill>
                   <a:schemeClr val="dk2"/>
                 </a:solidFill>
@@ -2226,7 +2287,7 @@
             </a:lvl9pPr>
           </a:lstStyle>
           <a:p>
-            <a:pPr indent="0" lvl="0" marL="0" rtl="0" algn="r">
+            <a:pPr marL="0" lvl="0" indent="0" algn="r" rtl="0">
               <a:spcBef>
                 <a:spcPts val="0"/>
               </a:spcBef>
@@ -2252,11 +2313,11 @@
 </file>
 
 <file path=ppt/slideLayouts/slideLayout10.xml><?xml version="1.0" encoding="utf-8"?>
-<p:sldLayout xmlns:a="http://schemas.openxmlformats.org/drawingml/2006/main" xmlns:r="http://schemas.openxmlformats.org/officeDocument/2006/relationships" xmlns:mc="http://schemas.openxmlformats.org/markup-compatibility/2006" xmlns:mv="urn:schemas-microsoft-com:mac:vml" xmlns:p="http://schemas.openxmlformats.org/presentationml/2006/main" xmlns:c="http://schemas.openxmlformats.org/drawingml/2006/chart" xmlns:dgm="http://schemas.openxmlformats.org/drawingml/2006/diagram" xmlns:o="urn:schemas-microsoft-com:office:office" xmlns:v="urn:schemas-microsoft-com:vml" xmlns:pvml="urn:schemas-microsoft-com:office:powerpoint" xmlns:com="http://schemas.openxmlformats.org/drawingml/2006/compatibility" xmlns:p14="http://schemas.microsoft.com/office/powerpoint/2010/main" xmlns:p15="http://schemas.microsoft.com/office/powerpoint/2012/main" xmlns:ahyp="http://schemas.microsoft.com/office/drawing/2018/hyperlinkcolor" matchingName="Big number">
+<p:sldLayout xmlns:a="http://schemas.openxmlformats.org/drawingml/2006/main" xmlns:r="http://schemas.openxmlformats.org/officeDocument/2006/relationships" xmlns:p="http://schemas.openxmlformats.org/presentationml/2006/main" matchingName="Big number">
   <p:cSld name="BIG_NUMBER">
     <p:spTree>
       <p:nvGrpSpPr>
-        <p:cNvPr id="44" name="Shape 44"/>
+        <p:cNvPr id="1" name="Shape 44"/>
         <p:cNvGrpSpPr/>
         <p:nvPr/>
       </p:nvGrpSpPr>
@@ -2271,9 +2332,11 @@
       <p:sp>
         <p:nvSpPr>
           <p:cNvPr id="45" name="Google Shape;45;p18"/>
-          <p:cNvSpPr txBox="1"/>
+          <p:cNvSpPr txBox="1">
+            <a:spLocks noGrp="1"/>
+          </p:cNvSpPr>
           <p:nvPr>
-            <p:ph hasCustomPrompt="1" type="title"/>
+            <p:ph type="title" hasCustomPrompt="1"/>
           </p:nvPr>
         </p:nvSpPr>
         <p:spPr>
@@ -2290,7 +2353,7 @@
           </a:ln>
         </p:spPr>
         <p:txBody>
-          <a:bodyPr anchorCtr="0" anchor="b" bIns="91425" lIns="91425" spcFirstLastPara="1" rIns="91425" wrap="square" tIns="91425">
+          <a:bodyPr spcFirstLastPara="1" wrap="square" lIns="91425" tIns="91425" rIns="91425" bIns="91425" anchor="b" anchorCtr="0">
             <a:noAutofit/>
           </a:bodyPr>
           <a:lstStyle>
@@ -2431,9 +2494,11 @@
       <p:sp>
         <p:nvSpPr>
           <p:cNvPr id="46" name="Google Shape;46;p18"/>
-          <p:cNvSpPr txBox="1"/>
+          <p:cNvSpPr txBox="1">
+            <a:spLocks noGrp="1"/>
+          </p:cNvSpPr>
           <p:nvPr>
-            <p:ph idx="1" type="body"/>
+            <p:ph type="body" idx="1"/>
           </p:nvPr>
         </p:nvSpPr>
         <p:spPr>
@@ -2450,11 +2515,11 @@
           </a:ln>
         </p:spPr>
         <p:txBody>
-          <a:bodyPr anchorCtr="0" anchor="t" bIns="91425" lIns="91425" spcFirstLastPara="1" rIns="91425" wrap="square" tIns="91425">
+          <a:bodyPr spcFirstLastPara="1" wrap="square" lIns="91425" tIns="91425" rIns="91425" bIns="91425" anchor="t" anchorCtr="0">
             <a:noAutofit/>
           </a:bodyPr>
           <a:lstStyle>
-            <a:lvl1pPr indent="-342900" lvl="0" marL="457200" algn="ctr">
+            <a:lvl1pPr marL="457200" lvl="0" indent="-342900" algn="ctr">
               <a:lnSpc>
                 <a:spcPct val="115000"/>
               </a:lnSpc>
@@ -2468,7 +2533,7 @@
               <a:buChar char="●"/>
               <a:defRPr/>
             </a:lvl1pPr>
-            <a:lvl2pPr indent="-317500" lvl="1" marL="914400" algn="ctr">
+            <a:lvl2pPr marL="914400" lvl="1" indent="-317500" algn="ctr">
               <a:lnSpc>
                 <a:spcPct val="115000"/>
               </a:lnSpc>
@@ -2482,7 +2547,7 @@
               <a:buChar char="○"/>
               <a:defRPr/>
             </a:lvl2pPr>
-            <a:lvl3pPr indent="-317500" lvl="2" marL="1371600" algn="ctr">
+            <a:lvl3pPr marL="1371600" lvl="2" indent="-317500" algn="ctr">
               <a:lnSpc>
                 <a:spcPct val="115000"/>
               </a:lnSpc>
@@ -2496,7 +2561,7 @@
               <a:buChar char="■"/>
               <a:defRPr/>
             </a:lvl3pPr>
-            <a:lvl4pPr indent="-317500" lvl="3" marL="1828800" algn="ctr">
+            <a:lvl4pPr marL="1828800" lvl="3" indent="-317500" algn="ctr">
               <a:lnSpc>
                 <a:spcPct val="115000"/>
               </a:lnSpc>
@@ -2510,7 +2575,7 @@
               <a:buChar char="●"/>
               <a:defRPr/>
             </a:lvl4pPr>
-            <a:lvl5pPr indent="-317500" lvl="4" marL="2286000" algn="ctr">
+            <a:lvl5pPr marL="2286000" lvl="4" indent="-317500" algn="ctr">
               <a:lnSpc>
                 <a:spcPct val="115000"/>
               </a:lnSpc>
@@ -2524,7 +2589,7 @@
               <a:buChar char="○"/>
               <a:defRPr/>
             </a:lvl5pPr>
-            <a:lvl6pPr indent="-317500" lvl="5" marL="2743200" algn="ctr">
+            <a:lvl6pPr marL="2743200" lvl="5" indent="-317500" algn="ctr">
               <a:lnSpc>
                 <a:spcPct val="115000"/>
               </a:lnSpc>
@@ -2538,7 +2603,7 @@
               <a:buChar char="■"/>
               <a:defRPr/>
             </a:lvl6pPr>
-            <a:lvl7pPr indent="-317500" lvl="6" marL="3200400" algn="ctr">
+            <a:lvl7pPr marL="3200400" lvl="6" indent="-317500" algn="ctr">
               <a:lnSpc>
                 <a:spcPct val="115000"/>
               </a:lnSpc>
@@ -2552,7 +2617,7 @@
               <a:buChar char="●"/>
               <a:defRPr/>
             </a:lvl7pPr>
-            <a:lvl8pPr indent="-317500" lvl="7" marL="3657600" algn="ctr">
+            <a:lvl8pPr marL="3657600" lvl="7" indent="-317500" algn="ctr">
               <a:lnSpc>
                 <a:spcPct val="115000"/>
               </a:lnSpc>
@@ -2566,7 +2631,7 @@
               <a:buChar char="○"/>
               <a:defRPr/>
             </a:lvl8pPr>
-            <a:lvl9pPr indent="-317500" lvl="8" marL="4114800" algn="ctr">
+            <a:lvl9pPr marL="4114800" lvl="8" indent="-317500" algn="ctr">
               <a:lnSpc>
                 <a:spcPct val="115000"/>
               </a:lnSpc>
@@ -2581,15 +2646,19 @@
               <a:defRPr/>
             </a:lvl9pPr>
           </a:lstStyle>
-          <a:p/>
+          <a:p>
+            <a:endParaRPr/>
+          </a:p>
         </p:txBody>
       </p:sp>
       <p:sp>
         <p:nvSpPr>
           <p:cNvPr id="47" name="Google Shape;47;p18"/>
-          <p:cNvSpPr txBox="1"/>
+          <p:cNvSpPr txBox="1">
+            <a:spLocks noGrp="1"/>
+          </p:cNvSpPr>
           <p:nvPr>
-            <p:ph idx="12" type="sldNum"/>
+            <p:ph type="sldNum" idx="12"/>
           </p:nvPr>
         </p:nvSpPr>
         <p:spPr>
@@ -2606,11 +2675,11 @@
           </a:ln>
         </p:spPr>
         <p:txBody>
-          <a:bodyPr anchorCtr="0" anchor="ctr" bIns="91425" lIns="91425" spcFirstLastPara="1" rIns="91425" wrap="square" tIns="91425">
+          <a:bodyPr spcFirstLastPara="1" wrap="square" lIns="91425" tIns="91425" rIns="91425" bIns="91425" anchor="ctr" anchorCtr="0">
             <a:noAutofit/>
           </a:bodyPr>
           <a:lstStyle>
-            <a:lvl1pPr indent="0" lvl="0" marL="0" marR="0" algn="r">
+            <a:lvl1pPr marL="0" marR="0" lvl="0" indent="0" algn="r">
               <a:lnSpc>
                 <a:spcPct val="100000"/>
               </a:lnSpc>
@@ -2626,7 +2695,7 @@
               <a:buSzPts val="1000"/>
               <a:buFont typeface="Arial"/>
               <a:buNone/>
-              <a:defRPr b="0" i="0" sz="1000" u="none" cap="none" strike="noStrike">
+              <a:defRPr sz="1000" b="0" i="0" u="none" strike="noStrike" cap="none">
                 <a:solidFill>
                   <a:schemeClr val="dk2"/>
                 </a:solidFill>
@@ -2636,7 +2705,7 @@
                 <a:sym typeface="Arial"/>
               </a:defRPr>
             </a:lvl1pPr>
-            <a:lvl2pPr indent="0" lvl="1" marL="0" marR="0" algn="r">
+            <a:lvl2pPr marL="0" marR="0" lvl="1" indent="0" algn="r">
               <a:lnSpc>
                 <a:spcPct val="100000"/>
               </a:lnSpc>
@@ -2652,7 +2721,7 @@
               <a:buSzPts val="1000"/>
               <a:buFont typeface="Arial"/>
               <a:buNone/>
-              <a:defRPr b="0" i="0" sz="1000" u="none" cap="none" strike="noStrike">
+              <a:defRPr sz="1000" b="0" i="0" u="none" strike="noStrike" cap="none">
                 <a:solidFill>
                   <a:schemeClr val="dk2"/>
                 </a:solidFill>
@@ -2662,7 +2731,7 @@
                 <a:sym typeface="Arial"/>
               </a:defRPr>
             </a:lvl2pPr>
-            <a:lvl3pPr indent="0" lvl="2" marL="0" marR="0" algn="r">
+            <a:lvl3pPr marL="0" marR="0" lvl="2" indent="0" algn="r">
               <a:lnSpc>
                 <a:spcPct val="100000"/>
               </a:lnSpc>
@@ -2678,7 +2747,7 @@
               <a:buSzPts val="1000"/>
               <a:buFont typeface="Arial"/>
               <a:buNone/>
-              <a:defRPr b="0" i="0" sz="1000" u="none" cap="none" strike="noStrike">
+              <a:defRPr sz="1000" b="0" i="0" u="none" strike="noStrike" cap="none">
                 <a:solidFill>
                   <a:schemeClr val="dk2"/>
                 </a:solidFill>
@@ -2688,7 +2757,7 @@
                 <a:sym typeface="Arial"/>
               </a:defRPr>
             </a:lvl3pPr>
-            <a:lvl4pPr indent="0" lvl="3" marL="0" marR="0" algn="r">
+            <a:lvl4pPr marL="0" marR="0" lvl="3" indent="0" algn="r">
               <a:lnSpc>
                 <a:spcPct val="100000"/>
               </a:lnSpc>
@@ -2704,7 +2773,7 @@
               <a:buSzPts val="1000"/>
               <a:buFont typeface="Arial"/>
               <a:buNone/>
-              <a:defRPr b="0" i="0" sz="1000" u="none" cap="none" strike="noStrike">
+              <a:defRPr sz="1000" b="0" i="0" u="none" strike="noStrike" cap="none">
                 <a:solidFill>
                   <a:schemeClr val="dk2"/>
                 </a:solidFill>
@@ -2714,7 +2783,7 @@
                 <a:sym typeface="Arial"/>
               </a:defRPr>
             </a:lvl4pPr>
-            <a:lvl5pPr indent="0" lvl="4" marL="0" marR="0" algn="r">
+            <a:lvl5pPr marL="0" marR="0" lvl="4" indent="0" algn="r">
               <a:lnSpc>
                 <a:spcPct val="100000"/>
               </a:lnSpc>
@@ -2730,7 +2799,7 @@
               <a:buSzPts val="1000"/>
               <a:buFont typeface="Arial"/>
               <a:buNone/>
-              <a:defRPr b="0" i="0" sz="1000" u="none" cap="none" strike="noStrike">
+              <a:defRPr sz="1000" b="0" i="0" u="none" strike="noStrike" cap="none">
                 <a:solidFill>
                   <a:schemeClr val="dk2"/>
                 </a:solidFill>
@@ -2740,7 +2809,7 @@
                 <a:sym typeface="Arial"/>
               </a:defRPr>
             </a:lvl5pPr>
-            <a:lvl6pPr indent="0" lvl="5" marL="0" marR="0" algn="r">
+            <a:lvl6pPr marL="0" marR="0" lvl="5" indent="0" algn="r">
               <a:lnSpc>
                 <a:spcPct val="100000"/>
               </a:lnSpc>
@@ -2756,7 +2825,7 @@
               <a:buSzPts val="1000"/>
               <a:buFont typeface="Arial"/>
               <a:buNone/>
-              <a:defRPr b="0" i="0" sz="1000" u="none" cap="none" strike="noStrike">
+              <a:defRPr sz="1000" b="0" i="0" u="none" strike="noStrike" cap="none">
                 <a:solidFill>
                   <a:schemeClr val="dk2"/>
                 </a:solidFill>
@@ -2766,7 +2835,7 @@
                 <a:sym typeface="Arial"/>
               </a:defRPr>
             </a:lvl6pPr>
-            <a:lvl7pPr indent="0" lvl="6" marL="0" marR="0" algn="r">
+            <a:lvl7pPr marL="0" marR="0" lvl="6" indent="0" algn="r">
               <a:lnSpc>
                 <a:spcPct val="100000"/>
               </a:lnSpc>
@@ -2782,7 +2851,7 @@
               <a:buSzPts val="1000"/>
               <a:buFont typeface="Arial"/>
               <a:buNone/>
-              <a:defRPr b="0" i="0" sz="1000" u="none" cap="none" strike="noStrike">
+              <a:defRPr sz="1000" b="0" i="0" u="none" strike="noStrike" cap="none">
                 <a:solidFill>
                   <a:schemeClr val="dk2"/>
                 </a:solidFill>
@@ -2792,7 +2861,7 @@
                 <a:sym typeface="Arial"/>
               </a:defRPr>
             </a:lvl7pPr>
-            <a:lvl8pPr indent="0" lvl="7" marL="0" marR="0" algn="r">
+            <a:lvl8pPr marL="0" marR="0" lvl="7" indent="0" algn="r">
               <a:lnSpc>
                 <a:spcPct val="100000"/>
               </a:lnSpc>
@@ -2808,7 +2877,7 @@
               <a:buSzPts val="1000"/>
               <a:buFont typeface="Arial"/>
               <a:buNone/>
-              <a:defRPr b="0" i="0" sz="1000" u="none" cap="none" strike="noStrike">
+              <a:defRPr sz="1000" b="0" i="0" u="none" strike="noStrike" cap="none">
                 <a:solidFill>
                   <a:schemeClr val="dk2"/>
                 </a:solidFill>
@@ -2818,7 +2887,7 @@
                 <a:sym typeface="Arial"/>
               </a:defRPr>
             </a:lvl8pPr>
-            <a:lvl9pPr indent="0" lvl="8" marL="0" marR="0" algn="r">
+            <a:lvl9pPr marL="0" marR="0" lvl="8" indent="0" algn="r">
               <a:lnSpc>
                 <a:spcPct val="100000"/>
               </a:lnSpc>
@@ -2834,7 +2903,7 @@
               <a:buSzPts val="1000"/>
               <a:buFont typeface="Arial"/>
               <a:buNone/>
-              <a:defRPr b="0" i="0" sz="1000" u="none" cap="none" strike="noStrike">
+              <a:defRPr sz="1000" b="0" i="0" u="none" strike="noStrike" cap="none">
                 <a:solidFill>
                   <a:schemeClr val="dk2"/>
                 </a:solidFill>
@@ -2846,7 +2915,7 @@
             </a:lvl9pPr>
           </a:lstStyle>
           <a:p>
-            <a:pPr indent="0" lvl="0" marL="0" rtl="0" algn="r">
+            <a:pPr marL="0" lvl="0" indent="0" algn="r" rtl="0">
               <a:spcBef>
                 <a:spcPts val="0"/>
               </a:spcBef>
@@ -2872,11 +2941,11 @@
 </file>
 
 <file path=ppt/slideLayouts/slideLayout11.xml><?xml version="1.0" encoding="utf-8"?>
-<p:sldLayout xmlns:a="http://schemas.openxmlformats.org/drawingml/2006/main" xmlns:r="http://schemas.openxmlformats.org/officeDocument/2006/relationships" xmlns:mc="http://schemas.openxmlformats.org/markup-compatibility/2006" xmlns:mv="urn:schemas-microsoft-com:mac:vml" xmlns:p="http://schemas.openxmlformats.org/presentationml/2006/main" xmlns:c="http://schemas.openxmlformats.org/drawingml/2006/chart" xmlns:dgm="http://schemas.openxmlformats.org/drawingml/2006/diagram" xmlns:o="urn:schemas-microsoft-com:office:office" xmlns:v="urn:schemas-microsoft-com:vml" xmlns:pvml="urn:schemas-microsoft-com:office:powerpoint" xmlns:com="http://schemas.openxmlformats.org/drawingml/2006/compatibility" xmlns:p14="http://schemas.microsoft.com/office/powerpoint/2010/main" xmlns:p15="http://schemas.microsoft.com/office/powerpoint/2012/main" xmlns:ahyp="http://schemas.microsoft.com/office/drawing/2018/hyperlinkcolor" matchingName="Blank" type="blank">
+<p:sldLayout xmlns:a="http://schemas.openxmlformats.org/drawingml/2006/main" xmlns:r="http://schemas.openxmlformats.org/officeDocument/2006/relationships" xmlns:p="http://schemas.openxmlformats.org/presentationml/2006/main" matchingName="Blank" type="blank">
   <p:cSld name="BLANK">
     <p:spTree>
       <p:nvGrpSpPr>
-        <p:cNvPr id="48" name="Shape 48"/>
+        <p:cNvPr id="1" name="Shape 48"/>
         <p:cNvGrpSpPr/>
         <p:nvPr/>
       </p:nvGrpSpPr>
@@ -2891,9 +2960,11 @@
       <p:sp>
         <p:nvSpPr>
           <p:cNvPr id="49" name="Google Shape;49;p19"/>
-          <p:cNvSpPr txBox="1"/>
+          <p:cNvSpPr txBox="1">
+            <a:spLocks noGrp="1"/>
+          </p:cNvSpPr>
           <p:nvPr>
-            <p:ph idx="12" type="sldNum"/>
+            <p:ph type="sldNum" idx="12"/>
           </p:nvPr>
         </p:nvSpPr>
         <p:spPr>
@@ -2910,11 +2981,11 @@
           </a:ln>
         </p:spPr>
         <p:txBody>
-          <a:bodyPr anchorCtr="0" anchor="ctr" bIns="91425" lIns="91425" spcFirstLastPara="1" rIns="91425" wrap="square" tIns="91425">
+          <a:bodyPr spcFirstLastPara="1" wrap="square" lIns="91425" tIns="91425" rIns="91425" bIns="91425" anchor="ctr" anchorCtr="0">
             <a:noAutofit/>
           </a:bodyPr>
           <a:lstStyle>
-            <a:lvl1pPr indent="0" lvl="0" marL="0" marR="0" algn="r">
+            <a:lvl1pPr marL="0" marR="0" lvl="0" indent="0" algn="r">
               <a:lnSpc>
                 <a:spcPct val="100000"/>
               </a:lnSpc>
@@ -2930,7 +3001,7 @@
               <a:buSzPts val="1000"/>
               <a:buFont typeface="Arial"/>
               <a:buNone/>
-              <a:defRPr b="0" i="0" sz="1000" u="none" cap="none" strike="noStrike">
+              <a:defRPr sz="1000" b="0" i="0" u="none" strike="noStrike" cap="none">
                 <a:solidFill>
                   <a:schemeClr val="dk2"/>
                 </a:solidFill>
@@ -2940,7 +3011,7 @@
                 <a:sym typeface="Arial"/>
               </a:defRPr>
             </a:lvl1pPr>
-            <a:lvl2pPr indent="0" lvl="1" marL="0" marR="0" algn="r">
+            <a:lvl2pPr marL="0" marR="0" lvl="1" indent="0" algn="r">
               <a:lnSpc>
                 <a:spcPct val="100000"/>
               </a:lnSpc>
@@ -2956,7 +3027,7 @@
               <a:buSzPts val="1000"/>
               <a:buFont typeface="Arial"/>
               <a:buNone/>
-              <a:defRPr b="0" i="0" sz="1000" u="none" cap="none" strike="noStrike">
+              <a:defRPr sz="1000" b="0" i="0" u="none" strike="noStrike" cap="none">
                 <a:solidFill>
                   <a:schemeClr val="dk2"/>
                 </a:solidFill>
@@ -2966,7 +3037,7 @@
                 <a:sym typeface="Arial"/>
               </a:defRPr>
             </a:lvl2pPr>
-            <a:lvl3pPr indent="0" lvl="2" marL="0" marR="0" algn="r">
+            <a:lvl3pPr marL="0" marR="0" lvl="2" indent="0" algn="r">
               <a:lnSpc>
                 <a:spcPct val="100000"/>
               </a:lnSpc>
@@ -2982,7 +3053,7 @@
               <a:buSzPts val="1000"/>
               <a:buFont typeface="Arial"/>
               <a:buNone/>
-              <a:defRPr b="0" i="0" sz="1000" u="none" cap="none" strike="noStrike">
+              <a:defRPr sz="1000" b="0" i="0" u="none" strike="noStrike" cap="none">
                 <a:solidFill>
                   <a:schemeClr val="dk2"/>
                 </a:solidFill>
@@ -2992,7 +3063,7 @@
                 <a:sym typeface="Arial"/>
               </a:defRPr>
             </a:lvl3pPr>
-            <a:lvl4pPr indent="0" lvl="3" marL="0" marR="0" algn="r">
+            <a:lvl4pPr marL="0" marR="0" lvl="3" indent="0" algn="r">
               <a:lnSpc>
                 <a:spcPct val="100000"/>
               </a:lnSpc>
@@ -3008,7 +3079,7 @@
               <a:buSzPts val="1000"/>
               <a:buFont typeface="Arial"/>
               <a:buNone/>
-              <a:defRPr b="0" i="0" sz="1000" u="none" cap="none" strike="noStrike">
+              <a:defRPr sz="1000" b="0" i="0" u="none" strike="noStrike" cap="none">
                 <a:solidFill>
                   <a:schemeClr val="dk2"/>
                 </a:solidFill>
@@ -3018,7 +3089,7 @@
                 <a:sym typeface="Arial"/>
               </a:defRPr>
             </a:lvl4pPr>
-            <a:lvl5pPr indent="0" lvl="4" marL="0" marR="0" algn="r">
+            <a:lvl5pPr marL="0" marR="0" lvl="4" indent="0" algn="r">
               <a:lnSpc>
                 <a:spcPct val="100000"/>
               </a:lnSpc>
@@ -3034,7 +3105,7 @@
               <a:buSzPts val="1000"/>
               <a:buFont typeface="Arial"/>
               <a:buNone/>
-              <a:defRPr b="0" i="0" sz="1000" u="none" cap="none" strike="noStrike">
+              <a:defRPr sz="1000" b="0" i="0" u="none" strike="noStrike" cap="none">
                 <a:solidFill>
                   <a:schemeClr val="dk2"/>
                 </a:solidFill>
@@ -3044,7 +3115,7 @@
                 <a:sym typeface="Arial"/>
               </a:defRPr>
             </a:lvl5pPr>
-            <a:lvl6pPr indent="0" lvl="5" marL="0" marR="0" algn="r">
+            <a:lvl6pPr marL="0" marR="0" lvl="5" indent="0" algn="r">
               <a:lnSpc>
                 <a:spcPct val="100000"/>
               </a:lnSpc>
@@ -3060,7 +3131,7 @@
               <a:buSzPts val="1000"/>
               <a:buFont typeface="Arial"/>
               <a:buNone/>
-              <a:defRPr b="0" i="0" sz="1000" u="none" cap="none" strike="noStrike">
+              <a:defRPr sz="1000" b="0" i="0" u="none" strike="noStrike" cap="none">
                 <a:solidFill>
                   <a:schemeClr val="dk2"/>
                 </a:solidFill>
@@ -3070,7 +3141,7 @@
                 <a:sym typeface="Arial"/>
               </a:defRPr>
             </a:lvl6pPr>
-            <a:lvl7pPr indent="0" lvl="6" marL="0" marR="0" algn="r">
+            <a:lvl7pPr marL="0" marR="0" lvl="6" indent="0" algn="r">
               <a:lnSpc>
                 <a:spcPct val="100000"/>
               </a:lnSpc>
@@ -3086,7 +3157,7 @@
               <a:buSzPts val="1000"/>
               <a:buFont typeface="Arial"/>
               <a:buNone/>
-              <a:defRPr b="0" i="0" sz="1000" u="none" cap="none" strike="noStrike">
+              <a:defRPr sz="1000" b="0" i="0" u="none" strike="noStrike" cap="none">
                 <a:solidFill>
                   <a:schemeClr val="dk2"/>
                 </a:solidFill>
@@ -3096,7 +3167,7 @@
                 <a:sym typeface="Arial"/>
               </a:defRPr>
             </a:lvl7pPr>
-            <a:lvl8pPr indent="0" lvl="7" marL="0" marR="0" algn="r">
+            <a:lvl8pPr marL="0" marR="0" lvl="7" indent="0" algn="r">
               <a:lnSpc>
                 <a:spcPct val="100000"/>
               </a:lnSpc>
@@ -3112,7 +3183,7 @@
               <a:buSzPts val="1000"/>
               <a:buFont typeface="Arial"/>
               <a:buNone/>
-              <a:defRPr b="0" i="0" sz="1000" u="none" cap="none" strike="noStrike">
+              <a:defRPr sz="1000" b="0" i="0" u="none" strike="noStrike" cap="none">
                 <a:solidFill>
                   <a:schemeClr val="dk2"/>
                 </a:solidFill>
@@ -3122,7 +3193,7 @@
                 <a:sym typeface="Arial"/>
               </a:defRPr>
             </a:lvl8pPr>
-            <a:lvl9pPr indent="0" lvl="8" marL="0" marR="0" algn="r">
+            <a:lvl9pPr marL="0" marR="0" lvl="8" indent="0" algn="r">
               <a:lnSpc>
                 <a:spcPct val="100000"/>
               </a:lnSpc>
@@ -3138,7 +3209,7 @@
               <a:buSzPts val="1000"/>
               <a:buFont typeface="Arial"/>
               <a:buNone/>
-              <a:defRPr b="0" i="0" sz="1000" u="none" cap="none" strike="noStrike">
+              <a:defRPr sz="1000" b="0" i="0" u="none" strike="noStrike" cap="none">
                 <a:solidFill>
                   <a:schemeClr val="dk2"/>
                 </a:solidFill>
@@ -3150,7 +3221,7 @@
             </a:lvl9pPr>
           </a:lstStyle>
           <a:p>
-            <a:pPr indent="0" lvl="0" marL="0" rtl="0" algn="r">
+            <a:pPr marL="0" lvl="0" indent="0" algn="r" rtl="0">
               <a:spcBef>
                 <a:spcPts val="0"/>
               </a:spcBef>
@@ -3176,11 +3247,11 @@
 </file>
 
 <file path=ppt/slideLayouts/slideLayout2.xml><?xml version="1.0" encoding="utf-8"?>
-<p:sldLayout xmlns:a="http://schemas.openxmlformats.org/drawingml/2006/main" xmlns:r="http://schemas.openxmlformats.org/officeDocument/2006/relationships" xmlns:mc="http://schemas.openxmlformats.org/markup-compatibility/2006" xmlns:mv="urn:schemas-microsoft-com:mac:vml" xmlns:p="http://schemas.openxmlformats.org/presentationml/2006/main" xmlns:c="http://schemas.openxmlformats.org/drawingml/2006/chart" xmlns:dgm="http://schemas.openxmlformats.org/drawingml/2006/diagram" xmlns:o="urn:schemas-microsoft-com:office:office" xmlns:v="urn:schemas-microsoft-com:vml" xmlns:pvml="urn:schemas-microsoft-com:office:powerpoint" xmlns:com="http://schemas.openxmlformats.org/drawingml/2006/compatibility" xmlns:p14="http://schemas.microsoft.com/office/powerpoint/2010/main" xmlns:p15="http://schemas.microsoft.com/office/powerpoint/2012/main" xmlns:ahyp="http://schemas.microsoft.com/office/drawing/2018/hyperlinkcolor" matchingName="Title and body" type="tx">
+<p:sldLayout xmlns:a="http://schemas.openxmlformats.org/drawingml/2006/main" xmlns:r="http://schemas.openxmlformats.org/officeDocument/2006/relationships" xmlns:p="http://schemas.openxmlformats.org/presentationml/2006/main" matchingName="Title and body" type="tx">
   <p:cSld name="TITLE_AND_BODY">
     <p:spTree>
       <p:nvGrpSpPr>
-        <p:cNvPr id="13" name="Shape 13"/>
+        <p:cNvPr id="1" name="Shape 13"/>
         <p:cNvGrpSpPr/>
         <p:nvPr/>
       </p:nvGrpSpPr>
@@ -3195,7 +3266,9 @@
       <p:sp>
         <p:nvSpPr>
           <p:cNvPr id="14" name="Google Shape;14;p10"/>
-          <p:cNvSpPr txBox="1"/>
+          <p:cNvSpPr txBox="1">
+            <a:spLocks noGrp="1"/>
+          </p:cNvSpPr>
           <p:nvPr>
             <p:ph type="title"/>
           </p:nvPr>
@@ -3214,7 +3287,7 @@
           </a:ln>
         </p:spPr>
         <p:txBody>
-          <a:bodyPr anchorCtr="0" anchor="t" bIns="91425" lIns="91425" spcFirstLastPara="1" rIns="91425" wrap="square" tIns="91425">
+          <a:bodyPr spcFirstLastPara="1" wrap="square" lIns="91425" tIns="91425" rIns="91425" bIns="91425" anchor="t" anchorCtr="0">
             <a:noAutofit/>
           </a:bodyPr>
           <a:lstStyle>
@@ -3345,15 +3418,19 @@
               <a:defRPr/>
             </a:lvl9pPr>
           </a:lstStyle>
-          <a:p/>
+          <a:p>
+            <a:endParaRPr/>
+          </a:p>
         </p:txBody>
       </p:sp>
       <p:sp>
         <p:nvSpPr>
           <p:cNvPr id="15" name="Google Shape;15;p10"/>
-          <p:cNvSpPr txBox="1"/>
+          <p:cNvSpPr txBox="1">
+            <a:spLocks noGrp="1"/>
+          </p:cNvSpPr>
           <p:nvPr>
-            <p:ph idx="1" type="body"/>
+            <p:ph type="body" idx="1"/>
           </p:nvPr>
         </p:nvSpPr>
         <p:spPr>
@@ -3370,11 +3447,11 @@
           </a:ln>
         </p:spPr>
         <p:txBody>
-          <a:bodyPr anchorCtr="0" anchor="t" bIns="91425" lIns="91425" spcFirstLastPara="1" rIns="91425" wrap="square" tIns="91425">
+          <a:bodyPr spcFirstLastPara="1" wrap="square" lIns="91425" tIns="91425" rIns="91425" bIns="91425" anchor="t" anchorCtr="0">
             <a:noAutofit/>
           </a:bodyPr>
           <a:lstStyle>
-            <a:lvl1pPr indent="-342900" lvl="0" marL="457200" algn="l">
+            <a:lvl1pPr marL="457200" lvl="0" indent="-342900" algn="l">
               <a:lnSpc>
                 <a:spcPct val="115000"/>
               </a:lnSpc>
@@ -3388,7 +3465,7 @@
               <a:buChar char="●"/>
               <a:defRPr/>
             </a:lvl1pPr>
-            <a:lvl2pPr indent="-317500" lvl="1" marL="914400" algn="l">
+            <a:lvl2pPr marL="914400" lvl="1" indent="-317500" algn="l">
               <a:lnSpc>
                 <a:spcPct val="115000"/>
               </a:lnSpc>
@@ -3402,7 +3479,7 @@
               <a:buChar char="○"/>
               <a:defRPr/>
             </a:lvl2pPr>
-            <a:lvl3pPr indent="-317500" lvl="2" marL="1371600" algn="l">
+            <a:lvl3pPr marL="1371600" lvl="2" indent="-317500" algn="l">
               <a:lnSpc>
                 <a:spcPct val="115000"/>
               </a:lnSpc>
@@ -3416,7 +3493,7 @@
               <a:buChar char="■"/>
               <a:defRPr/>
             </a:lvl3pPr>
-            <a:lvl4pPr indent="-317500" lvl="3" marL="1828800" algn="l">
+            <a:lvl4pPr marL="1828800" lvl="3" indent="-317500" algn="l">
               <a:lnSpc>
                 <a:spcPct val="115000"/>
               </a:lnSpc>
@@ -3430,7 +3507,7 @@
               <a:buChar char="●"/>
               <a:defRPr/>
             </a:lvl4pPr>
-            <a:lvl5pPr indent="-317500" lvl="4" marL="2286000" algn="l">
+            <a:lvl5pPr marL="2286000" lvl="4" indent="-317500" algn="l">
               <a:lnSpc>
                 <a:spcPct val="115000"/>
               </a:lnSpc>
@@ -3444,7 +3521,7 @@
               <a:buChar char="○"/>
               <a:defRPr/>
             </a:lvl5pPr>
-            <a:lvl6pPr indent="-317500" lvl="5" marL="2743200" algn="l">
+            <a:lvl6pPr marL="2743200" lvl="5" indent="-317500" algn="l">
               <a:lnSpc>
                 <a:spcPct val="115000"/>
               </a:lnSpc>
@@ -3458,7 +3535,7 @@
               <a:buChar char="■"/>
               <a:defRPr/>
             </a:lvl6pPr>
-            <a:lvl7pPr indent="-317500" lvl="6" marL="3200400" algn="l">
+            <a:lvl7pPr marL="3200400" lvl="6" indent="-317500" algn="l">
               <a:lnSpc>
                 <a:spcPct val="115000"/>
               </a:lnSpc>
@@ -3472,7 +3549,7 @@
               <a:buChar char="●"/>
               <a:defRPr/>
             </a:lvl7pPr>
-            <a:lvl8pPr indent="-317500" lvl="7" marL="3657600" algn="l">
+            <a:lvl8pPr marL="3657600" lvl="7" indent="-317500" algn="l">
               <a:lnSpc>
                 <a:spcPct val="115000"/>
               </a:lnSpc>
@@ -3486,7 +3563,7 @@
               <a:buChar char="○"/>
               <a:defRPr/>
             </a:lvl8pPr>
-            <a:lvl9pPr indent="-317500" lvl="8" marL="4114800" algn="l">
+            <a:lvl9pPr marL="4114800" lvl="8" indent="-317500" algn="l">
               <a:lnSpc>
                 <a:spcPct val="115000"/>
               </a:lnSpc>
@@ -3501,15 +3578,19 @@
               <a:defRPr/>
             </a:lvl9pPr>
           </a:lstStyle>
-          <a:p/>
+          <a:p>
+            <a:endParaRPr/>
+          </a:p>
         </p:txBody>
       </p:sp>
       <p:sp>
         <p:nvSpPr>
           <p:cNvPr id="16" name="Google Shape;16;p10"/>
-          <p:cNvSpPr txBox="1"/>
+          <p:cNvSpPr txBox="1">
+            <a:spLocks noGrp="1"/>
+          </p:cNvSpPr>
           <p:nvPr>
-            <p:ph idx="12" type="sldNum"/>
+            <p:ph type="sldNum" idx="12"/>
           </p:nvPr>
         </p:nvSpPr>
         <p:spPr>
@@ -3526,11 +3607,11 @@
           </a:ln>
         </p:spPr>
         <p:txBody>
-          <a:bodyPr anchorCtr="0" anchor="ctr" bIns="91425" lIns="91425" spcFirstLastPara="1" rIns="91425" wrap="square" tIns="91425">
+          <a:bodyPr spcFirstLastPara="1" wrap="square" lIns="91425" tIns="91425" rIns="91425" bIns="91425" anchor="ctr" anchorCtr="0">
             <a:noAutofit/>
           </a:bodyPr>
           <a:lstStyle>
-            <a:lvl1pPr indent="0" lvl="0" marL="0" marR="0" algn="r">
+            <a:lvl1pPr marL="0" marR="0" lvl="0" indent="0" algn="r">
               <a:lnSpc>
                 <a:spcPct val="100000"/>
               </a:lnSpc>
@@ -3546,7 +3627,7 @@
               <a:buSzPts val="1000"/>
               <a:buFont typeface="Arial"/>
               <a:buNone/>
-              <a:defRPr b="0" i="0" sz="1000" u="none" cap="none" strike="noStrike">
+              <a:defRPr sz="1000" b="0" i="0" u="none" strike="noStrike" cap="none">
                 <a:solidFill>
                   <a:schemeClr val="dk2"/>
                 </a:solidFill>
@@ -3556,7 +3637,7 @@
                 <a:sym typeface="Arial"/>
               </a:defRPr>
             </a:lvl1pPr>
-            <a:lvl2pPr indent="0" lvl="1" marL="0" marR="0" algn="r">
+            <a:lvl2pPr marL="0" marR="0" lvl="1" indent="0" algn="r">
               <a:lnSpc>
                 <a:spcPct val="100000"/>
               </a:lnSpc>
@@ -3572,7 +3653,7 @@
               <a:buSzPts val="1000"/>
               <a:buFont typeface="Arial"/>
               <a:buNone/>
-              <a:defRPr b="0" i="0" sz="1000" u="none" cap="none" strike="noStrike">
+              <a:defRPr sz="1000" b="0" i="0" u="none" strike="noStrike" cap="none">
                 <a:solidFill>
                   <a:schemeClr val="dk2"/>
                 </a:solidFill>
@@ -3582,7 +3663,7 @@
                 <a:sym typeface="Arial"/>
               </a:defRPr>
             </a:lvl2pPr>
-            <a:lvl3pPr indent="0" lvl="2" marL="0" marR="0" algn="r">
+            <a:lvl3pPr marL="0" marR="0" lvl="2" indent="0" algn="r">
               <a:lnSpc>
                 <a:spcPct val="100000"/>
               </a:lnSpc>
@@ -3598,7 +3679,7 @@
               <a:buSzPts val="1000"/>
               <a:buFont typeface="Arial"/>
               <a:buNone/>
-              <a:defRPr b="0" i="0" sz="1000" u="none" cap="none" strike="noStrike">
+              <a:defRPr sz="1000" b="0" i="0" u="none" strike="noStrike" cap="none">
                 <a:solidFill>
                   <a:schemeClr val="dk2"/>
                 </a:solidFill>
@@ -3608,7 +3689,7 @@
                 <a:sym typeface="Arial"/>
               </a:defRPr>
             </a:lvl3pPr>
-            <a:lvl4pPr indent="0" lvl="3" marL="0" marR="0" algn="r">
+            <a:lvl4pPr marL="0" marR="0" lvl="3" indent="0" algn="r">
               <a:lnSpc>
                 <a:spcPct val="100000"/>
               </a:lnSpc>
@@ -3624,7 +3705,7 @@
               <a:buSzPts val="1000"/>
               <a:buFont typeface="Arial"/>
               <a:buNone/>
-              <a:defRPr b="0" i="0" sz="1000" u="none" cap="none" strike="noStrike">
+              <a:defRPr sz="1000" b="0" i="0" u="none" strike="noStrike" cap="none">
                 <a:solidFill>
                   <a:schemeClr val="dk2"/>
                 </a:solidFill>
@@ -3634,7 +3715,7 @@
                 <a:sym typeface="Arial"/>
               </a:defRPr>
             </a:lvl4pPr>
-            <a:lvl5pPr indent="0" lvl="4" marL="0" marR="0" algn="r">
+            <a:lvl5pPr marL="0" marR="0" lvl="4" indent="0" algn="r">
               <a:lnSpc>
                 <a:spcPct val="100000"/>
               </a:lnSpc>
@@ -3650,7 +3731,7 @@
               <a:buSzPts val="1000"/>
               <a:buFont typeface="Arial"/>
               <a:buNone/>
-              <a:defRPr b="0" i="0" sz="1000" u="none" cap="none" strike="noStrike">
+              <a:defRPr sz="1000" b="0" i="0" u="none" strike="noStrike" cap="none">
                 <a:solidFill>
                   <a:schemeClr val="dk2"/>
                 </a:solidFill>
@@ -3660,7 +3741,7 @@
                 <a:sym typeface="Arial"/>
               </a:defRPr>
             </a:lvl5pPr>
-            <a:lvl6pPr indent="0" lvl="5" marL="0" marR="0" algn="r">
+            <a:lvl6pPr marL="0" marR="0" lvl="5" indent="0" algn="r">
               <a:lnSpc>
                 <a:spcPct val="100000"/>
               </a:lnSpc>
@@ -3676,7 +3757,7 @@
               <a:buSzPts val="1000"/>
               <a:buFont typeface="Arial"/>
               <a:buNone/>
-              <a:defRPr b="0" i="0" sz="1000" u="none" cap="none" strike="noStrike">
+              <a:defRPr sz="1000" b="0" i="0" u="none" strike="noStrike" cap="none">
                 <a:solidFill>
                   <a:schemeClr val="dk2"/>
                 </a:solidFill>
@@ -3686,7 +3767,7 @@
                 <a:sym typeface="Arial"/>
               </a:defRPr>
             </a:lvl6pPr>
-            <a:lvl7pPr indent="0" lvl="6" marL="0" marR="0" algn="r">
+            <a:lvl7pPr marL="0" marR="0" lvl="6" indent="0" algn="r">
               <a:lnSpc>
                 <a:spcPct val="100000"/>
               </a:lnSpc>
@@ -3702,7 +3783,7 @@
               <a:buSzPts val="1000"/>
               <a:buFont typeface="Arial"/>
               <a:buNone/>
-              <a:defRPr b="0" i="0" sz="1000" u="none" cap="none" strike="noStrike">
+              <a:defRPr sz="1000" b="0" i="0" u="none" strike="noStrike" cap="none">
                 <a:solidFill>
                   <a:schemeClr val="dk2"/>
                 </a:solidFill>
@@ -3712,7 +3793,7 @@
                 <a:sym typeface="Arial"/>
               </a:defRPr>
             </a:lvl7pPr>
-            <a:lvl8pPr indent="0" lvl="7" marL="0" marR="0" algn="r">
+            <a:lvl8pPr marL="0" marR="0" lvl="7" indent="0" algn="r">
               <a:lnSpc>
                 <a:spcPct val="100000"/>
               </a:lnSpc>
@@ -3728,7 +3809,7 @@
               <a:buSzPts val="1000"/>
               <a:buFont typeface="Arial"/>
               <a:buNone/>
-              <a:defRPr b="0" i="0" sz="1000" u="none" cap="none" strike="noStrike">
+              <a:defRPr sz="1000" b="0" i="0" u="none" strike="noStrike" cap="none">
                 <a:solidFill>
                   <a:schemeClr val="dk2"/>
                 </a:solidFill>
@@ -3738,7 +3819,7 @@
                 <a:sym typeface="Arial"/>
               </a:defRPr>
             </a:lvl8pPr>
-            <a:lvl9pPr indent="0" lvl="8" marL="0" marR="0" algn="r">
+            <a:lvl9pPr marL="0" marR="0" lvl="8" indent="0" algn="r">
               <a:lnSpc>
                 <a:spcPct val="100000"/>
               </a:lnSpc>
@@ -3754,7 +3835,7 @@
               <a:buSzPts val="1000"/>
               <a:buFont typeface="Arial"/>
               <a:buNone/>
-              <a:defRPr b="0" i="0" sz="1000" u="none" cap="none" strike="noStrike">
+              <a:defRPr sz="1000" b="0" i="0" u="none" strike="noStrike" cap="none">
                 <a:solidFill>
                   <a:schemeClr val="dk2"/>
                 </a:solidFill>
@@ -3766,7 +3847,7 @@
             </a:lvl9pPr>
           </a:lstStyle>
           <a:p>
-            <a:pPr indent="0" lvl="0" marL="0" rtl="0" algn="r">
+            <a:pPr marL="0" lvl="0" indent="0" algn="r" rtl="0">
               <a:spcBef>
                 <a:spcPts val="0"/>
               </a:spcBef>
@@ -3792,11 +3873,11 @@
 </file>
 
 <file path=ppt/slideLayouts/slideLayout3.xml><?xml version="1.0" encoding="utf-8"?>
-<p:sldLayout xmlns:a="http://schemas.openxmlformats.org/drawingml/2006/main" xmlns:r="http://schemas.openxmlformats.org/officeDocument/2006/relationships" xmlns:mc="http://schemas.openxmlformats.org/markup-compatibility/2006" xmlns:mv="urn:schemas-microsoft-com:mac:vml" xmlns:p="http://schemas.openxmlformats.org/presentationml/2006/main" xmlns:c="http://schemas.openxmlformats.org/drawingml/2006/chart" xmlns:dgm="http://schemas.openxmlformats.org/drawingml/2006/diagram" xmlns:o="urn:schemas-microsoft-com:office:office" xmlns:v="urn:schemas-microsoft-com:vml" xmlns:pvml="urn:schemas-microsoft-com:office:powerpoint" xmlns:com="http://schemas.openxmlformats.org/drawingml/2006/compatibility" xmlns:p14="http://schemas.microsoft.com/office/powerpoint/2010/main" xmlns:p15="http://schemas.microsoft.com/office/powerpoint/2012/main" xmlns:ahyp="http://schemas.microsoft.com/office/drawing/2018/hyperlinkcolor" matchingName="Section header" type="secHead">
+<p:sldLayout xmlns:a="http://schemas.openxmlformats.org/drawingml/2006/main" xmlns:r="http://schemas.openxmlformats.org/officeDocument/2006/relationships" xmlns:p="http://schemas.openxmlformats.org/presentationml/2006/main" matchingName="Section header" type="secHead">
   <p:cSld name="SECTION_HEADER">
     <p:spTree>
       <p:nvGrpSpPr>
-        <p:cNvPr id="17" name="Shape 17"/>
+        <p:cNvPr id="1" name="Shape 17"/>
         <p:cNvGrpSpPr/>
         <p:nvPr/>
       </p:nvGrpSpPr>
@@ -3811,7 +3892,9 @@
       <p:sp>
         <p:nvSpPr>
           <p:cNvPr id="18" name="Google Shape;18;p11"/>
-          <p:cNvSpPr txBox="1"/>
+          <p:cNvSpPr txBox="1">
+            <a:spLocks noGrp="1"/>
+          </p:cNvSpPr>
           <p:nvPr>
             <p:ph type="title"/>
           </p:nvPr>
@@ -3830,7 +3913,7 @@
           </a:ln>
         </p:spPr>
         <p:txBody>
-          <a:bodyPr anchorCtr="0" anchor="ctr" bIns="91425" lIns="91425" spcFirstLastPara="1" rIns="91425" wrap="square" tIns="91425">
+          <a:bodyPr spcFirstLastPara="1" wrap="square" lIns="91425" tIns="91425" rIns="91425" bIns="91425" anchor="ctr" anchorCtr="0">
             <a:noAutofit/>
           </a:bodyPr>
           <a:lstStyle>
@@ -3961,15 +4044,19 @@
               <a:defRPr sz="3600"/>
             </a:lvl9pPr>
           </a:lstStyle>
-          <a:p/>
+          <a:p>
+            <a:endParaRPr/>
+          </a:p>
         </p:txBody>
       </p:sp>
       <p:sp>
         <p:nvSpPr>
           <p:cNvPr id="19" name="Google Shape;19;p11"/>
-          <p:cNvSpPr txBox="1"/>
+          <p:cNvSpPr txBox="1">
+            <a:spLocks noGrp="1"/>
+          </p:cNvSpPr>
           <p:nvPr>
-            <p:ph idx="12" type="sldNum"/>
+            <p:ph type="sldNum" idx="12"/>
           </p:nvPr>
         </p:nvSpPr>
         <p:spPr>
@@ -3986,11 +4073,11 @@
           </a:ln>
         </p:spPr>
         <p:txBody>
-          <a:bodyPr anchorCtr="0" anchor="ctr" bIns="91425" lIns="91425" spcFirstLastPara="1" rIns="91425" wrap="square" tIns="91425">
+          <a:bodyPr spcFirstLastPara="1" wrap="square" lIns="91425" tIns="91425" rIns="91425" bIns="91425" anchor="ctr" anchorCtr="0">
             <a:noAutofit/>
           </a:bodyPr>
           <a:lstStyle>
-            <a:lvl1pPr indent="0" lvl="0" marL="0" marR="0" algn="r">
+            <a:lvl1pPr marL="0" marR="0" lvl="0" indent="0" algn="r">
               <a:lnSpc>
                 <a:spcPct val="100000"/>
               </a:lnSpc>
@@ -4006,7 +4093,7 @@
               <a:buSzPts val="1000"/>
               <a:buFont typeface="Arial"/>
               <a:buNone/>
-              <a:defRPr b="0" i="0" sz="1000" u="none" cap="none" strike="noStrike">
+              <a:defRPr sz="1000" b="0" i="0" u="none" strike="noStrike" cap="none">
                 <a:solidFill>
                   <a:schemeClr val="dk2"/>
                 </a:solidFill>
@@ -4016,7 +4103,7 @@
                 <a:sym typeface="Arial"/>
               </a:defRPr>
             </a:lvl1pPr>
-            <a:lvl2pPr indent="0" lvl="1" marL="0" marR="0" algn="r">
+            <a:lvl2pPr marL="0" marR="0" lvl="1" indent="0" algn="r">
               <a:lnSpc>
                 <a:spcPct val="100000"/>
               </a:lnSpc>
@@ -4032,7 +4119,7 @@
               <a:buSzPts val="1000"/>
               <a:buFont typeface="Arial"/>
               <a:buNone/>
-              <a:defRPr b="0" i="0" sz="1000" u="none" cap="none" strike="noStrike">
+              <a:defRPr sz="1000" b="0" i="0" u="none" strike="noStrike" cap="none">
                 <a:solidFill>
                   <a:schemeClr val="dk2"/>
                 </a:solidFill>
@@ -4042,7 +4129,7 @@
                 <a:sym typeface="Arial"/>
               </a:defRPr>
             </a:lvl2pPr>
-            <a:lvl3pPr indent="0" lvl="2" marL="0" marR="0" algn="r">
+            <a:lvl3pPr marL="0" marR="0" lvl="2" indent="0" algn="r">
               <a:lnSpc>
                 <a:spcPct val="100000"/>
               </a:lnSpc>
@@ -4058,7 +4145,7 @@
               <a:buSzPts val="1000"/>
               <a:buFont typeface="Arial"/>
               <a:buNone/>
-              <a:defRPr b="0" i="0" sz="1000" u="none" cap="none" strike="noStrike">
+              <a:defRPr sz="1000" b="0" i="0" u="none" strike="noStrike" cap="none">
                 <a:solidFill>
                   <a:schemeClr val="dk2"/>
                 </a:solidFill>
@@ -4068,7 +4155,7 @@
                 <a:sym typeface="Arial"/>
               </a:defRPr>
             </a:lvl3pPr>
-            <a:lvl4pPr indent="0" lvl="3" marL="0" marR="0" algn="r">
+            <a:lvl4pPr marL="0" marR="0" lvl="3" indent="0" algn="r">
               <a:lnSpc>
                 <a:spcPct val="100000"/>
               </a:lnSpc>
@@ -4084,7 +4171,7 @@
               <a:buSzPts val="1000"/>
               <a:buFont typeface="Arial"/>
               <a:buNone/>
-              <a:defRPr b="0" i="0" sz="1000" u="none" cap="none" strike="noStrike">
+              <a:defRPr sz="1000" b="0" i="0" u="none" strike="noStrike" cap="none">
                 <a:solidFill>
                   <a:schemeClr val="dk2"/>
                 </a:solidFill>
@@ -4094,7 +4181,7 @@
                 <a:sym typeface="Arial"/>
               </a:defRPr>
             </a:lvl4pPr>
-            <a:lvl5pPr indent="0" lvl="4" marL="0" marR="0" algn="r">
+            <a:lvl5pPr marL="0" marR="0" lvl="4" indent="0" algn="r">
               <a:lnSpc>
                 <a:spcPct val="100000"/>
               </a:lnSpc>
@@ -4110,7 +4197,7 @@
               <a:buSzPts val="1000"/>
               <a:buFont typeface="Arial"/>
               <a:buNone/>
-              <a:defRPr b="0" i="0" sz="1000" u="none" cap="none" strike="noStrike">
+              <a:defRPr sz="1000" b="0" i="0" u="none" strike="noStrike" cap="none">
                 <a:solidFill>
                   <a:schemeClr val="dk2"/>
                 </a:solidFill>
@@ -4120,7 +4207,7 @@
                 <a:sym typeface="Arial"/>
               </a:defRPr>
             </a:lvl5pPr>
-            <a:lvl6pPr indent="0" lvl="5" marL="0" marR="0" algn="r">
+            <a:lvl6pPr marL="0" marR="0" lvl="5" indent="0" algn="r">
               <a:lnSpc>
                 <a:spcPct val="100000"/>
               </a:lnSpc>
@@ -4136,7 +4223,7 @@
               <a:buSzPts val="1000"/>
               <a:buFont typeface="Arial"/>
               <a:buNone/>
-              <a:defRPr b="0" i="0" sz="1000" u="none" cap="none" strike="noStrike">
+              <a:defRPr sz="1000" b="0" i="0" u="none" strike="noStrike" cap="none">
                 <a:solidFill>
                   <a:schemeClr val="dk2"/>
                 </a:solidFill>
@@ -4146,7 +4233,7 @@
                 <a:sym typeface="Arial"/>
               </a:defRPr>
             </a:lvl6pPr>
-            <a:lvl7pPr indent="0" lvl="6" marL="0" marR="0" algn="r">
+            <a:lvl7pPr marL="0" marR="0" lvl="6" indent="0" algn="r">
               <a:lnSpc>
                 <a:spcPct val="100000"/>
               </a:lnSpc>
@@ -4162,7 +4249,7 @@
               <a:buSzPts val="1000"/>
               <a:buFont typeface="Arial"/>
               <a:buNone/>
-              <a:defRPr b="0" i="0" sz="1000" u="none" cap="none" strike="noStrike">
+              <a:defRPr sz="1000" b="0" i="0" u="none" strike="noStrike" cap="none">
                 <a:solidFill>
                   <a:schemeClr val="dk2"/>
                 </a:solidFill>
@@ -4172,7 +4259,7 @@
                 <a:sym typeface="Arial"/>
               </a:defRPr>
             </a:lvl7pPr>
-            <a:lvl8pPr indent="0" lvl="7" marL="0" marR="0" algn="r">
+            <a:lvl8pPr marL="0" marR="0" lvl="7" indent="0" algn="r">
               <a:lnSpc>
                 <a:spcPct val="100000"/>
               </a:lnSpc>
@@ -4188,7 +4275,7 @@
               <a:buSzPts val="1000"/>
               <a:buFont typeface="Arial"/>
               <a:buNone/>
-              <a:defRPr b="0" i="0" sz="1000" u="none" cap="none" strike="noStrike">
+              <a:defRPr sz="1000" b="0" i="0" u="none" strike="noStrike" cap="none">
                 <a:solidFill>
                   <a:schemeClr val="dk2"/>
                 </a:solidFill>
@@ -4198,7 +4285,7 @@
                 <a:sym typeface="Arial"/>
               </a:defRPr>
             </a:lvl8pPr>
-            <a:lvl9pPr indent="0" lvl="8" marL="0" marR="0" algn="r">
+            <a:lvl9pPr marL="0" marR="0" lvl="8" indent="0" algn="r">
               <a:lnSpc>
                 <a:spcPct val="100000"/>
               </a:lnSpc>
@@ -4214,7 +4301,7 @@
               <a:buSzPts val="1000"/>
               <a:buFont typeface="Arial"/>
               <a:buNone/>
-              <a:defRPr b="0" i="0" sz="1000" u="none" cap="none" strike="noStrike">
+              <a:defRPr sz="1000" b="0" i="0" u="none" strike="noStrike" cap="none">
                 <a:solidFill>
                   <a:schemeClr val="dk2"/>
                 </a:solidFill>
@@ -4226,7 +4313,7 @@
             </a:lvl9pPr>
           </a:lstStyle>
           <a:p>
-            <a:pPr indent="0" lvl="0" marL="0" rtl="0" algn="r">
+            <a:pPr marL="0" lvl="0" indent="0" algn="r" rtl="0">
               <a:spcBef>
                 <a:spcPts val="0"/>
               </a:spcBef>
@@ -4252,11 +4339,11 @@
 </file>
 
 <file path=ppt/slideLayouts/slideLayout4.xml><?xml version="1.0" encoding="utf-8"?>
-<p:sldLayout xmlns:a="http://schemas.openxmlformats.org/drawingml/2006/main" xmlns:r="http://schemas.openxmlformats.org/officeDocument/2006/relationships" xmlns:mc="http://schemas.openxmlformats.org/markup-compatibility/2006" xmlns:mv="urn:schemas-microsoft-com:mac:vml" xmlns:p="http://schemas.openxmlformats.org/presentationml/2006/main" xmlns:c="http://schemas.openxmlformats.org/drawingml/2006/chart" xmlns:dgm="http://schemas.openxmlformats.org/drawingml/2006/diagram" xmlns:o="urn:schemas-microsoft-com:office:office" xmlns:v="urn:schemas-microsoft-com:vml" xmlns:pvml="urn:schemas-microsoft-com:office:powerpoint" xmlns:com="http://schemas.openxmlformats.org/drawingml/2006/compatibility" xmlns:p14="http://schemas.microsoft.com/office/powerpoint/2010/main" xmlns:p15="http://schemas.microsoft.com/office/powerpoint/2012/main" xmlns:ahyp="http://schemas.microsoft.com/office/drawing/2018/hyperlinkcolor" matchingName="Title and two columns" type="twoColTx">
+<p:sldLayout xmlns:a="http://schemas.openxmlformats.org/drawingml/2006/main" xmlns:r="http://schemas.openxmlformats.org/officeDocument/2006/relationships" xmlns:p="http://schemas.openxmlformats.org/presentationml/2006/main" matchingName="Title and two columns" type="twoColTx">
   <p:cSld name="TITLE_AND_TWO_COLUMNS">
     <p:spTree>
       <p:nvGrpSpPr>
-        <p:cNvPr id="20" name="Shape 20"/>
+        <p:cNvPr id="1" name="Shape 20"/>
         <p:cNvGrpSpPr/>
         <p:nvPr/>
       </p:nvGrpSpPr>
@@ -4271,7 +4358,9 @@
       <p:sp>
         <p:nvSpPr>
           <p:cNvPr id="21" name="Google Shape;21;p12"/>
-          <p:cNvSpPr txBox="1"/>
+          <p:cNvSpPr txBox="1">
+            <a:spLocks noGrp="1"/>
+          </p:cNvSpPr>
           <p:nvPr>
             <p:ph type="title"/>
           </p:nvPr>
@@ -4290,7 +4379,7 @@
           </a:ln>
         </p:spPr>
         <p:txBody>
-          <a:bodyPr anchorCtr="0" anchor="t" bIns="91425" lIns="91425" spcFirstLastPara="1" rIns="91425" wrap="square" tIns="91425">
+          <a:bodyPr spcFirstLastPara="1" wrap="square" lIns="91425" tIns="91425" rIns="91425" bIns="91425" anchor="t" anchorCtr="0">
             <a:noAutofit/>
           </a:bodyPr>
           <a:lstStyle>
@@ -4421,15 +4510,19 @@
               <a:defRPr/>
             </a:lvl9pPr>
           </a:lstStyle>
-          <a:p/>
+          <a:p>
+            <a:endParaRPr/>
+          </a:p>
         </p:txBody>
       </p:sp>
       <p:sp>
         <p:nvSpPr>
           <p:cNvPr id="22" name="Google Shape;22;p12"/>
-          <p:cNvSpPr txBox="1"/>
+          <p:cNvSpPr txBox="1">
+            <a:spLocks noGrp="1"/>
+          </p:cNvSpPr>
           <p:nvPr>
-            <p:ph idx="1" type="body"/>
+            <p:ph type="body" idx="1"/>
           </p:nvPr>
         </p:nvSpPr>
         <p:spPr>
@@ -4446,11 +4539,11 @@
           </a:ln>
         </p:spPr>
         <p:txBody>
-          <a:bodyPr anchorCtr="0" anchor="t" bIns="91425" lIns="91425" spcFirstLastPara="1" rIns="91425" wrap="square" tIns="91425">
+          <a:bodyPr spcFirstLastPara="1" wrap="square" lIns="91425" tIns="91425" rIns="91425" bIns="91425" anchor="t" anchorCtr="0">
             <a:noAutofit/>
           </a:bodyPr>
           <a:lstStyle>
-            <a:lvl1pPr indent="-317500" lvl="0" marL="457200" algn="l">
+            <a:lvl1pPr marL="457200" lvl="0" indent="-317500" algn="l">
               <a:lnSpc>
                 <a:spcPct val="115000"/>
               </a:lnSpc>
@@ -4464,7 +4557,7 @@
               <a:buChar char="●"/>
               <a:defRPr sz="1400"/>
             </a:lvl1pPr>
-            <a:lvl2pPr indent="-304800" lvl="1" marL="914400" algn="l">
+            <a:lvl2pPr marL="914400" lvl="1" indent="-304800" algn="l">
               <a:lnSpc>
                 <a:spcPct val="115000"/>
               </a:lnSpc>
@@ -4478,7 +4571,7 @@
               <a:buChar char="○"/>
               <a:defRPr sz="1200"/>
             </a:lvl2pPr>
-            <a:lvl3pPr indent="-304800" lvl="2" marL="1371600" algn="l">
+            <a:lvl3pPr marL="1371600" lvl="2" indent="-304800" algn="l">
               <a:lnSpc>
                 <a:spcPct val="115000"/>
               </a:lnSpc>
@@ -4492,7 +4585,7 @@
               <a:buChar char="■"/>
               <a:defRPr sz="1200"/>
             </a:lvl3pPr>
-            <a:lvl4pPr indent="-304800" lvl="3" marL="1828800" algn="l">
+            <a:lvl4pPr marL="1828800" lvl="3" indent="-304800" algn="l">
               <a:lnSpc>
                 <a:spcPct val="115000"/>
               </a:lnSpc>
@@ -4506,7 +4599,7 @@
               <a:buChar char="●"/>
               <a:defRPr sz="1200"/>
             </a:lvl4pPr>
-            <a:lvl5pPr indent="-304800" lvl="4" marL="2286000" algn="l">
+            <a:lvl5pPr marL="2286000" lvl="4" indent="-304800" algn="l">
               <a:lnSpc>
                 <a:spcPct val="115000"/>
               </a:lnSpc>
@@ -4520,7 +4613,7 @@
               <a:buChar char="○"/>
               <a:defRPr sz="1200"/>
             </a:lvl5pPr>
-            <a:lvl6pPr indent="-304800" lvl="5" marL="2743200" algn="l">
+            <a:lvl6pPr marL="2743200" lvl="5" indent="-304800" algn="l">
               <a:lnSpc>
                 <a:spcPct val="115000"/>
               </a:lnSpc>
@@ -4534,7 +4627,7 @@
               <a:buChar char="■"/>
               <a:defRPr sz="1200"/>
             </a:lvl6pPr>
-            <a:lvl7pPr indent="-304800" lvl="6" marL="3200400" algn="l">
+            <a:lvl7pPr marL="3200400" lvl="6" indent="-304800" algn="l">
               <a:lnSpc>
                 <a:spcPct val="115000"/>
               </a:lnSpc>
@@ -4548,7 +4641,7 @@
               <a:buChar char="●"/>
               <a:defRPr sz="1200"/>
             </a:lvl7pPr>
-            <a:lvl8pPr indent="-304800" lvl="7" marL="3657600" algn="l">
+            <a:lvl8pPr marL="3657600" lvl="7" indent="-304800" algn="l">
               <a:lnSpc>
                 <a:spcPct val="115000"/>
               </a:lnSpc>
@@ -4562,7 +4655,7 @@
               <a:buChar char="○"/>
               <a:defRPr sz="1200"/>
             </a:lvl8pPr>
-            <a:lvl9pPr indent="-304800" lvl="8" marL="4114800" algn="l">
+            <a:lvl9pPr marL="4114800" lvl="8" indent="-304800" algn="l">
               <a:lnSpc>
                 <a:spcPct val="115000"/>
               </a:lnSpc>
@@ -4577,15 +4670,19 @@
               <a:defRPr sz="1200"/>
             </a:lvl9pPr>
           </a:lstStyle>
-          <a:p/>
+          <a:p>
+            <a:endParaRPr/>
+          </a:p>
         </p:txBody>
       </p:sp>
       <p:sp>
         <p:nvSpPr>
           <p:cNvPr id="23" name="Google Shape;23;p12"/>
-          <p:cNvSpPr txBox="1"/>
+          <p:cNvSpPr txBox="1">
+            <a:spLocks noGrp="1"/>
+          </p:cNvSpPr>
           <p:nvPr>
-            <p:ph idx="2" type="body"/>
+            <p:ph type="body" idx="2"/>
           </p:nvPr>
         </p:nvSpPr>
         <p:spPr>
@@ -4602,11 +4699,11 @@
           </a:ln>
         </p:spPr>
         <p:txBody>
-          <a:bodyPr anchorCtr="0" anchor="t" bIns="91425" lIns="91425" spcFirstLastPara="1" rIns="91425" wrap="square" tIns="91425">
+          <a:bodyPr spcFirstLastPara="1" wrap="square" lIns="91425" tIns="91425" rIns="91425" bIns="91425" anchor="t" anchorCtr="0">
             <a:noAutofit/>
           </a:bodyPr>
           <a:lstStyle>
-            <a:lvl1pPr indent="-317500" lvl="0" marL="457200" algn="l">
+            <a:lvl1pPr marL="457200" lvl="0" indent="-317500" algn="l">
               <a:lnSpc>
                 <a:spcPct val="115000"/>
               </a:lnSpc>
@@ -4620,7 +4717,7 @@
               <a:buChar char="●"/>
               <a:defRPr sz="1400"/>
             </a:lvl1pPr>
-            <a:lvl2pPr indent="-304800" lvl="1" marL="914400" algn="l">
+            <a:lvl2pPr marL="914400" lvl="1" indent="-304800" algn="l">
               <a:lnSpc>
                 <a:spcPct val="115000"/>
               </a:lnSpc>
@@ -4634,7 +4731,7 @@
               <a:buChar char="○"/>
               <a:defRPr sz="1200"/>
             </a:lvl2pPr>
-            <a:lvl3pPr indent="-304800" lvl="2" marL="1371600" algn="l">
+            <a:lvl3pPr marL="1371600" lvl="2" indent="-304800" algn="l">
               <a:lnSpc>
                 <a:spcPct val="115000"/>
               </a:lnSpc>
@@ -4648,7 +4745,7 @@
               <a:buChar char="■"/>
               <a:defRPr sz="1200"/>
             </a:lvl3pPr>
-            <a:lvl4pPr indent="-304800" lvl="3" marL="1828800" algn="l">
+            <a:lvl4pPr marL="1828800" lvl="3" indent="-304800" algn="l">
               <a:lnSpc>
                 <a:spcPct val="115000"/>
               </a:lnSpc>
@@ -4662,7 +4759,7 @@
               <a:buChar char="●"/>
               <a:defRPr sz="1200"/>
             </a:lvl4pPr>
-            <a:lvl5pPr indent="-304800" lvl="4" marL="2286000" algn="l">
+            <a:lvl5pPr marL="2286000" lvl="4" indent="-304800" algn="l">
               <a:lnSpc>
                 <a:spcPct val="115000"/>
               </a:lnSpc>
@@ -4676,7 +4773,7 @@
               <a:buChar char="○"/>
               <a:defRPr sz="1200"/>
             </a:lvl5pPr>
-            <a:lvl6pPr indent="-304800" lvl="5" marL="2743200" algn="l">
+            <a:lvl6pPr marL="2743200" lvl="5" indent="-304800" algn="l">
               <a:lnSpc>
                 <a:spcPct val="115000"/>
               </a:lnSpc>
@@ -4690,7 +4787,7 @@
               <a:buChar char="■"/>
               <a:defRPr sz="1200"/>
             </a:lvl6pPr>
-            <a:lvl7pPr indent="-304800" lvl="6" marL="3200400" algn="l">
+            <a:lvl7pPr marL="3200400" lvl="6" indent="-304800" algn="l">
               <a:lnSpc>
                 <a:spcPct val="115000"/>
               </a:lnSpc>
@@ -4704,7 +4801,7 @@
               <a:buChar char="●"/>
               <a:defRPr sz="1200"/>
             </a:lvl7pPr>
-            <a:lvl8pPr indent="-304800" lvl="7" marL="3657600" algn="l">
+            <a:lvl8pPr marL="3657600" lvl="7" indent="-304800" algn="l">
               <a:lnSpc>
                 <a:spcPct val="115000"/>
               </a:lnSpc>
@@ -4718,7 +4815,7 @@
               <a:buChar char="○"/>
               <a:defRPr sz="1200"/>
             </a:lvl8pPr>
-            <a:lvl9pPr indent="-304800" lvl="8" marL="4114800" algn="l">
+            <a:lvl9pPr marL="4114800" lvl="8" indent="-304800" algn="l">
               <a:lnSpc>
                 <a:spcPct val="115000"/>
               </a:lnSpc>
@@ -4733,15 +4830,19 @@
               <a:defRPr sz="1200"/>
             </a:lvl9pPr>
           </a:lstStyle>
-          <a:p/>
+          <a:p>
+            <a:endParaRPr/>
+          </a:p>
         </p:txBody>
       </p:sp>
       <p:sp>
         <p:nvSpPr>
           <p:cNvPr id="24" name="Google Shape;24;p12"/>
-          <p:cNvSpPr txBox="1"/>
+          <p:cNvSpPr txBox="1">
+            <a:spLocks noGrp="1"/>
+          </p:cNvSpPr>
           <p:nvPr>
-            <p:ph idx="12" type="sldNum"/>
+            <p:ph type="sldNum" idx="12"/>
           </p:nvPr>
         </p:nvSpPr>
         <p:spPr>
@@ -4758,11 +4859,11 @@
           </a:ln>
         </p:spPr>
         <p:txBody>
-          <a:bodyPr anchorCtr="0" anchor="ctr" bIns="91425" lIns="91425" spcFirstLastPara="1" rIns="91425" wrap="square" tIns="91425">
+          <a:bodyPr spcFirstLastPara="1" wrap="square" lIns="91425" tIns="91425" rIns="91425" bIns="91425" anchor="ctr" anchorCtr="0">
             <a:noAutofit/>
           </a:bodyPr>
           <a:lstStyle>
-            <a:lvl1pPr indent="0" lvl="0" marL="0" marR="0" algn="r">
+            <a:lvl1pPr marL="0" marR="0" lvl="0" indent="0" algn="r">
               <a:lnSpc>
                 <a:spcPct val="100000"/>
               </a:lnSpc>
@@ -4778,7 +4879,7 @@
               <a:buSzPts val="1000"/>
               <a:buFont typeface="Arial"/>
               <a:buNone/>
-              <a:defRPr b="0" i="0" sz="1000" u="none" cap="none" strike="noStrike">
+              <a:defRPr sz="1000" b="0" i="0" u="none" strike="noStrike" cap="none">
                 <a:solidFill>
                   <a:schemeClr val="dk2"/>
                 </a:solidFill>
@@ -4788,7 +4889,7 @@
                 <a:sym typeface="Arial"/>
               </a:defRPr>
             </a:lvl1pPr>
-            <a:lvl2pPr indent="0" lvl="1" marL="0" marR="0" algn="r">
+            <a:lvl2pPr marL="0" marR="0" lvl="1" indent="0" algn="r">
               <a:lnSpc>
                 <a:spcPct val="100000"/>
               </a:lnSpc>
@@ -4804,7 +4905,7 @@
               <a:buSzPts val="1000"/>
               <a:buFont typeface="Arial"/>
               <a:buNone/>
-              <a:defRPr b="0" i="0" sz="1000" u="none" cap="none" strike="noStrike">
+              <a:defRPr sz="1000" b="0" i="0" u="none" strike="noStrike" cap="none">
                 <a:solidFill>
                   <a:schemeClr val="dk2"/>
                 </a:solidFill>
@@ -4814,7 +4915,7 @@
                 <a:sym typeface="Arial"/>
               </a:defRPr>
             </a:lvl2pPr>
-            <a:lvl3pPr indent="0" lvl="2" marL="0" marR="0" algn="r">
+            <a:lvl3pPr marL="0" marR="0" lvl="2" indent="0" algn="r">
               <a:lnSpc>
                 <a:spcPct val="100000"/>
               </a:lnSpc>
@@ -4830,7 +4931,7 @@
               <a:buSzPts val="1000"/>
               <a:buFont typeface="Arial"/>
               <a:buNone/>
-              <a:defRPr b="0" i="0" sz="1000" u="none" cap="none" strike="noStrike">
+              <a:defRPr sz="1000" b="0" i="0" u="none" strike="noStrike" cap="none">
                 <a:solidFill>
                   <a:schemeClr val="dk2"/>
                 </a:solidFill>
@@ -4840,7 +4941,7 @@
                 <a:sym typeface="Arial"/>
               </a:defRPr>
             </a:lvl3pPr>
-            <a:lvl4pPr indent="0" lvl="3" marL="0" marR="0" algn="r">
+            <a:lvl4pPr marL="0" marR="0" lvl="3" indent="0" algn="r">
               <a:lnSpc>
                 <a:spcPct val="100000"/>
               </a:lnSpc>
@@ -4856,7 +4957,7 @@
               <a:buSzPts val="1000"/>
               <a:buFont typeface="Arial"/>
               <a:buNone/>
-              <a:defRPr b="0" i="0" sz="1000" u="none" cap="none" strike="noStrike">
+              <a:defRPr sz="1000" b="0" i="0" u="none" strike="noStrike" cap="none">
                 <a:solidFill>
                   <a:schemeClr val="dk2"/>
                 </a:solidFill>
@@ -4866,7 +4967,7 @@
                 <a:sym typeface="Arial"/>
               </a:defRPr>
             </a:lvl4pPr>
-            <a:lvl5pPr indent="0" lvl="4" marL="0" marR="0" algn="r">
+            <a:lvl5pPr marL="0" marR="0" lvl="4" indent="0" algn="r">
               <a:lnSpc>
                 <a:spcPct val="100000"/>
               </a:lnSpc>
@@ -4882,7 +4983,7 @@
               <a:buSzPts val="1000"/>
               <a:buFont typeface="Arial"/>
               <a:buNone/>
-              <a:defRPr b="0" i="0" sz="1000" u="none" cap="none" strike="noStrike">
+              <a:defRPr sz="1000" b="0" i="0" u="none" strike="noStrike" cap="none">
                 <a:solidFill>
                   <a:schemeClr val="dk2"/>
                 </a:solidFill>
@@ -4892,7 +4993,7 @@
                 <a:sym typeface="Arial"/>
               </a:defRPr>
             </a:lvl5pPr>
-            <a:lvl6pPr indent="0" lvl="5" marL="0" marR="0" algn="r">
+            <a:lvl6pPr marL="0" marR="0" lvl="5" indent="0" algn="r">
               <a:lnSpc>
                 <a:spcPct val="100000"/>
               </a:lnSpc>
@@ -4908,7 +5009,7 @@
               <a:buSzPts val="1000"/>
               <a:buFont typeface="Arial"/>
               <a:buNone/>
-              <a:defRPr b="0" i="0" sz="1000" u="none" cap="none" strike="noStrike">
+              <a:defRPr sz="1000" b="0" i="0" u="none" strike="noStrike" cap="none">
                 <a:solidFill>
                   <a:schemeClr val="dk2"/>
                 </a:solidFill>
@@ -4918,7 +5019,7 @@
                 <a:sym typeface="Arial"/>
               </a:defRPr>
             </a:lvl6pPr>
-            <a:lvl7pPr indent="0" lvl="6" marL="0" marR="0" algn="r">
+            <a:lvl7pPr marL="0" marR="0" lvl="6" indent="0" algn="r">
               <a:lnSpc>
                 <a:spcPct val="100000"/>
               </a:lnSpc>
@@ -4934,7 +5035,7 @@
               <a:buSzPts val="1000"/>
               <a:buFont typeface="Arial"/>
               <a:buNone/>
-              <a:defRPr b="0" i="0" sz="1000" u="none" cap="none" strike="noStrike">
+              <a:defRPr sz="1000" b="0" i="0" u="none" strike="noStrike" cap="none">
                 <a:solidFill>
                   <a:schemeClr val="dk2"/>
                 </a:solidFill>
@@ -4944,7 +5045,7 @@
                 <a:sym typeface="Arial"/>
               </a:defRPr>
             </a:lvl7pPr>
-            <a:lvl8pPr indent="0" lvl="7" marL="0" marR="0" algn="r">
+            <a:lvl8pPr marL="0" marR="0" lvl="7" indent="0" algn="r">
               <a:lnSpc>
                 <a:spcPct val="100000"/>
               </a:lnSpc>
@@ -4960,7 +5061,7 @@
               <a:buSzPts val="1000"/>
               <a:buFont typeface="Arial"/>
               <a:buNone/>
-              <a:defRPr b="0" i="0" sz="1000" u="none" cap="none" strike="noStrike">
+              <a:defRPr sz="1000" b="0" i="0" u="none" strike="noStrike" cap="none">
                 <a:solidFill>
                   <a:schemeClr val="dk2"/>
                 </a:solidFill>
@@ -4970,7 +5071,7 @@
                 <a:sym typeface="Arial"/>
               </a:defRPr>
             </a:lvl8pPr>
-            <a:lvl9pPr indent="0" lvl="8" marL="0" marR="0" algn="r">
+            <a:lvl9pPr marL="0" marR="0" lvl="8" indent="0" algn="r">
               <a:lnSpc>
                 <a:spcPct val="100000"/>
               </a:lnSpc>
@@ -4986,7 +5087,7 @@
               <a:buSzPts val="1000"/>
               <a:buFont typeface="Arial"/>
               <a:buNone/>
-              <a:defRPr b="0" i="0" sz="1000" u="none" cap="none" strike="noStrike">
+              <a:defRPr sz="1000" b="0" i="0" u="none" strike="noStrike" cap="none">
                 <a:solidFill>
                   <a:schemeClr val="dk2"/>
                 </a:solidFill>
@@ -4998,7 +5099,7 @@
             </a:lvl9pPr>
           </a:lstStyle>
           <a:p>
-            <a:pPr indent="0" lvl="0" marL="0" rtl="0" algn="r">
+            <a:pPr marL="0" lvl="0" indent="0" algn="r" rtl="0">
               <a:spcBef>
                 <a:spcPts val="0"/>
               </a:spcBef>
@@ -5024,11 +5125,11 @@
 </file>
 
 <file path=ppt/slideLayouts/slideLayout5.xml><?xml version="1.0" encoding="utf-8"?>
-<p:sldLayout xmlns:a="http://schemas.openxmlformats.org/drawingml/2006/main" xmlns:r="http://schemas.openxmlformats.org/officeDocument/2006/relationships" xmlns:mc="http://schemas.openxmlformats.org/markup-compatibility/2006" xmlns:mv="urn:schemas-microsoft-com:mac:vml" xmlns:p="http://schemas.openxmlformats.org/presentationml/2006/main" xmlns:c="http://schemas.openxmlformats.org/drawingml/2006/chart" xmlns:dgm="http://schemas.openxmlformats.org/drawingml/2006/diagram" xmlns:o="urn:schemas-microsoft-com:office:office" xmlns:v="urn:schemas-microsoft-com:vml" xmlns:pvml="urn:schemas-microsoft-com:office:powerpoint" xmlns:com="http://schemas.openxmlformats.org/drawingml/2006/compatibility" xmlns:p14="http://schemas.microsoft.com/office/powerpoint/2010/main" xmlns:p15="http://schemas.microsoft.com/office/powerpoint/2012/main" xmlns:ahyp="http://schemas.microsoft.com/office/drawing/2018/hyperlinkcolor" matchingName="Title only" type="titleOnly">
+<p:sldLayout xmlns:a="http://schemas.openxmlformats.org/drawingml/2006/main" xmlns:r="http://schemas.openxmlformats.org/officeDocument/2006/relationships" xmlns:p="http://schemas.openxmlformats.org/presentationml/2006/main" matchingName="Title only" type="titleOnly">
   <p:cSld name="TITLE_ONLY">
     <p:spTree>
       <p:nvGrpSpPr>
-        <p:cNvPr id="25" name="Shape 25"/>
+        <p:cNvPr id="1" name="Shape 25"/>
         <p:cNvGrpSpPr/>
         <p:nvPr/>
       </p:nvGrpSpPr>
@@ -5043,7 +5144,9 @@
       <p:sp>
         <p:nvSpPr>
           <p:cNvPr id="26" name="Google Shape;26;p13"/>
-          <p:cNvSpPr txBox="1"/>
+          <p:cNvSpPr txBox="1">
+            <a:spLocks noGrp="1"/>
+          </p:cNvSpPr>
           <p:nvPr>
             <p:ph type="title"/>
           </p:nvPr>
@@ -5062,7 +5165,7 @@
           </a:ln>
         </p:spPr>
         <p:txBody>
-          <a:bodyPr anchorCtr="0" anchor="t" bIns="91425" lIns="91425" spcFirstLastPara="1" rIns="91425" wrap="square" tIns="91425">
+          <a:bodyPr spcFirstLastPara="1" wrap="square" lIns="91425" tIns="91425" rIns="91425" bIns="91425" anchor="t" anchorCtr="0">
             <a:noAutofit/>
           </a:bodyPr>
           <a:lstStyle>
@@ -5193,15 +5296,19 @@
               <a:defRPr/>
             </a:lvl9pPr>
           </a:lstStyle>
-          <a:p/>
+          <a:p>
+            <a:endParaRPr/>
+          </a:p>
         </p:txBody>
       </p:sp>
       <p:sp>
         <p:nvSpPr>
           <p:cNvPr id="27" name="Google Shape;27;p13"/>
-          <p:cNvSpPr txBox="1"/>
+          <p:cNvSpPr txBox="1">
+            <a:spLocks noGrp="1"/>
+          </p:cNvSpPr>
           <p:nvPr>
-            <p:ph idx="12" type="sldNum"/>
+            <p:ph type="sldNum" idx="12"/>
           </p:nvPr>
         </p:nvSpPr>
         <p:spPr>
@@ -5218,11 +5325,11 @@
           </a:ln>
         </p:spPr>
         <p:txBody>
-          <a:bodyPr anchorCtr="0" anchor="ctr" bIns="91425" lIns="91425" spcFirstLastPara="1" rIns="91425" wrap="square" tIns="91425">
+          <a:bodyPr spcFirstLastPara="1" wrap="square" lIns="91425" tIns="91425" rIns="91425" bIns="91425" anchor="ctr" anchorCtr="0">
             <a:noAutofit/>
           </a:bodyPr>
           <a:lstStyle>
-            <a:lvl1pPr indent="0" lvl="0" marL="0" marR="0" algn="r">
+            <a:lvl1pPr marL="0" marR="0" lvl="0" indent="0" algn="r">
               <a:lnSpc>
                 <a:spcPct val="100000"/>
               </a:lnSpc>
@@ -5238,7 +5345,7 @@
               <a:buSzPts val="1000"/>
               <a:buFont typeface="Arial"/>
               <a:buNone/>
-              <a:defRPr b="0" i="0" sz="1000" u="none" cap="none" strike="noStrike">
+              <a:defRPr sz="1000" b="0" i="0" u="none" strike="noStrike" cap="none">
                 <a:solidFill>
                   <a:schemeClr val="dk2"/>
                 </a:solidFill>
@@ -5248,7 +5355,7 @@
                 <a:sym typeface="Arial"/>
               </a:defRPr>
             </a:lvl1pPr>
-            <a:lvl2pPr indent="0" lvl="1" marL="0" marR="0" algn="r">
+            <a:lvl2pPr marL="0" marR="0" lvl="1" indent="0" algn="r">
               <a:lnSpc>
                 <a:spcPct val="100000"/>
               </a:lnSpc>
@@ -5264,7 +5371,7 @@
               <a:buSzPts val="1000"/>
               <a:buFont typeface="Arial"/>
               <a:buNone/>
-              <a:defRPr b="0" i="0" sz="1000" u="none" cap="none" strike="noStrike">
+              <a:defRPr sz="1000" b="0" i="0" u="none" strike="noStrike" cap="none">
                 <a:solidFill>
                   <a:schemeClr val="dk2"/>
                 </a:solidFill>
@@ -5274,7 +5381,7 @@
                 <a:sym typeface="Arial"/>
               </a:defRPr>
             </a:lvl2pPr>
-            <a:lvl3pPr indent="0" lvl="2" marL="0" marR="0" algn="r">
+            <a:lvl3pPr marL="0" marR="0" lvl="2" indent="0" algn="r">
               <a:lnSpc>
                 <a:spcPct val="100000"/>
               </a:lnSpc>
@@ -5290,7 +5397,7 @@
               <a:buSzPts val="1000"/>
               <a:buFont typeface="Arial"/>
               <a:buNone/>
-              <a:defRPr b="0" i="0" sz="1000" u="none" cap="none" strike="noStrike">
+              <a:defRPr sz="1000" b="0" i="0" u="none" strike="noStrike" cap="none">
                 <a:solidFill>
                   <a:schemeClr val="dk2"/>
                 </a:solidFill>
@@ -5300,7 +5407,7 @@
                 <a:sym typeface="Arial"/>
               </a:defRPr>
             </a:lvl3pPr>
-            <a:lvl4pPr indent="0" lvl="3" marL="0" marR="0" algn="r">
+            <a:lvl4pPr marL="0" marR="0" lvl="3" indent="0" algn="r">
               <a:lnSpc>
                 <a:spcPct val="100000"/>
               </a:lnSpc>
@@ -5316,7 +5423,7 @@
               <a:buSzPts val="1000"/>
               <a:buFont typeface="Arial"/>
               <a:buNone/>
-              <a:defRPr b="0" i="0" sz="1000" u="none" cap="none" strike="noStrike">
+              <a:defRPr sz="1000" b="0" i="0" u="none" strike="noStrike" cap="none">
                 <a:solidFill>
                   <a:schemeClr val="dk2"/>
                 </a:solidFill>
@@ -5326,7 +5433,7 @@
                 <a:sym typeface="Arial"/>
               </a:defRPr>
             </a:lvl4pPr>
-            <a:lvl5pPr indent="0" lvl="4" marL="0" marR="0" algn="r">
+            <a:lvl5pPr marL="0" marR="0" lvl="4" indent="0" algn="r">
               <a:lnSpc>
                 <a:spcPct val="100000"/>
               </a:lnSpc>
@@ -5342,7 +5449,7 @@
               <a:buSzPts val="1000"/>
               <a:buFont typeface="Arial"/>
               <a:buNone/>
-              <a:defRPr b="0" i="0" sz="1000" u="none" cap="none" strike="noStrike">
+              <a:defRPr sz="1000" b="0" i="0" u="none" strike="noStrike" cap="none">
                 <a:solidFill>
                   <a:schemeClr val="dk2"/>
                 </a:solidFill>
@@ -5352,7 +5459,7 @@
                 <a:sym typeface="Arial"/>
               </a:defRPr>
             </a:lvl5pPr>
-            <a:lvl6pPr indent="0" lvl="5" marL="0" marR="0" algn="r">
+            <a:lvl6pPr marL="0" marR="0" lvl="5" indent="0" algn="r">
               <a:lnSpc>
                 <a:spcPct val="100000"/>
               </a:lnSpc>
@@ -5368,7 +5475,7 @@
               <a:buSzPts val="1000"/>
               <a:buFont typeface="Arial"/>
               <a:buNone/>
-              <a:defRPr b="0" i="0" sz="1000" u="none" cap="none" strike="noStrike">
+              <a:defRPr sz="1000" b="0" i="0" u="none" strike="noStrike" cap="none">
                 <a:solidFill>
                   <a:schemeClr val="dk2"/>
                 </a:solidFill>
@@ -5378,7 +5485,7 @@
                 <a:sym typeface="Arial"/>
               </a:defRPr>
             </a:lvl6pPr>
-            <a:lvl7pPr indent="0" lvl="6" marL="0" marR="0" algn="r">
+            <a:lvl7pPr marL="0" marR="0" lvl="6" indent="0" algn="r">
               <a:lnSpc>
                 <a:spcPct val="100000"/>
               </a:lnSpc>
@@ -5394,7 +5501,7 @@
               <a:buSzPts val="1000"/>
               <a:buFont typeface="Arial"/>
               <a:buNone/>
-              <a:defRPr b="0" i="0" sz="1000" u="none" cap="none" strike="noStrike">
+              <a:defRPr sz="1000" b="0" i="0" u="none" strike="noStrike" cap="none">
                 <a:solidFill>
                   <a:schemeClr val="dk2"/>
                 </a:solidFill>
@@ -5404,7 +5511,7 @@
                 <a:sym typeface="Arial"/>
               </a:defRPr>
             </a:lvl7pPr>
-            <a:lvl8pPr indent="0" lvl="7" marL="0" marR="0" algn="r">
+            <a:lvl8pPr marL="0" marR="0" lvl="7" indent="0" algn="r">
               <a:lnSpc>
                 <a:spcPct val="100000"/>
               </a:lnSpc>
@@ -5420,7 +5527,7 @@
               <a:buSzPts val="1000"/>
               <a:buFont typeface="Arial"/>
               <a:buNone/>
-              <a:defRPr b="0" i="0" sz="1000" u="none" cap="none" strike="noStrike">
+              <a:defRPr sz="1000" b="0" i="0" u="none" strike="noStrike" cap="none">
                 <a:solidFill>
                   <a:schemeClr val="dk2"/>
                 </a:solidFill>
@@ -5430,7 +5537,7 @@
                 <a:sym typeface="Arial"/>
               </a:defRPr>
             </a:lvl8pPr>
-            <a:lvl9pPr indent="0" lvl="8" marL="0" marR="0" algn="r">
+            <a:lvl9pPr marL="0" marR="0" lvl="8" indent="0" algn="r">
               <a:lnSpc>
                 <a:spcPct val="100000"/>
               </a:lnSpc>
@@ -5446,7 +5553,7 @@
               <a:buSzPts val="1000"/>
               <a:buFont typeface="Arial"/>
               <a:buNone/>
-              <a:defRPr b="0" i="0" sz="1000" u="none" cap="none" strike="noStrike">
+              <a:defRPr sz="1000" b="0" i="0" u="none" strike="noStrike" cap="none">
                 <a:solidFill>
                   <a:schemeClr val="dk2"/>
                 </a:solidFill>
@@ -5458,7 +5565,7 @@
             </a:lvl9pPr>
           </a:lstStyle>
           <a:p>
-            <a:pPr indent="0" lvl="0" marL="0" rtl="0" algn="r">
+            <a:pPr marL="0" lvl="0" indent="0" algn="r" rtl="0">
               <a:spcBef>
                 <a:spcPts val="0"/>
               </a:spcBef>
@@ -5484,11 +5591,11 @@
 </file>
 
 <file path=ppt/slideLayouts/slideLayout6.xml><?xml version="1.0" encoding="utf-8"?>
-<p:sldLayout xmlns:a="http://schemas.openxmlformats.org/drawingml/2006/main" xmlns:r="http://schemas.openxmlformats.org/officeDocument/2006/relationships" xmlns:mc="http://schemas.openxmlformats.org/markup-compatibility/2006" xmlns:mv="urn:schemas-microsoft-com:mac:vml" xmlns:p="http://schemas.openxmlformats.org/presentationml/2006/main" xmlns:c="http://schemas.openxmlformats.org/drawingml/2006/chart" xmlns:dgm="http://schemas.openxmlformats.org/drawingml/2006/diagram" xmlns:o="urn:schemas-microsoft-com:office:office" xmlns:v="urn:schemas-microsoft-com:vml" xmlns:pvml="urn:schemas-microsoft-com:office:powerpoint" xmlns:com="http://schemas.openxmlformats.org/drawingml/2006/compatibility" xmlns:p14="http://schemas.microsoft.com/office/powerpoint/2010/main" xmlns:p15="http://schemas.microsoft.com/office/powerpoint/2012/main" xmlns:ahyp="http://schemas.microsoft.com/office/drawing/2018/hyperlinkcolor" matchingName="One column text">
+<p:sldLayout xmlns:a="http://schemas.openxmlformats.org/drawingml/2006/main" xmlns:r="http://schemas.openxmlformats.org/officeDocument/2006/relationships" xmlns:p="http://schemas.openxmlformats.org/presentationml/2006/main" matchingName="One column text">
   <p:cSld name="ONE_COLUMN_TEXT">
     <p:spTree>
       <p:nvGrpSpPr>
-        <p:cNvPr id="28" name="Shape 28"/>
+        <p:cNvPr id="1" name="Shape 28"/>
         <p:cNvGrpSpPr/>
         <p:nvPr/>
       </p:nvGrpSpPr>
@@ -5503,7 +5610,9 @@
       <p:sp>
         <p:nvSpPr>
           <p:cNvPr id="29" name="Google Shape;29;p14"/>
-          <p:cNvSpPr txBox="1"/>
+          <p:cNvSpPr txBox="1">
+            <a:spLocks noGrp="1"/>
+          </p:cNvSpPr>
           <p:nvPr>
             <p:ph type="title"/>
           </p:nvPr>
@@ -5522,7 +5631,7 @@
           </a:ln>
         </p:spPr>
         <p:txBody>
-          <a:bodyPr anchorCtr="0" anchor="b" bIns="91425" lIns="91425" spcFirstLastPara="1" rIns="91425" wrap="square" tIns="91425">
+          <a:bodyPr spcFirstLastPara="1" wrap="square" lIns="91425" tIns="91425" rIns="91425" bIns="91425" anchor="b" anchorCtr="0">
             <a:noAutofit/>
           </a:bodyPr>
           <a:lstStyle>
@@ -5653,15 +5762,19 @@
               <a:defRPr sz="2400"/>
             </a:lvl9pPr>
           </a:lstStyle>
-          <a:p/>
+          <a:p>
+            <a:endParaRPr/>
+          </a:p>
         </p:txBody>
       </p:sp>
       <p:sp>
         <p:nvSpPr>
           <p:cNvPr id="30" name="Google Shape;30;p14"/>
-          <p:cNvSpPr txBox="1"/>
+          <p:cNvSpPr txBox="1">
+            <a:spLocks noGrp="1"/>
+          </p:cNvSpPr>
           <p:nvPr>
-            <p:ph idx="1" type="body"/>
+            <p:ph type="body" idx="1"/>
           </p:nvPr>
         </p:nvSpPr>
         <p:spPr>
@@ -5678,11 +5791,11 @@
           </a:ln>
         </p:spPr>
         <p:txBody>
-          <a:bodyPr anchorCtr="0" anchor="t" bIns="91425" lIns="91425" spcFirstLastPara="1" rIns="91425" wrap="square" tIns="91425">
+          <a:bodyPr spcFirstLastPara="1" wrap="square" lIns="91425" tIns="91425" rIns="91425" bIns="91425" anchor="t" anchorCtr="0">
             <a:noAutofit/>
           </a:bodyPr>
           <a:lstStyle>
-            <a:lvl1pPr indent="-304800" lvl="0" marL="457200" algn="l">
+            <a:lvl1pPr marL="457200" lvl="0" indent="-304800" algn="l">
               <a:lnSpc>
                 <a:spcPct val="115000"/>
               </a:lnSpc>
@@ -5696,7 +5809,7 @@
               <a:buChar char="●"/>
               <a:defRPr sz="1200"/>
             </a:lvl1pPr>
-            <a:lvl2pPr indent="-304800" lvl="1" marL="914400" algn="l">
+            <a:lvl2pPr marL="914400" lvl="1" indent="-304800" algn="l">
               <a:lnSpc>
                 <a:spcPct val="115000"/>
               </a:lnSpc>
@@ -5710,7 +5823,7 @@
               <a:buChar char="○"/>
               <a:defRPr sz="1200"/>
             </a:lvl2pPr>
-            <a:lvl3pPr indent="-304800" lvl="2" marL="1371600" algn="l">
+            <a:lvl3pPr marL="1371600" lvl="2" indent="-304800" algn="l">
               <a:lnSpc>
                 <a:spcPct val="115000"/>
               </a:lnSpc>
@@ -5724,7 +5837,7 @@
               <a:buChar char="■"/>
               <a:defRPr sz="1200"/>
             </a:lvl3pPr>
-            <a:lvl4pPr indent="-304800" lvl="3" marL="1828800" algn="l">
+            <a:lvl4pPr marL="1828800" lvl="3" indent="-304800" algn="l">
               <a:lnSpc>
                 <a:spcPct val="115000"/>
               </a:lnSpc>
@@ -5738,7 +5851,7 @@
               <a:buChar char="●"/>
               <a:defRPr sz="1200"/>
             </a:lvl4pPr>
-            <a:lvl5pPr indent="-304800" lvl="4" marL="2286000" algn="l">
+            <a:lvl5pPr marL="2286000" lvl="4" indent="-304800" algn="l">
               <a:lnSpc>
                 <a:spcPct val="115000"/>
               </a:lnSpc>
@@ -5752,7 +5865,7 @@
               <a:buChar char="○"/>
               <a:defRPr sz="1200"/>
             </a:lvl5pPr>
-            <a:lvl6pPr indent="-304800" lvl="5" marL="2743200" algn="l">
+            <a:lvl6pPr marL="2743200" lvl="5" indent="-304800" algn="l">
               <a:lnSpc>
                 <a:spcPct val="115000"/>
               </a:lnSpc>
@@ -5766,7 +5879,7 @@
               <a:buChar char="■"/>
               <a:defRPr sz="1200"/>
             </a:lvl6pPr>
-            <a:lvl7pPr indent="-304800" lvl="6" marL="3200400" algn="l">
+            <a:lvl7pPr marL="3200400" lvl="6" indent="-304800" algn="l">
               <a:lnSpc>
                 <a:spcPct val="115000"/>
               </a:lnSpc>
@@ -5780,7 +5893,7 @@
               <a:buChar char="●"/>
               <a:defRPr sz="1200"/>
             </a:lvl7pPr>
-            <a:lvl8pPr indent="-304800" lvl="7" marL="3657600" algn="l">
+            <a:lvl8pPr marL="3657600" lvl="7" indent="-304800" algn="l">
               <a:lnSpc>
                 <a:spcPct val="115000"/>
               </a:lnSpc>
@@ -5794,7 +5907,7 @@
               <a:buChar char="○"/>
               <a:defRPr sz="1200"/>
             </a:lvl8pPr>
-            <a:lvl9pPr indent="-304800" lvl="8" marL="4114800" algn="l">
+            <a:lvl9pPr marL="4114800" lvl="8" indent="-304800" algn="l">
               <a:lnSpc>
                 <a:spcPct val="115000"/>
               </a:lnSpc>
@@ -5809,15 +5922,19 @@
               <a:defRPr sz="1200"/>
             </a:lvl9pPr>
           </a:lstStyle>
-          <a:p/>
+          <a:p>
+            <a:endParaRPr/>
+          </a:p>
         </p:txBody>
       </p:sp>
       <p:sp>
         <p:nvSpPr>
           <p:cNvPr id="31" name="Google Shape;31;p14"/>
-          <p:cNvSpPr txBox="1"/>
+          <p:cNvSpPr txBox="1">
+            <a:spLocks noGrp="1"/>
+          </p:cNvSpPr>
           <p:nvPr>
-            <p:ph idx="12" type="sldNum"/>
+            <p:ph type="sldNum" idx="12"/>
           </p:nvPr>
         </p:nvSpPr>
         <p:spPr>
@@ -5834,11 +5951,11 @@
           </a:ln>
         </p:spPr>
         <p:txBody>
-          <a:bodyPr anchorCtr="0" anchor="ctr" bIns="91425" lIns="91425" spcFirstLastPara="1" rIns="91425" wrap="square" tIns="91425">
+          <a:bodyPr spcFirstLastPara="1" wrap="square" lIns="91425" tIns="91425" rIns="91425" bIns="91425" anchor="ctr" anchorCtr="0">
             <a:noAutofit/>
           </a:bodyPr>
           <a:lstStyle>
-            <a:lvl1pPr indent="0" lvl="0" marL="0" marR="0" algn="r">
+            <a:lvl1pPr marL="0" marR="0" lvl="0" indent="0" algn="r">
               <a:lnSpc>
                 <a:spcPct val="100000"/>
               </a:lnSpc>
@@ -5854,7 +5971,7 @@
               <a:buSzPts val="1000"/>
               <a:buFont typeface="Arial"/>
               <a:buNone/>
-              <a:defRPr b="0" i="0" sz="1000" u="none" cap="none" strike="noStrike">
+              <a:defRPr sz="1000" b="0" i="0" u="none" strike="noStrike" cap="none">
                 <a:solidFill>
                   <a:schemeClr val="dk2"/>
                 </a:solidFill>
@@ -5864,7 +5981,7 @@
                 <a:sym typeface="Arial"/>
               </a:defRPr>
             </a:lvl1pPr>
-            <a:lvl2pPr indent="0" lvl="1" marL="0" marR="0" algn="r">
+            <a:lvl2pPr marL="0" marR="0" lvl="1" indent="0" algn="r">
               <a:lnSpc>
                 <a:spcPct val="100000"/>
               </a:lnSpc>
@@ -5880,7 +5997,7 @@
               <a:buSzPts val="1000"/>
               <a:buFont typeface="Arial"/>
               <a:buNone/>
-              <a:defRPr b="0" i="0" sz="1000" u="none" cap="none" strike="noStrike">
+              <a:defRPr sz="1000" b="0" i="0" u="none" strike="noStrike" cap="none">
                 <a:solidFill>
                   <a:schemeClr val="dk2"/>
                 </a:solidFill>
@@ -5890,7 +6007,7 @@
                 <a:sym typeface="Arial"/>
               </a:defRPr>
             </a:lvl2pPr>
-            <a:lvl3pPr indent="0" lvl="2" marL="0" marR="0" algn="r">
+            <a:lvl3pPr marL="0" marR="0" lvl="2" indent="0" algn="r">
               <a:lnSpc>
                 <a:spcPct val="100000"/>
               </a:lnSpc>
@@ -5906,7 +6023,7 @@
               <a:buSzPts val="1000"/>
               <a:buFont typeface="Arial"/>
               <a:buNone/>
-              <a:defRPr b="0" i="0" sz="1000" u="none" cap="none" strike="noStrike">
+              <a:defRPr sz="1000" b="0" i="0" u="none" strike="noStrike" cap="none">
                 <a:solidFill>
                   <a:schemeClr val="dk2"/>
                 </a:solidFill>
@@ -5916,7 +6033,7 @@
                 <a:sym typeface="Arial"/>
               </a:defRPr>
             </a:lvl3pPr>
-            <a:lvl4pPr indent="0" lvl="3" marL="0" marR="0" algn="r">
+            <a:lvl4pPr marL="0" marR="0" lvl="3" indent="0" algn="r">
               <a:lnSpc>
                 <a:spcPct val="100000"/>
               </a:lnSpc>
@@ -5932,7 +6049,7 @@
               <a:buSzPts val="1000"/>
               <a:buFont typeface="Arial"/>
               <a:buNone/>
-              <a:defRPr b="0" i="0" sz="1000" u="none" cap="none" strike="noStrike">
+              <a:defRPr sz="1000" b="0" i="0" u="none" strike="noStrike" cap="none">
                 <a:solidFill>
                   <a:schemeClr val="dk2"/>
                 </a:solidFill>
@@ -5942,7 +6059,7 @@
                 <a:sym typeface="Arial"/>
               </a:defRPr>
             </a:lvl4pPr>
-            <a:lvl5pPr indent="0" lvl="4" marL="0" marR="0" algn="r">
+            <a:lvl5pPr marL="0" marR="0" lvl="4" indent="0" algn="r">
               <a:lnSpc>
                 <a:spcPct val="100000"/>
               </a:lnSpc>
@@ -5958,7 +6075,7 @@
               <a:buSzPts val="1000"/>
               <a:buFont typeface="Arial"/>
               <a:buNone/>
-              <a:defRPr b="0" i="0" sz="1000" u="none" cap="none" strike="noStrike">
+              <a:defRPr sz="1000" b="0" i="0" u="none" strike="noStrike" cap="none">
                 <a:solidFill>
                   <a:schemeClr val="dk2"/>
                 </a:solidFill>
@@ -5968,7 +6085,7 @@
                 <a:sym typeface="Arial"/>
               </a:defRPr>
             </a:lvl5pPr>
-            <a:lvl6pPr indent="0" lvl="5" marL="0" marR="0" algn="r">
+            <a:lvl6pPr marL="0" marR="0" lvl="5" indent="0" algn="r">
               <a:lnSpc>
                 <a:spcPct val="100000"/>
               </a:lnSpc>
@@ -5984,7 +6101,7 @@
               <a:buSzPts val="1000"/>
               <a:buFont typeface="Arial"/>
               <a:buNone/>
-              <a:defRPr b="0" i="0" sz="1000" u="none" cap="none" strike="noStrike">
+              <a:defRPr sz="1000" b="0" i="0" u="none" strike="noStrike" cap="none">
                 <a:solidFill>
                   <a:schemeClr val="dk2"/>
                 </a:solidFill>
@@ -5994,7 +6111,7 @@
                 <a:sym typeface="Arial"/>
               </a:defRPr>
             </a:lvl6pPr>
-            <a:lvl7pPr indent="0" lvl="6" marL="0" marR="0" algn="r">
+            <a:lvl7pPr marL="0" marR="0" lvl="6" indent="0" algn="r">
               <a:lnSpc>
                 <a:spcPct val="100000"/>
               </a:lnSpc>
@@ -6010,7 +6127,7 @@
               <a:buSzPts val="1000"/>
               <a:buFont typeface="Arial"/>
               <a:buNone/>
-              <a:defRPr b="0" i="0" sz="1000" u="none" cap="none" strike="noStrike">
+              <a:defRPr sz="1000" b="0" i="0" u="none" strike="noStrike" cap="none">
                 <a:solidFill>
                   <a:schemeClr val="dk2"/>
                 </a:solidFill>
@@ -6020,7 +6137,7 @@
                 <a:sym typeface="Arial"/>
               </a:defRPr>
             </a:lvl7pPr>
-            <a:lvl8pPr indent="0" lvl="7" marL="0" marR="0" algn="r">
+            <a:lvl8pPr marL="0" marR="0" lvl="7" indent="0" algn="r">
               <a:lnSpc>
                 <a:spcPct val="100000"/>
               </a:lnSpc>
@@ -6036,7 +6153,7 @@
               <a:buSzPts val="1000"/>
               <a:buFont typeface="Arial"/>
               <a:buNone/>
-              <a:defRPr b="0" i="0" sz="1000" u="none" cap="none" strike="noStrike">
+              <a:defRPr sz="1000" b="0" i="0" u="none" strike="noStrike" cap="none">
                 <a:solidFill>
                   <a:schemeClr val="dk2"/>
                 </a:solidFill>
@@ -6046,7 +6163,7 @@
                 <a:sym typeface="Arial"/>
               </a:defRPr>
             </a:lvl8pPr>
-            <a:lvl9pPr indent="0" lvl="8" marL="0" marR="0" algn="r">
+            <a:lvl9pPr marL="0" marR="0" lvl="8" indent="0" algn="r">
               <a:lnSpc>
                 <a:spcPct val="100000"/>
               </a:lnSpc>
@@ -6062,7 +6179,7 @@
               <a:buSzPts val="1000"/>
               <a:buFont typeface="Arial"/>
               <a:buNone/>
-              <a:defRPr b="0" i="0" sz="1000" u="none" cap="none" strike="noStrike">
+              <a:defRPr sz="1000" b="0" i="0" u="none" strike="noStrike" cap="none">
                 <a:solidFill>
                   <a:schemeClr val="dk2"/>
                 </a:solidFill>
@@ -6074,7 +6191,7 @@
             </a:lvl9pPr>
           </a:lstStyle>
           <a:p>
-            <a:pPr indent="0" lvl="0" marL="0" rtl="0" algn="r">
+            <a:pPr marL="0" lvl="0" indent="0" algn="r" rtl="0">
               <a:spcBef>
                 <a:spcPts val="0"/>
               </a:spcBef>
@@ -6100,11 +6217,11 @@
 </file>
 
 <file path=ppt/slideLayouts/slideLayout7.xml><?xml version="1.0" encoding="utf-8"?>
-<p:sldLayout xmlns:a="http://schemas.openxmlformats.org/drawingml/2006/main" xmlns:r="http://schemas.openxmlformats.org/officeDocument/2006/relationships" xmlns:mc="http://schemas.openxmlformats.org/markup-compatibility/2006" xmlns:mv="urn:schemas-microsoft-com:mac:vml" xmlns:p="http://schemas.openxmlformats.org/presentationml/2006/main" xmlns:c="http://schemas.openxmlformats.org/drawingml/2006/chart" xmlns:dgm="http://schemas.openxmlformats.org/drawingml/2006/diagram" xmlns:o="urn:schemas-microsoft-com:office:office" xmlns:v="urn:schemas-microsoft-com:vml" xmlns:pvml="urn:schemas-microsoft-com:office:powerpoint" xmlns:com="http://schemas.openxmlformats.org/drawingml/2006/compatibility" xmlns:p14="http://schemas.microsoft.com/office/powerpoint/2010/main" xmlns:p15="http://schemas.microsoft.com/office/powerpoint/2012/main" xmlns:ahyp="http://schemas.microsoft.com/office/drawing/2018/hyperlinkcolor" matchingName="Main point">
+<p:sldLayout xmlns:a="http://schemas.openxmlformats.org/drawingml/2006/main" xmlns:r="http://schemas.openxmlformats.org/officeDocument/2006/relationships" xmlns:p="http://schemas.openxmlformats.org/presentationml/2006/main" matchingName="Main point">
   <p:cSld name="MAIN_POINT">
     <p:spTree>
       <p:nvGrpSpPr>
-        <p:cNvPr id="32" name="Shape 32"/>
+        <p:cNvPr id="1" name="Shape 32"/>
         <p:cNvGrpSpPr/>
         <p:nvPr/>
       </p:nvGrpSpPr>
@@ -6119,7 +6236,9 @@
       <p:sp>
         <p:nvSpPr>
           <p:cNvPr id="33" name="Google Shape;33;p15"/>
-          <p:cNvSpPr txBox="1"/>
+          <p:cNvSpPr txBox="1">
+            <a:spLocks noGrp="1"/>
+          </p:cNvSpPr>
           <p:nvPr>
             <p:ph type="title"/>
           </p:nvPr>
@@ -6138,7 +6257,7 @@
           </a:ln>
         </p:spPr>
         <p:txBody>
-          <a:bodyPr anchorCtr="0" anchor="ctr" bIns="91425" lIns="91425" spcFirstLastPara="1" rIns="91425" wrap="square" tIns="91425">
+          <a:bodyPr spcFirstLastPara="1" wrap="square" lIns="91425" tIns="91425" rIns="91425" bIns="91425" anchor="ctr" anchorCtr="0">
             <a:noAutofit/>
           </a:bodyPr>
           <a:lstStyle>
@@ -6269,15 +6388,19 @@
               <a:defRPr sz="4800"/>
             </a:lvl9pPr>
           </a:lstStyle>
-          <a:p/>
+          <a:p>
+            <a:endParaRPr/>
+          </a:p>
         </p:txBody>
       </p:sp>
       <p:sp>
         <p:nvSpPr>
           <p:cNvPr id="34" name="Google Shape;34;p15"/>
-          <p:cNvSpPr txBox="1"/>
+          <p:cNvSpPr txBox="1">
+            <a:spLocks noGrp="1"/>
+          </p:cNvSpPr>
           <p:nvPr>
-            <p:ph idx="12" type="sldNum"/>
+            <p:ph type="sldNum" idx="12"/>
           </p:nvPr>
         </p:nvSpPr>
         <p:spPr>
@@ -6294,11 +6417,11 @@
           </a:ln>
         </p:spPr>
         <p:txBody>
-          <a:bodyPr anchorCtr="0" anchor="ctr" bIns="91425" lIns="91425" spcFirstLastPara="1" rIns="91425" wrap="square" tIns="91425">
+          <a:bodyPr spcFirstLastPara="1" wrap="square" lIns="91425" tIns="91425" rIns="91425" bIns="91425" anchor="ctr" anchorCtr="0">
             <a:noAutofit/>
           </a:bodyPr>
           <a:lstStyle>
-            <a:lvl1pPr indent="0" lvl="0" marL="0" marR="0" algn="r">
+            <a:lvl1pPr marL="0" marR="0" lvl="0" indent="0" algn="r">
               <a:lnSpc>
                 <a:spcPct val="100000"/>
               </a:lnSpc>
@@ -6314,7 +6437,7 @@
               <a:buSzPts val="1000"/>
               <a:buFont typeface="Arial"/>
               <a:buNone/>
-              <a:defRPr b="0" i="0" sz="1000" u="none" cap="none" strike="noStrike">
+              <a:defRPr sz="1000" b="0" i="0" u="none" strike="noStrike" cap="none">
                 <a:solidFill>
                   <a:schemeClr val="dk2"/>
                 </a:solidFill>
@@ -6324,7 +6447,7 @@
                 <a:sym typeface="Arial"/>
               </a:defRPr>
             </a:lvl1pPr>
-            <a:lvl2pPr indent="0" lvl="1" marL="0" marR="0" algn="r">
+            <a:lvl2pPr marL="0" marR="0" lvl="1" indent="0" algn="r">
               <a:lnSpc>
                 <a:spcPct val="100000"/>
               </a:lnSpc>
@@ -6340,7 +6463,7 @@
               <a:buSzPts val="1000"/>
               <a:buFont typeface="Arial"/>
               <a:buNone/>
-              <a:defRPr b="0" i="0" sz="1000" u="none" cap="none" strike="noStrike">
+              <a:defRPr sz="1000" b="0" i="0" u="none" strike="noStrike" cap="none">
                 <a:solidFill>
                   <a:schemeClr val="dk2"/>
                 </a:solidFill>
@@ -6350,7 +6473,7 @@
                 <a:sym typeface="Arial"/>
               </a:defRPr>
             </a:lvl2pPr>
-            <a:lvl3pPr indent="0" lvl="2" marL="0" marR="0" algn="r">
+            <a:lvl3pPr marL="0" marR="0" lvl="2" indent="0" algn="r">
               <a:lnSpc>
                 <a:spcPct val="100000"/>
               </a:lnSpc>
@@ -6366,7 +6489,7 @@
               <a:buSzPts val="1000"/>
               <a:buFont typeface="Arial"/>
               <a:buNone/>
-              <a:defRPr b="0" i="0" sz="1000" u="none" cap="none" strike="noStrike">
+              <a:defRPr sz="1000" b="0" i="0" u="none" strike="noStrike" cap="none">
                 <a:solidFill>
                   <a:schemeClr val="dk2"/>
                 </a:solidFill>
@@ -6376,7 +6499,7 @@
                 <a:sym typeface="Arial"/>
               </a:defRPr>
             </a:lvl3pPr>
-            <a:lvl4pPr indent="0" lvl="3" marL="0" marR="0" algn="r">
+            <a:lvl4pPr marL="0" marR="0" lvl="3" indent="0" algn="r">
               <a:lnSpc>
                 <a:spcPct val="100000"/>
               </a:lnSpc>
@@ -6392,7 +6515,7 @@
               <a:buSzPts val="1000"/>
               <a:buFont typeface="Arial"/>
               <a:buNone/>
-              <a:defRPr b="0" i="0" sz="1000" u="none" cap="none" strike="noStrike">
+              <a:defRPr sz="1000" b="0" i="0" u="none" strike="noStrike" cap="none">
                 <a:solidFill>
                   <a:schemeClr val="dk2"/>
                 </a:solidFill>
@@ -6402,7 +6525,7 @@
                 <a:sym typeface="Arial"/>
               </a:defRPr>
             </a:lvl4pPr>
-            <a:lvl5pPr indent="0" lvl="4" marL="0" marR="0" algn="r">
+            <a:lvl5pPr marL="0" marR="0" lvl="4" indent="0" algn="r">
               <a:lnSpc>
                 <a:spcPct val="100000"/>
               </a:lnSpc>
@@ -6418,7 +6541,7 @@
               <a:buSzPts val="1000"/>
               <a:buFont typeface="Arial"/>
               <a:buNone/>
-              <a:defRPr b="0" i="0" sz="1000" u="none" cap="none" strike="noStrike">
+              <a:defRPr sz="1000" b="0" i="0" u="none" strike="noStrike" cap="none">
                 <a:solidFill>
                   <a:schemeClr val="dk2"/>
                 </a:solidFill>
@@ -6428,7 +6551,7 @@
                 <a:sym typeface="Arial"/>
               </a:defRPr>
             </a:lvl5pPr>
-            <a:lvl6pPr indent="0" lvl="5" marL="0" marR="0" algn="r">
+            <a:lvl6pPr marL="0" marR="0" lvl="5" indent="0" algn="r">
               <a:lnSpc>
                 <a:spcPct val="100000"/>
               </a:lnSpc>
@@ -6444,7 +6567,7 @@
               <a:buSzPts val="1000"/>
               <a:buFont typeface="Arial"/>
               <a:buNone/>
-              <a:defRPr b="0" i="0" sz="1000" u="none" cap="none" strike="noStrike">
+              <a:defRPr sz="1000" b="0" i="0" u="none" strike="noStrike" cap="none">
                 <a:solidFill>
                   <a:schemeClr val="dk2"/>
                 </a:solidFill>
@@ -6454,7 +6577,7 @@
                 <a:sym typeface="Arial"/>
               </a:defRPr>
             </a:lvl6pPr>
-            <a:lvl7pPr indent="0" lvl="6" marL="0" marR="0" algn="r">
+            <a:lvl7pPr marL="0" marR="0" lvl="6" indent="0" algn="r">
               <a:lnSpc>
                 <a:spcPct val="100000"/>
               </a:lnSpc>
@@ -6470,7 +6593,7 @@
               <a:buSzPts val="1000"/>
               <a:buFont typeface="Arial"/>
               <a:buNone/>
-              <a:defRPr b="0" i="0" sz="1000" u="none" cap="none" strike="noStrike">
+              <a:defRPr sz="1000" b="0" i="0" u="none" strike="noStrike" cap="none">
                 <a:solidFill>
                   <a:schemeClr val="dk2"/>
                 </a:solidFill>
@@ -6480,7 +6603,7 @@
                 <a:sym typeface="Arial"/>
               </a:defRPr>
             </a:lvl7pPr>
-            <a:lvl8pPr indent="0" lvl="7" marL="0" marR="0" algn="r">
+            <a:lvl8pPr marL="0" marR="0" lvl="7" indent="0" algn="r">
               <a:lnSpc>
                 <a:spcPct val="100000"/>
               </a:lnSpc>
@@ -6496,7 +6619,7 @@
               <a:buSzPts val="1000"/>
               <a:buFont typeface="Arial"/>
               <a:buNone/>
-              <a:defRPr b="0" i="0" sz="1000" u="none" cap="none" strike="noStrike">
+              <a:defRPr sz="1000" b="0" i="0" u="none" strike="noStrike" cap="none">
                 <a:solidFill>
                   <a:schemeClr val="dk2"/>
                 </a:solidFill>
@@ -6506,7 +6629,7 @@
                 <a:sym typeface="Arial"/>
               </a:defRPr>
             </a:lvl8pPr>
-            <a:lvl9pPr indent="0" lvl="8" marL="0" marR="0" algn="r">
+            <a:lvl9pPr marL="0" marR="0" lvl="8" indent="0" algn="r">
               <a:lnSpc>
                 <a:spcPct val="100000"/>
               </a:lnSpc>
@@ -6522,7 +6645,7 @@
               <a:buSzPts val="1000"/>
               <a:buFont typeface="Arial"/>
               <a:buNone/>
-              <a:defRPr b="0" i="0" sz="1000" u="none" cap="none" strike="noStrike">
+              <a:defRPr sz="1000" b="0" i="0" u="none" strike="noStrike" cap="none">
                 <a:solidFill>
                   <a:schemeClr val="dk2"/>
                 </a:solidFill>
@@ -6534,7 +6657,7 @@
             </a:lvl9pPr>
           </a:lstStyle>
           <a:p>
-            <a:pPr indent="0" lvl="0" marL="0" rtl="0" algn="r">
+            <a:pPr marL="0" lvl="0" indent="0" algn="r" rtl="0">
               <a:spcBef>
                 <a:spcPts val="0"/>
               </a:spcBef>
@@ -6560,11 +6683,11 @@
 </file>
 
 <file path=ppt/slideLayouts/slideLayout8.xml><?xml version="1.0" encoding="utf-8"?>
-<p:sldLayout xmlns:a="http://schemas.openxmlformats.org/drawingml/2006/main" xmlns:r="http://schemas.openxmlformats.org/officeDocument/2006/relationships" xmlns:mc="http://schemas.openxmlformats.org/markup-compatibility/2006" xmlns:mv="urn:schemas-microsoft-com:mac:vml" xmlns:p="http://schemas.openxmlformats.org/presentationml/2006/main" xmlns:c="http://schemas.openxmlformats.org/drawingml/2006/chart" xmlns:dgm="http://schemas.openxmlformats.org/drawingml/2006/diagram" xmlns:o="urn:schemas-microsoft-com:office:office" xmlns:v="urn:schemas-microsoft-com:vml" xmlns:pvml="urn:schemas-microsoft-com:office:powerpoint" xmlns:com="http://schemas.openxmlformats.org/drawingml/2006/compatibility" xmlns:p14="http://schemas.microsoft.com/office/powerpoint/2010/main" xmlns:p15="http://schemas.microsoft.com/office/powerpoint/2012/main" xmlns:ahyp="http://schemas.microsoft.com/office/drawing/2018/hyperlinkcolor" matchingName="Section title and description">
+<p:sldLayout xmlns:a="http://schemas.openxmlformats.org/drawingml/2006/main" xmlns:r="http://schemas.openxmlformats.org/officeDocument/2006/relationships" xmlns:p="http://schemas.openxmlformats.org/presentationml/2006/main" matchingName="Section title and description">
   <p:cSld name="SECTION_TITLE_AND_DESCRIPTION">
     <p:spTree>
       <p:nvGrpSpPr>
-        <p:cNvPr id="35" name="Shape 35"/>
+        <p:cNvPr id="1" name="Shape 35"/>
         <p:cNvGrpSpPr/>
         <p:nvPr/>
       </p:nvGrpSpPr>
@@ -6598,12 +6721,12 @@
           </a:ln>
         </p:spPr>
         <p:txBody>
-          <a:bodyPr anchorCtr="0" anchor="ctr" bIns="91425" lIns="91425" spcFirstLastPara="1" rIns="91425" wrap="square" tIns="91425">
+          <a:bodyPr spcFirstLastPara="1" wrap="square" lIns="91425" tIns="91425" rIns="91425" bIns="91425" anchor="ctr" anchorCtr="0">
             <a:noAutofit/>
           </a:bodyPr>
           <a:lstStyle/>
           <a:p>
-            <a:pPr indent="0" lvl="0" marL="0" marR="0" rtl="0" algn="l">
+            <a:pPr marL="0" marR="0" lvl="0" indent="0" algn="l" rtl="0">
               <a:lnSpc>
                 <a:spcPct val="100000"/>
               </a:lnSpc>
@@ -6620,10 +6743,7 @@
               <a:buFont typeface="Arial"/>
               <a:buNone/>
             </a:pPr>
-            <a:r>
-              <a:t/>
-            </a:r>
-            <a:endParaRPr b="0" i="0" sz="1400" u="none" cap="none" strike="noStrike">
+            <a:endParaRPr sz="1400" b="0" i="0" u="none" strike="noStrike" cap="none">
               <a:solidFill>
                 <a:srgbClr val="000000"/>
               </a:solidFill>
@@ -6638,7 +6758,9 @@
       <p:sp>
         <p:nvSpPr>
           <p:cNvPr id="37" name="Google Shape;37;p16"/>
-          <p:cNvSpPr txBox="1"/>
+          <p:cNvSpPr txBox="1">
+            <a:spLocks noGrp="1"/>
+          </p:cNvSpPr>
           <p:nvPr>
             <p:ph type="title"/>
           </p:nvPr>
@@ -6657,7 +6779,7 @@
           </a:ln>
         </p:spPr>
         <p:txBody>
-          <a:bodyPr anchorCtr="0" anchor="b" bIns="91425" lIns="91425" spcFirstLastPara="1" rIns="91425" wrap="square" tIns="91425">
+          <a:bodyPr spcFirstLastPara="1" wrap="square" lIns="91425" tIns="91425" rIns="91425" bIns="91425" anchor="b" anchorCtr="0">
             <a:noAutofit/>
           </a:bodyPr>
           <a:lstStyle>
@@ -6788,15 +6910,19 @@
               <a:defRPr sz="4200"/>
             </a:lvl9pPr>
           </a:lstStyle>
-          <a:p/>
+          <a:p>
+            <a:endParaRPr/>
+          </a:p>
         </p:txBody>
       </p:sp>
       <p:sp>
         <p:nvSpPr>
           <p:cNvPr id="38" name="Google Shape;38;p16"/>
-          <p:cNvSpPr txBox="1"/>
+          <p:cNvSpPr txBox="1">
+            <a:spLocks noGrp="1"/>
+          </p:cNvSpPr>
           <p:nvPr>
-            <p:ph idx="1" type="subTitle"/>
+            <p:ph type="subTitle" idx="1"/>
           </p:nvPr>
         </p:nvSpPr>
         <p:spPr>
@@ -6813,7 +6939,7 @@
           </a:ln>
         </p:spPr>
         <p:txBody>
-          <a:bodyPr anchorCtr="0" anchor="t" bIns="91425" lIns="91425" spcFirstLastPara="1" rIns="91425" wrap="square" tIns="91425">
+          <a:bodyPr spcFirstLastPara="1" wrap="square" lIns="91425" tIns="91425" rIns="91425" bIns="91425" anchor="t" anchorCtr="0">
             <a:noAutofit/>
           </a:bodyPr>
           <a:lstStyle>
@@ -6944,15 +7070,19 @@
               <a:defRPr sz="2100"/>
             </a:lvl9pPr>
           </a:lstStyle>
-          <a:p/>
+          <a:p>
+            <a:endParaRPr/>
+          </a:p>
         </p:txBody>
       </p:sp>
       <p:sp>
         <p:nvSpPr>
           <p:cNvPr id="39" name="Google Shape;39;p16"/>
-          <p:cNvSpPr txBox="1"/>
+          <p:cNvSpPr txBox="1">
+            <a:spLocks noGrp="1"/>
+          </p:cNvSpPr>
           <p:nvPr>
-            <p:ph idx="2" type="body"/>
+            <p:ph type="body" idx="2"/>
           </p:nvPr>
         </p:nvSpPr>
         <p:spPr>
@@ -6969,11 +7099,11 @@
           </a:ln>
         </p:spPr>
         <p:txBody>
-          <a:bodyPr anchorCtr="0" anchor="ctr" bIns="91425" lIns="91425" spcFirstLastPara="1" rIns="91425" wrap="square" tIns="91425">
+          <a:bodyPr spcFirstLastPara="1" wrap="square" lIns="91425" tIns="91425" rIns="91425" bIns="91425" anchor="ctr" anchorCtr="0">
             <a:noAutofit/>
           </a:bodyPr>
           <a:lstStyle>
-            <a:lvl1pPr indent="-342900" lvl="0" marL="457200" algn="l">
+            <a:lvl1pPr marL="457200" lvl="0" indent="-342900" algn="l">
               <a:lnSpc>
                 <a:spcPct val="115000"/>
               </a:lnSpc>
@@ -6987,7 +7117,7 @@
               <a:buChar char="●"/>
               <a:defRPr/>
             </a:lvl1pPr>
-            <a:lvl2pPr indent="-317500" lvl="1" marL="914400" algn="l">
+            <a:lvl2pPr marL="914400" lvl="1" indent="-317500" algn="l">
               <a:lnSpc>
                 <a:spcPct val="115000"/>
               </a:lnSpc>
@@ -7001,7 +7131,7 @@
               <a:buChar char="○"/>
               <a:defRPr/>
             </a:lvl2pPr>
-            <a:lvl3pPr indent="-317500" lvl="2" marL="1371600" algn="l">
+            <a:lvl3pPr marL="1371600" lvl="2" indent="-317500" algn="l">
               <a:lnSpc>
                 <a:spcPct val="115000"/>
               </a:lnSpc>
@@ -7015,7 +7145,7 @@
               <a:buChar char="■"/>
               <a:defRPr/>
             </a:lvl3pPr>
-            <a:lvl4pPr indent="-317500" lvl="3" marL="1828800" algn="l">
+            <a:lvl4pPr marL="1828800" lvl="3" indent="-317500" algn="l">
               <a:lnSpc>
                 <a:spcPct val="115000"/>
               </a:lnSpc>
@@ -7029,7 +7159,7 @@
               <a:buChar char="●"/>
               <a:defRPr/>
             </a:lvl4pPr>
-            <a:lvl5pPr indent="-317500" lvl="4" marL="2286000" algn="l">
+            <a:lvl5pPr marL="2286000" lvl="4" indent="-317500" algn="l">
               <a:lnSpc>
                 <a:spcPct val="115000"/>
               </a:lnSpc>
@@ -7043,7 +7173,7 @@
               <a:buChar char="○"/>
               <a:defRPr/>
             </a:lvl5pPr>
-            <a:lvl6pPr indent="-317500" lvl="5" marL="2743200" algn="l">
+            <a:lvl6pPr marL="2743200" lvl="5" indent="-317500" algn="l">
               <a:lnSpc>
                 <a:spcPct val="115000"/>
               </a:lnSpc>
@@ -7057,7 +7187,7 @@
               <a:buChar char="■"/>
               <a:defRPr/>
             </a:lvl6pPr>
-            <a:lvl7pPr indent="-317500" lvl="6" marL="3200400" algn="l">
+            <a:lvl7pPr marL="3200400" lvl="6" indent="-317500" algn="l">
               <a:lnSpc>
                 <a:spcPct val="115000"/>
               </a:lnSpc>
@@ -7071,7 +7201,7 @@
               <a:buChar char="●"/>
               <a:defRPr/>
             </a:lvl7pPr>
-            <a:lvl8pPr indent="-317500" lvl="7" marL="3657600" algn="l">
+            <a:lvl8pPr marL="3657600" lvl="7" indent="-317500" algn="l">
               <a:lnSpc>
                 <a:spcPct val="115000"/>
               </a:lnSpc>
@@ -7085,7 +7215,7 @@
               <a:buChar char="○"/>
               <a:defRPr/>
             </a:lvl8pPr>
-            <a:lvl9pPr indent="-317500" lvl="8" marL="4114800" algn="l">
+            <a:lvl9pPr marL="4114800" lvl="8" indent="-317500" algn="l">
               <a:lnSpc>
                 <a:spcPct val="115000"/>
               </a:lnSpc>
@@ -7100,15 +7230,19 @@
               <a:defRPr/>
             </a:lvl9pPr>
           </a:lstStyle>
-          <a:p/>
+          <a:p>
+            <a:endParaRPr/>
+          </a:p>
         </p:txBody>
       </p:sp>
       <p:sp>
         <p:nvSpPr>
           <p:cNvPr id="40" name="Google Shape;40;p16"/>
-          <p:cNvSpPr txBox="1"/>
+          <p:cNvSpPr txBox="1">
+            <a:spLocks noGrp="1"/>
+          </p:cNvSpPr>
           <p:nvPr>
-            <p:ph idx="12" type="sldNum"/>
+            <p:ph type="sldNum" idx="12"/>
           </p:nvPr>
         </p:nvSpPr>
         <p:spPr>
@@ -7125,11 +7259,11 @@
           </a:ln>
         </p:spPr>
         <p:txBody>
-          <a:bodyPr anchorCtr="0" anchor="ctr" bIns="91425" lIns="91425" spcFirstLastPara="1" rIns="91425" wrap="square" tIns="91425">
+          <a:bodyPr spcFirstLastPara="1" wrap="square" lIns="91425" tIns="91425" rIns="91425" bIns="91425" anchor="ctr" anchorCtr="0">
             <a:noAutofit/>
           </a:bodyPr>
           <a:lstStyle>
-            <a:lvl1pPr indent="0" lvl="0" marL="0" marR="0" algn="r">
+            <a:lvl1pPr marL="0" marR="0" lvl="0" indent="0" algn="r">
               <a:lnSpc>
                 <a:spcPct val="100000"/>
               </a:lnSpc>
@@ -7145,7 +7279,7 @@
               <a:buSzPts val="1000"/>
               <a:buFont typeface="Arial"/>
               <a:buNone/>
-              <a:defRPr b="0" i="0" sz="1000" u="none" cap="none" strike="noStrike">
+              <a:defRPr sz="1000" b="0" i="0" u="none" strike="noStrike" cap="none">
                 <a:solidFill>
                   <a:schemeClr val="dk2"/>
                 </a:solidFill>
@@ -7155,7 +7289,7 @@
                 <a:sym typeface="Arial"/>
               </a:defRPr>
             </a:lvl1pPr>
-            <a:lvl2pPr indent="0" lvl="1" marL="0" marR="0" algn="r">
+            <a:lvl2pPr marL="0" marR="0" lvl="1" indent="0" algn="r">
               <a:lnSpc>
                 <a:spcPct val="100000"/>
               </a:lnSpc>
@@ -7171,7 +7305,7 @@
               <a:buSzPts val="1000"/>
               <a:buFont typeface="Arial"/>
               <a:buNone/>
-              <a:defRPr b="0" i="0" sz="1000" u="none" cap="none" strike="noStrike">
+              <a:defRPr sz="1000" b="0" i="0" u="none" strike="noStrike" cap="none">
                 <a:solidFill>
                   <a:schemeClr val="dk2"/>
                 </a:solidFill>
@@ -7181,7 +7315,7 @@
                 <a:sym typeface="Arial"/>
               </a:defRPr>
             </a:lvl2pPr>
-            <a:lvl3pPr indent="0" lvl="2" marL="0" marR="0" algn="r">
+            <a:lvl3pPr marL="0" marR="0" lvl="2" indent="0" algn="r">
               <a:lnSpc>
                 <a:spcPct val="100000"/>
               </a:lnSpc>
@@ -7197,7 +7331,7 @@
               <a:buSzPts val="1000"/>
               <a:buFont typeface="Arial"/>
               <a:buNone/>
-              <a:defRPr b="0" i="0" sz="1000" u="none" cap="none" strike="noStrike">
+              <a:defRPr sz="1000" b="0" i="0" u="none" strike="noStrike" cap="none">
                 <a:solidFill>
                   <a:schemeClr val="dk2"/>
                 </a:solidFill>
@@ -7207,7 +7341,7 @@
                 <a:sym typeface="Arial"/>
               </a:defRPr>
             </a:lvl3pPr>
-            <a:lvl4pPr indent="0" lvl="3" marL="0" marR="0" algn="r">
+            <a:lvl4pPr marL="0" marR="0" lvl="3" indent="0" algn="r">
               <a:lnSpc>
                 <a:spcPct val="100000"/>
               </a:lnSpc>
@@ -7223,7 +7357,7 @@
               <a:buSzPts val="1000"/>
               <a:buFont typeface="Arial"/>
               <a:buNone/>
-              <a:defRPr b="0" i="0" sz="1000" u="none" cap="none" strike="noStrike">
+              <a:defRPr sz="1000" b="0" i="0" u="none" strike="noStrike" cap="none">
                 <a:solidFill>
                   <a:schemeClr val="dk2"/>
                 </a:solidFill>
@@ -7233,7 +7367,7 @@
                 <a:sym typeface="Arial"/>
               </a:defRPr>
             </a:lvl4pPr>
-            <a:lvl5pPr indent="0" lvl="4" marL="0" marR="0" algn="r">
+            <a:lvl5pPr marL="0" marR="0" lvl="4" indent="0" algn="r">
               <a:lnSpc>
                 <a:spcPct val="100000"/>
               </a:lnSpc>
@@ -7249,7 +7383,7 @@
               <a:buSzPts val="1000"/>
               <a:buFont typeface="Arial"/>
               <a:buNone/>
-              <a:defRPr b="0" i="0" sz="1000" u="none" cap="none" strike="noStrike">
+              <a:defRPr sz="1000" b="0" i="0" u="none" strike="noStrike" cap="none">
                 <a:solidFill>
                   <a:schemeClr val="dk2"/>
                 </a:solidFill>
@@ -7259,7 +7393,7 @@
                 <a:sym typeface="Arial"/>
               </a:defRPr>
             </a:lvl5pPr>
-            <a:lvl6pPr indent="0" lvl="5" marL="0" marR="0" algn="r">
+            <a:lvl6pPr marL="0" marR="0" lvl="5" indent="0" algn="r">
               <a:lnSpc>
                 <a:spcPct val="100000"/>
               </a:lnSpc>
@@ -7275,7 +7409,7 @@
               <a:buSzPts val="1000"/>
               <a:buFont typeface="Arial"/>
               <a:buNone/>
-              <a:defRPr b="0" i="0" sz="1000" u="none" cap="none" strike="noStrike">
+              <a:defRPr sz="1000" b="0" i="0" u="none" strike="noStrike" cap="none">
                 <a:solidFill>
                   <a:schemeClr val="dk2"/>
                 </a:solidFill>
@@ -7285,7 +7419,7 @@
                 <a:sym typeface="Arial"/>
               </a:defRPr>
             </a:lvl6pPr>
-            <a:lvl7pPr indent="0" lvl="6" marL="0" marR="0" algn="r">
+            <a:lvl7pPr marL="0" marR="0" lvl="6" indent="0" algn="r">
               <a:lnSpc>
                 <a:spcPct val="100000"/>
               </a:lnSpc>
@@ -7301,7 +7435,7 @@
               <a:buSzPts val="1000"/>
               <a:buFont typeface="Arial"/>
               <a:buNone/>
-              <a:defRPr b="0" i="0" sz="1000" u="none" cap="none" strike="noStrike">
+              <a:defRPr sz="1000" b="0" i="0" u="none" strike="noStrike" cap="none">
                 <a:solidFill>
                   <a:schemeClr val="dk2"/>
                 </a:solidFill>
@@ -7311,7 +7445,7 @@
                 <a:sym typeface="Arial"/>
               </a:defRPr>
             </a:lvl7pPr>
-            <a:lvl8pPr indent="0" lvl="7" marL="0" marR="0" algn="r">
+            <a:lvl8pPr marL="0" marR="0" lvl="7" indent="0" algn="r">
               <a:lnSpc>
                 <a:spcPct val="100000"/>
               </a:lnSpc>
@@ -7327,7 +7461,7 @@
               <a:buSzPts val="1000"/>
               <a:buFont typeface="Arial"/>
               <a:buNone/>
-              <a:defRPr b="0" i="0" sz="1000" u="none" cap="none" strike="noStrike">
+              <a:defRPr sz="1000" b="0" i="0" u="none" strike="noStrike" cap="none">
                 <a:solidFill>
                   <a:schemeClr val="dk2"/>
                 </a:solidFill>
@@ -7337,7 +7471,7 @@
                 <a:sym typeface="Arial"/>
               </a:defRPr>
             </a:lvl8pPr>
-            <a:lvl9pPr indent="0" lvl="8" marL="0" marR="0" algn="r">
+            <a:lvl9pPr marL="0" marR="0" lvl="8" indent="0" algn="r">
               <a:lnSpc>
                 <a:spcPct val="100000"/>
               </a:lnSpc>
@@ -7353,7 +7487,7 @@
               <a:buSzPts val="1000"/>
               <a:buFont typeface="Arial"/>
               <a:buNone/>
-              <a:defRPr b="0" i="0" sz="1000" u="none" cap="none" strike="noStrike">
+              <a:defRPr sz="1000" b="0" i="0" u="none" strike="noStrike" cap="none">
                 <a:solidFill>
                   <a:schemeClr val="dk2"/>
                 </a:solidFill>
@@ -7365,7 +7499,7 @@
             </a:lvl9pPr>
           </a:lstStyle>
           <a:p>
-            <a:pPr indent="0" lvl="0" marL="0" rtl="0" algn="r">
+            <a:pPr marL="0" lvl="0" indent="0" algn="r" rtl="0">
               <a:spcBef>
                 <a:spcPts val="0"/>
               </a:spcBef>
@@ -7391,11 +7525,11 @@
 </file>
 
 <file path=ppt/slideLayouts/slideLayout9.xml><?xml version="1.0" encoding="utf-8"?>
-<p:sldLayout xmlns:a="http://schemas.openxmlformats.org/drawingml/2006/main" xmlns:r="http://schemas.openxmlformats.org/officeDocument/2006/relationships" xmlns:mc="http://schemas.openxmlformats.org/markup-compatibility/2006" xmlns:mv="urn:schemas-microsoft-com:mac:vml" xmlns:p="http://schemas.openxmlformats.org/presentationml/2006/main" xmlns:c="http://schemas.openxmlformats.org/drawingml/2006/chart" xmlns:dgm="http://schemas.openxmlformats.org/drawingml/2006/diagram" xmlns:o="urn:schemas-microsoft-com:office:office" xmlns:v="urn:schemas-microsoft-com:vml" xmlns:pvml="urn:schemas-microsoft-com:office:powerpoint" xmlns:com="http://schemas.openxmlformats.org/drawingml/2006/compatibility" xmlns:p14="http://schemas.microsoft.com/office/powerpoint/2010/main" xmlns:p15="http://schemas.microsoft.com/office/powerpoint/2012/main" xmlns:ahyp="http://schemas.microsoft.com/office/drawing/2018/hyperlinkcolor" matchingName="Caption">
+<p:sldLayout xmlns:a="http://schemas.openxmlformats.org/drawingml/2006/main" xmlns:r="http://schemas.openxmlformats.org/officeDocument/2006/relationships" xmlns:p="http://schemas.openxmlformats.org/presentationml/2006/main" matchingName="Caption">
   <p:cSld name="CAPTION_ONLY">
     <p:spTree>
       <p:nvGrpSpPr>
-        <p:cNvPr id="41" name="Shape 41"/>
+        <p:cNvPr id="1" name="Shape 41"/>
         <p:cNvGrpSpPr/>
         <p:nvPr/>
       </p:nvGrpSpPr>
@@ -7410,9 +7544,11 @@
       <p:sp>
         <p:nvSpPr>
           <p:cNvPr id="42" name="Google Shape;42;p17"/>
-          <p:cNvSpPr txBox="1"/>
+          <p:cNvSpPr txBox="1">
+            <a:spLocks noGrp="1"/>
+          </p:cNvSpPr>
           <p:nvPr>
-            <p:ph idx="1" type="body"/>
+            <p:ph type="body" idx="1"/>
           </p:nvPr>
         </p:nvSpPr>
         <p:spPr>
@@ -7429,11 +7565,11 @@
           </a:ln>
         </p:spPr>
         <p:txBody>
-          <a:bodyPr anchorCtr="0" anchor="ctr" bIns="91425" lIns="91425" spcFirstLastPara="1" rIns="91425" wrap="square" tIns="91425">
+          <a:bodyPr spcFirstLastPara="1" wrap="square" lIns="91425" tIns="91425" rIns="91425" bIns="91425" anchor="ctr" anchorCtr="0">
             <a:noAutofit/>
           </a:bodyPr>
           <a:lstStyle>
-            <a:lvl1pPr indent="-228600" lvl="0" marL="457200" algn="l">
+            <a:lvl1pPr marL="457200" lvl="0" indent="-228600" algn="l">
               <a:lnSpc>
                 <a:spcPct val="100000"/>
               </a:lnSpc>
@@ -7448,15 +7584,19 @@
               <a:defRPr/>
             </a:lvl1pPr>
           </a:lstStyle>
-          <a:p/>
+          <a:p>
+            <a:endParaRPr/>
+          </a:p>
         </p:txBody>
       </p:sp>
       <p:sp>
         <p:nvSpPr>
           <p:cNvPr id="43" name="Google Shape;43;p17"/>
-          <p:cNvSpPr txBox="1"/>
+          <p:cNvSpPr txBox="1">
+            <a:spLocks noGrp="1"/>
+          </p:cNvSpPr>
           <p:nvPr>
-            <p:ph idx="12" type="sldNum"/>
+            <p:ph type="sldNum" idx="12"/>
           </p:nvPr>
         </p:nvSpPr>
         <p:spPr>
@@ -7473,11 +7613,11 @@
           </a:ln>
         </p:spPr>
         <p:txBody>
-          <a:bodyPr anchorCtr="0" anchor="ctr" bIns="91425" lIns="91425" spcFirstLastPara="1" rIns="91425" wrap="square" tIns="91425">
+          <a:bodyPr spcFirstLastPara="1" wrap="square" lIns="91425" tIns="91425" rIns="91425" bIns="91425" anchor="ctr" anchorCtr="0">
             <a:noAutofit/>
           </a:bodyPr>
           <a:lstStyle>
-            <a:lvl1pPr indent="0" lvl="0" marL="0" marR="0" algn="r">
+            <a:lvl1pPr marL="0" marR="0" lvl="0" indent="0" algn="r">
               <a:lnSpc>
                 <a:spcPct val="100000"/>
               </a:lnSpc>
@@ -7493,7 +7633,7 @@
               <a:buSzPts val="1000"/>
               <a:buFont typeface="Arial"/>
               <a:buNone/>
-              <a:defRPr b="0" i="0" sz="1000" u="none" cap="none" strike="noStrike">
+              <a:defRPr sz="1000" b="0" i="0" u="none" strike="noStrike" cap="none">
                 <a:solidFill>
                   <a:schemeClr val="dk2"/>
                 </a:solidFill>
@@ -7503,7 +7643,7 @@
                 <a:sym typeface="Arial"/>
               </a:defRPr>
             </a:lvl1pPr>
-            <a:lvl2pPr indent="0" lvl="1" marL="0" marR="0" algn="r">
+            <a:lvl2pPr marL="0" marR="0" lvl="1" indent="0" algn="r">
               <a:lnSpc>
                 <a:spcPct val="100000"/>
               </a:lnSpc>
@@ -7519,7 +7659,7 @@
               <a:buSzPts val="1000"/>
               <a:buFont typeface="Arial"/>
               <a:buNone/>
-              <a:defRPr b="0" i="0" sz="1000" u="none" cap="none" strike="noStrike">
+              <a:defRPr sz="1000" b="0" i="0" u="none" strike="noStrike" cap="none">
                 <a:solidFill>
                   <a:schemeClr val="dk2"/>
                 </a:solidFill>
@@ -7529,7 +7669,7 @@
                 <a:sym typeface="Arial"/>
               </a:defRPr>
             </a:lvl2pPr>
-            <a:lvl3pPr indent="0" lvl="2" marL="0" marR="0" algn="r">
+            <a:lvl3pPr marL="0" marR="0" lvl="2" indent="0" algn="r">
               <a:lnSpc>
                 <a:spcPct val="100000"/>
               </a:lnSpc>
@@ -7545,7 +7685,7 @@
               <a:buSzPts val="1000"/>
               <a:buFont typeface="Arial"/>
               <a:buNone/>
-              <a:defRPr b="0" i="0" sz="1000" u="none" cap="none" strike="noStrike">
+              <a:defRPr sz="1000" b="0" i="0" u="none" strike="noStrike" cap="none">
                 <a:solidFill>
                   <a:schemeClr val="dk2"/>
                 </a:solidFill>
@@ -7555,7 +7695,7 @@
                 <a:sym typeface="Arial"/>
               </a:defRPr>
             </a:lvl3pPr>
-            <a:lvl4pPr indent="0" lvl="3" marL="0" marR="0" algn="r">
+            <a:lvl4pPr marL="0" marR="0" lvl="3" indent="0" algn="r">
               <a:lnSpc>
                 <a:spcPct val="100000"/>
               </a:lnSpc>
@@ -7571,7 +7711,7 @@
               <a:buSzPts val="1000"/>
               <a:buFont typeface="Arial"/>
               <a:buNone/>
-              <a:defRPr b="0" i="0" sz="1000" u="none" cap="none" strike="noStrike">
+              <a:defRPr sz="1000" b="0" i="0" u="none" strike="noStrike" cap="none">
                 <a:solidFill>
                   <a:schemeClr val="dk2"/>
                 </a:solidFill>
@@ -7581,7 +7721,7 @@
                 <a:sym typeface="Arial"/>
               </a:defRPr>
             </a:lvl4pPr>
-            <a:lvl5pPr indent="0" lvl="4" marL="0" marR="0" algn="r">
+            <a:lvl5pPr marL="0" marR="0" lvl="4" indent="0" algn="r">
               <a:lnSpc>
                 <a:spcPct val="100000"/>
               </a:lnSpc>
@@ -7597,7 +7737,7 @@
               <a:buSzPts val="1000"/>
               <a:buFont typeface="Arial"/>
               <a:buNone/>
-              <a:defRPr b="0" i="0" sz="1000" u="none" cap="none" strike="noStrike">
+              <a:defRPr sz="1000" b="0" i="0" u="none" strike="noStrike" cap="none">
                 <a:solidFill>
                   <a:schemeClr val="dk2"/>
                 </a:solidFill>
@@ -7607,7 +7747,7 @@
                 <a:sym typeface="Arial"/>
               </a:defRPr>
             </a:lvl5pPr>
-            <a:lvl6pPr indent="0" lvl="5" marL="0" marR="0" algn="r">
+            <a:lvl6pPr marL="0" marR="0" lvl="5" indent="0" algn="r">
               <a:lnSpc>
                 <a:spcPct val="100000"/>
               </a:lnSpc>
@@ -7623,7 +7763,7 @@
               <a:buSzPts val="1000"/>
               <a:buFont typeface="Arial"/>
               <a:buNone/>
-              <a:defRPr b="0" i="0" sz="1000" u="none" cap="none" strike="noStrike">
+              <a:defRPr sz="1000" b="0" i="0" u="none" strike="noStrike" cap="none">
                 <a:solidFill>
                   <a:schemeClr val="dk2"/>
                 </a:solidFill>
@@ -7633,7 +7773,7 @@
                 <a:sym typeface="Arial"/>
               </a:defRPr>
             </a:lvl6pPr>
-            <a:lvl7pPr indent="0" lvl="6" marL="0" marR="0" algn="r">
+            <a:lvl7pPr marL="0" marR="0" lvl="6" indent="0" algn="r">
               <a:lnSpc>
                 <a:spcPct val="100000"/>
               </a:lnSpc>
@@ -7649,7 +7789,7 @@
               <a:buSzPts val="1000"/>
               <a:buFont typeface="Arial"/>
               <a:buNone/>
-              <a:defRPr b="0" i="0" sz="1000" u="none" cap="none" strike="noStrike">
+              <a:defRPr sz="1000" b="0" i="0" u="none" strike="noStrike" cap="none">
                 <a:solidFill>
                   <a:schemeClr val="dk2"/>
                 </a:solidFill>
@@ -7659,7 +7799,7 @@
                 <a:sym typeface="Arial"/>
               </a:defRPr>
             </a:lvl7pPr>
-            <a:lvl8pPr indent="0" lvl="7" marL="0" marR="0" algn="r">
+            <a:lvl8pPr marL="0" marR="0" lvl="7" indent="0" algn="r">
               <a:lnSpc>
                 <a:spcPct val="100000"/>
               </a:lnSpc>
@@ -7675,7 +7815,7 @@
               <a:buSzPts val="1000"/>
               <a:buFont typeface="Arial"/>
               <a:buNone/>
-              <a:defRPr b="0" i="0" sz="1000" u="none" cap="none" strike="noStrike">
+              <a:defRPr sz="1000" b="0" i="0" u="none" strike="noStrike" cap="none">
                 <a:solidFill>
                   <a:schemeClr val="dk2"/>
                 </a:solidFill>
@@ -7685,7 +7825,7 @@
                 <a:sym typeface="Arial"/>
               </a:defRPr>
             </a:lvl8pPr>
-            <a:lvl9pPr indent="0" lvl="8" marL="0" marR="0" algn="r">
+            <a:lvl9pPr marL="0" marR="0" lvl="8" indent="0" algn="r">
               <a:lnSpc>
                 <a:spcPct val="100000"/>
               </a:lnSpc>
@@ -7701,7 +7841,7 @@
               <a:buSzPts val="1000"/>
               <a:buFont typeface="Arial"/>
               <a:buNone/>
-              <a:defRPr b="0" i="0" sz="1000" u="none" cap="none" strike="noStrike">
+              <a:defRPr sz="1000" b="0" i="0" u="none" strike="noStrike" cap="none">
                 <a:solidFill>
                   <a:schemeClr val="dk2"/>
                 </a:solidFill>
@@ -7713,7 +7853,7 @@
             </a:lvl9pPr>
           </a:lstStyle>
           <a:p>
-            <a:pPr indent="0" lvl="0" marL="0" rtl="0" algn="r">
+            <a:pPr marL="0" lvl="0" indent="0" algn="r" rtl="0">
               <a:spcBef>
                 <a:spcPts val="0"/>
               </a:spcBef>
@@ -7739,18 +7879,19 @@
 </file>
 
 <file path=ppt/slideMasters/slideMaster1.xml><?xml version="1.0" encoding="utf-8"?>
-<p:sldMaster xmlns:a="http://schemas.openxmlformats.org/drawingml/2006/main" xmlns:r="http://schemas.openxmlformats.org/officeDocument/2006/relationships" xmlns:mc="http://schemas.openxmlformats.org/markup-compatibility/2006" xmlns:mv="urn:schemas-microsoft-com:mac:vml" xmlns:p="http://schemas.openxmlformats.org/presentationml/2006/main" xmlns:c="http://schemas.openxmlformats.org/drawingml/2006/chart" xmlns:dgm="http://schemas.openxmlformats.org/drawingml/2006/diagram" xmlns:o="urn:schemas-microsoft-com:office:office" xmlns:v="urn:schemas-microsoft-com:vml" xmlns:pvml="urn:schemas-microsoft-com:office:powerpoint" xmlns:com="http://schemas.openxmlformats.org/drawingml/2006/compatibility" xmlns:p14="http://schemas.microsoft.com/office/powerpoint/2010/main" xmlns:p15="http://schemas.microsoft.com/office/powerpoint/2012/main" xmlns:ahyp="http://schemas.microsoft.com/office/drawing/2018/hyperlinkcolor">
+<p:sldMaster xmlns:a="http://schemas.openxmlformats.org/drawingml/2006/main" xmlns:r="http://schemas.openxmlformats.org/officeDocument/2006/relationships" xmlns:p="http://schemas.openxmlformats.org/presentationml/2006/main">
   <p:cSld name="simple-light-2">
     <p:bg>
       <p:bgPr>
         <a:solidFill>
           <a:schemeClr val="lt1"/>
         </a:solidFill>
+        <a:effectLst/>
       </p:bgPr>
     </p:bg>
     <p:spTree>
       <p:nvGrpSpPr>
-        <p:cNvPr id="5" name="Shape 5"/>
+        <p:cNvPr id="1" name="Shape 5"/>
         <p:cNvGrpSpPr/>
         <p:nvPr/>
       </p:nvGrpSpPr>
@@ -7765,7 +7906,9 @@
       <p:sp>
         <p:nvSpPr>
           <p:cNvPr id="6" name="Google Shape;6;p8"/>
-          <p:cNvSpPr txBox="1"/>
+          <p:cNvSpPr txBox="1">
+            <a:spLocks noGrp="1"/>
+          </p:cNvSpPr>
           <p:nvPr>
             <p:ph type="title"/>
           </p:nvPr>
@@ -7784,11 +7927,11 @@
           </a:ln>
         </p:spPr>
         <p:txBody>
-          <a:bodyPr anchorCtr="0" anchor="t" bIns="91425" lIns="91425" spcFirstLastPara="1" rIns="91425" wrap="square" tIns="91425">
+          <a:bodyPr spcFirstLastPara="1" wrap="square" lIns="91425" tIns="91425" rIns="91425" bIns="91425" anchor="t" anchorCtr="0">
             <a:noAutofit/>
           </a:bodyPr>
           <a:lstStyle>
-            <a:lvl1pPr lvl="0" marR="0" rtl="0" algn="l">
+            <a:lvl1pPr marR="0" lvl="0" algn="l" rtl="0">
               <a:lnSpc>
                 <a:spcPct val="100000"/>
               </a:lnSpc>
@@ -7804,7 +7947,7 @@
               <a:buSzPts val="2800"/>
               <a:buFont typeface="Arial"/>
               <a:buNone/>
-              <a:defRPr b="0" i="0" sz="2800" u="none" cap="none" strike="noStrike">
+              <a:defRPr sz="2800" b="0" i="0" u="none" strike="noStrike" cap="none">
                 <a:solidFill>
                   <a:schemeClr val="dk1"/>
                 </a:solidFill>
@@ -7814,7 +7957,7 @@
                 <a:sym typeface="Arial"/>
               </a:defRPr>
             </a:lvl1pPr>
-            <a:lvl2pPr lvl="1" marR="0" rtl="0" algn="l">
+            <a:lvl2pPr marR="0" lvl="1" algn="l" rtl="0">
               <a:lnSpc>
                 <a:spcPct val="100000"/>
               </a:lnSpc>
@@ -7830,7 +7973,7 @@
               <a:buSzPts val="2800"/>
               <a:buFont typeface="Arial"/>
               <a:buNone/>
-              <a:defRPr b="0" i="0" sz="2800" u="none" cap="none" strike="noStrike">
+              <a:defRPr sz="2800" b="0" i="0" u="none" strike="noStrike" cap="none">
                 <a:solidFill>
                   <a:schemeClr val="dk1"/>
                 </a:solidFill>
@@ -7840,7 +7983,7 @@
                 <a:sym typeface="Arial"/>
               </a:defRPr>
             </a:lvl2pPr>
-            <a:lvl3pPr lvl="2" marR="0" rtl="0" algn="l">
+            <a:lvl3pPr marR="0" lvl="2" algn="l" rtl="0">
               <a:lnSpc>
                 <a:spcPct val="100000"/>
               </a:lnSpc>
@@ -7856,7 +7999,7 @@
               <a:buSzPts val="2800"/>
               <a:buFont typeface="Arial"/>
               <a:buNone/>
-              <a:defRPr b="0" i="0" sz="2800" u="none" cap="none" strike="noStrike">
+              <a:defRPr sz="2800" b="0" i="0" u="none" strike="noStrike" cap="none">
                 <a:solidFill>
                   <a:schemeClr val="dk1"/>
                 </a:solidFill>
@@ -7866,7 +8009,7 @@
                 <a:sym typeface="Arial"/>
               </a:defRPr>
             </a:lvl3pPr>
-            <a:lvl4pPr lvl="3" marR="0" rtl="0" algn="l">
+            <a:lvl4pPr marR="0" lvl="3" algn="l" rtl="0">
               <a:lnSpc>
                 <a:spcPct val="100000"/>
               </a:lnSpc>
@@ -7882,7 +8025,7 @@
               <a:buSzPts val="2800"/>
               <a:buFont typeface="Arial"/>
               <a:buNone/>
-              <a:defRPr b="0" i="0" sz="2800" u="none" cap="none" strike="noStrike">
+              <a:defRPr sz="2800" b="0" i="0" u="none" strike="noStrike" cap="none">
                 <a:solidFill>
                   <a:schemeClr val="dk1"/>
                 </a:solidFill>
@@ -7892,7 +8035,7 @@
                 <a:sym typeface="Arial"/>
               </a:defRPr>
             </a:lvl4pPr>
-            <a:lvl5pPr lvl="4" marR="0" rtl="0" algn="l">
+            <a:lvl5pPr marR="0" lvl="4" algn="l" rtl="0">
               <a:lnSpc>
                 <a:spcPct val="100000"/>
               </a:lnSpc>
@@ -7908,7 +8051,7 @@
               <a:buSzPts val="2800"/>
               <a:buFont typeface="Arial"/>
               <a:buNone/>
-              <a:defRPr b="0" i="0" sz="2800" u="none" cap="none" strike="noStrike">
+              <a:defRPr sz="2800" b="0" i="0" u="none" strike="noStrike" cap="none">
                 <a:solidFill>
                   <a:schemeClr val="dk1"/>
                 </a:solidFill>
@@ -7918,7 +8061,7 @@
                 <a:sym typeface="Arial"/>
               </a:defRPr>
             </a:lvl5pPr>
-            <a:lvl6pPr lvl="5" marR="0" rtl="0" algn="l">
+            <a:lvl6pPr marR="0" lvl="5" algn="l" rtl="0">
               <a:lnSpc>
                 <a:spcPct val="100000"/>
               </a:lnSpc>
@@ -7934,7 +8077,7 @@
               <a:buSzPts val="2800"/>
               <a:buFont typeface="Arial"/>
               <a:buNone/>
-              <a:defRPr b="0" i="0" sz="2800" u="none" cap="none" strike="noStrike">
+              <a:defRPr sz="2800" b="0" i="0" u="none" strike="noStrike" cap="none">
                 <a:solidFill>
                   <a:schemeClr val="dk1"/>
                 </a:solidFill>
@@ -7944,7 +8087,7 @@
                 <a:sym typeface="Arial"/>
               </a:defRPr>
             </a:lvl6pPr>
-            <a:lvl7pPr lvl="6" marR="0" rtl="0" algn="l">
+            <a:lvl7pPr marR="0" lvl="6" algn="l" rtl="0">
               <a:lnSpc>
                 <a:spcPct val="100000"/>
               </a:lnSpc>
@@ -7960,7 +8103,7 @@
               <a:buSzPts val="2800"/>
               <a:buFont typeface="Arial"/>
               <a:buNone/>
-              <a:defRPr b="0" i="0" sz="2800" u="none" cap="none" strike="noStrike">
+              <a:defRPr sz="2800" b="0" i="0" u="none" strike="noStrike" cap="none">
                 <a:solidFill>
                   <a:schemeClr val="dk1"/>
                 </a:solidFill>
@@ -7970,7 +8113,7 @@
                 <a:sym typeface="Arial"/>
               </a:defRPr>
             </a:lvl7pPr>
-            <a:lvl8pPr lvl="7" marR="0" rtl="0" algn="l">
+            <a:lvl8pPr marR="0" lvl="7" algn="l" rtl="0">
               <a:lnSpc>
                 <a:spcPct val="100000"/>
               </a:lnSpc>
@@ -7986,7 +8129,7 @@
               <a:buSzPts val="2800"/>
               <a:buFont typeface="Arial"/>
               <a:buNone/>
-              <a:defRPr b="0" i="0" sz="2800" u="none" cap="none" strike="noStrike">
+              <a:defRPr sz="2800" b="0" i="0" u="none" strike="noStrike" cap="none">
                 <a:solidFill>
                   <a:schemeClr val="dk1"/>
                 </a:solidFill>
@@ -7996,7 +8139,7 @@
                 <a:sym typeface="Arial"/>
               </a:defRPr>
             </a:lvl8pPr>
-            <a:lvl9pPr lvl="8" marR="0" rtl="0" algn="l">
+            <a:lvl9pPr marR="0" lvl="8" algn="l" rtl="0">
               <a:lnSpc>
                 <a:spcPct val="100000"/>
               </a:lnSpc>
@@ -8012,7 +8155,7 @@
               <a:buSzPts val="2800"/>
               <a:buFont typeface="Arial"/>
               <a:buNone/>
-              <a:defRPr b="0" i="0" sz="2800" u="none" cap="none" strike="noStrike">
+              <a:defRPr sz="2800" b="0" i="0" u="none" strike="noStrike" cap="none">
                 <a:solidFill>
                   <a:schemeClr val="dk1"/>
                 </a:solidFill>
@@ -8023,15 +8166,19 @@
               </a:defRPr>
             </a:lvl9pPr>
           </a:lstStyle>
-          <a:p/>
+          <a:p>
+            <a:endParaRPr/>
+          </a:p>
         </p:txBody>
       </p:sp>
       <p:sp>
         <p:nvSpPr>
           <p:cNvPr id="7" name="Google Shape;7;p8"/>
-          <p:cNvSpPr txBox="1"/>
+          <p:cNvSpPr txBox="1">
+            <a:spLocks noGrp="1"/>
+          </p:cNvSpPr>
           <p:nvPr>
-            <p:ph idx="1" type="body"/>
+            <p:ph type="body" idx="1"/>
           </p:nvPr>
         </p:nvSpPr>
         <p:spPr>
@@ -8048,11 +8195,11 @@
           </a:ln>
         </p:spPr>
         <p:txBody>
-          <a:bodyPr anchorCtr="0" anchor="t" bIns="91425" lIns="91425" spcFirstLastPara="1" rIns="91425" wrap="square" tIns="91425">
+          <a:bodyPr spcFirstLastPara="1" wrap="square" lIns="91425" tIns="91425" rIns="91425" bIns="91425" anchor="t" anchorCtr="0">
             <a:noAutofit/>
           </a:bodyPr>
           <a:lstStyle>
-            <a:lvl1pPr indent="-342900" lvl="0" marL="457200" marR="0" rtl="0" algn="l">
+            <a:lvl1pPr marL="457200" marR="0" lvl="0" indent="-342900" algn="l" rtl="0">
               <a:lnSpc>
                 <a:spcPct val="115000"/>
               </a:lnSpc>
@@ -8068,7 +8215,7 @@
               <a:buSzPts val="1800"/>
               <a:buFont typeface="Arial"/>
               <a:buChar char="●"/>
-              <a:defRPr b="0" i="0" sz="1800" u="none" cap="none" strike="noStrike">
+              <a:defRPr sz="1800" b="0" i="0" u="none" strike="noStrike" cap="none">
                 <a:solidFill>
                   <a:schemeClr val="dk2"/>
                 </a:solidFill>
@@ -8078,7 +8225,7 @@
                 <a:sym typeface="Arial"/>
               </a:defRPr>
             </a:lvl1pPr>
-            <a:lvl2pPr indent="-317500" lvl="1" marL="914400" marR="0" rtl="0" algn="l">
+            <a:lvl2pPr marL="914400" marR="0" lvl="1" indent="-317500" algn="l" rtl="0">
               <a:lnSpc>
                 <a:spcPct val="115000"/>
               </a:lnSpc>
@@ -8094,7 +8241,7 @@
               <a:buSzPts val="1400"/>
               <a:buFont typeface="Arial"/>
               <a:buChar char="○"/>
-              <a:defRPr b="0" i="0" sz="1400" u="none" cap="none" strike="noStrike">
+              <a:defRPr sz="1400" b="0" i="0" u="none" strike="noStrike" cap="none">
                 <a:solidFill>
                   <a:schemeClr val="dk2"/>
                 </a:solidFill>
@@ -8104,7 +8251,7 @@
                 <a:sym typeface="Arial"/>
               </a:defRPr>
             </a:lvl2pPr>
-            <a:lvl3pPr indent="-317500" lvl="2" marL="1371600" marR="0" rtl="0" algn="l">
+            <a:lvl3pPr marL="1371600" marR="0" lvl="2" indent="-317500" algn="l" rtl="0">
               <a:lnSpc>
                 <a:spcPct val="115000"/>
               </a:lnSpc>
@@ -8120,7 +8267,7 @@
               <a:buSzPts val="1400"/>
               <a:buFont typeface="Arial"/>
               <a:buChar char="■"/>
-              <a:defRPr b="0" i="0" sz="1400" u="none" cap="none" strike="noStrike">
+              <a:defRPr sz="1400" b="0" i="0" u="none" strike="noStrike" cap="none">
                 <a:solidFill>
                   <a:schemeClr val="dk2"/>
                 </a:solidFill>
@@ -8130,7 +8277,7 @@
                 <a:sym typeface="Arial"/>
               </a:defRPr>
             </a:lvl3pPr>
-            <a:lvl4pPr indent="-317500" lvl="3" marL="1828800" marR="0" rtl="0" algn="l">
+            <a:lvl4pPr marL="1828800" marR="0" lvl="3" indent="-317500" algn="l" rtl="0">
               <a:lnSpc>
                 <a:spcPct val="115000"/>
               </a:lnSpc>
@@ -8146,7 +8293,7 @@
               <a:buSzPts val="1400"/>
               <a:buFont typeface="Arial"/>
               <a:buChar char="●"/>
-              <a:defRPr b="0" i="0" sz="1400" u="none" cap="none" strike="noStrike">
+              <a:defRPr sz="1400" b="0" i="0" u="none" strike="noStrike" cap="none">
                 <a:solidFill>
                   <a:schemeClr val="dk2"/>
                 </a:solidFill>
@@ -8156,7 +8303,7 @@
                 <a:sym typeface="Arial"/>
               </a:defRPr>
             </a:lvl4pPr>
-            <a:lvl5pPr indent="-317500" lvl="4" marL="2286000" marR="0" rtl="0" algn="l">
+            <a:lvl5pPr marL="2286000" marR="0" lvl="4" indent="-317500" algn="l" rtl="0">
               <a:lnSpc>
                 <a:spcPct val="115000"/>
               </a:lnSpc>
@@ -8172,7 +8319,7 @@
               <a:buSzPts val="1400"/>
               <a:buFont typeface="Arial"/>
               <a:buChar char="○"/>
-              <a:defRPr b="0" i="0" sz="1400" u="none" cap="none" strike="noStrike">
+              <a:defRPr sz="1400" b="0" i="0" u="none" strike="noStrike" cap="none">
                 <a:solidFill>
                   <a:schemeClr val="dk2"/>
                 </a:solidFill>
@@ -8182,7 +8329,7 @@
                 <a:sym typeface="Arial"/>
               </a:defRPr>
             </a:lvl5pPr>
-            <a:lvl6pPr indent="-317500" lvl="5" marL="2743200" marR="0" rtl="0" algn="l">
+            <a:lvl6pPr marL="2743200" marR="0" lvl="5" indent="-317500" algn="l" rtl="0">
               <a:lnSpc>
                 <a:spcPct val="115000"/>
               </a:lnSpc>
@@ -8198,7 +8345,7 @@
               <a:buSzPts val="1400"/>
               <a:buFont typeface="Arial"/>
               <a:buChar char="■"/>
-              <a:defRPr b="0" i="0" sz="1400" u="none" cap="none" strike="noStrike">
+              <a:defRPr sz="1400" b="0" i="0" u="none" strike="noStrike" cap="none">
                 <a:solidFill>
                   <a:schemeClr val="dk2"/>
                 </a:solidFill>
@@ -8208,7 +8355,7 @@
                 <a:sym typeface="Arial"/>
               </a:defRPr>
             </a:lvl6pPr>
-            <a:lvl7pPr indent="-317500" lvl="6" marL="3200400" marR="0" rtl="0" algn="l">
+            <a:lvl7pPr marL="3200400" marR="0" lvl="6" indent="-317500" algn="l" rtl="0">
               <a:lnSpc>
                 <a:spcPct val="115000"/>
               </a:lnSpc>
@@ -8224,7 +8371,7 @@
               <a:buSzPts val="1400"/>
               <a:buFont typeface="Arial"/>
               <a:buChar char="●"/>
-              <a:defRPr b="0" i="0" sz="1400" u="none" cap="none" strike="noStrike">
+              <a:defRPr sz="1400" b="0" i="0" u="none" strike="noStrike" cap="none">
                 <a:solidFill>
                   <a:schemeClr val="dk2"/>
                 </a:solidFill>
@@ -8234,7 +8381,7 @@
                 <a:sym typeface="Arial"/>
               </a:defRPr>
             </a:lvl7pPr>
-            <a:lvl8pPr indent="-317500" lvl="7" marL="3657600" marR="0" rtl="0" algn="l">
+            <a:lvl8pPr marL="3657600" marR="0" lvl="7" indent="-317500" algn="l" rtl="0">
               <a:lnSpc>
                 <a:spcPct val="115000"/>
               </a:lnSpc>
@@ -8250,7 +8397,7 @@
               <a:buSzPts val="1400"/>
               <a:buFont typeface="Arial"/>
               <a:buChar char="○"/>
-              <a:defRPr b="0" i="0" sz="1400" u="none" cap="none" strike="noStrike">
+              <a:defRPr sz="1400" b="0" i="0" u="none" strike="noStrike" cap="none">
                 <a:solidFill>
                   <a:schemeClr val="dk2"/>
                 </a:solidFill>
@@ -8260,7 +8407,7 @@
                 <a:sym typeface="Arial"/>
               </a:defRPr>
             </a:lvl8pPr>
-            <a:lvl9pPr indent="-317500" lvl="8" marL="4114800" marR="0" rtl="0" algn="l">
+            <a:lvl9pPr marL="4114800" marR="0" lvl="8" indent="-317500" algn="l" rtl="0">
               <a:lnSpc>
                 <a:spcPct val="115000"/>
               </a:lnSpc>
@@ -8276,7 +8423,7 @@
               <a:buSzPts val="1400"/>
               <a:buFont typeface="Arial"/>
               <a:buChar char="■"/>
-              <a:defRPr b="0" i="0" sz="1400" u="none" cap="none" strike="noStrike">
+              <a:defRPr sz="1400" b="0" i="0" u="none" strike="noStrike" cap="none">
                 <a:solidFill>
                   <a:schemeClr val="dk2"/>
                 </a:solidFill>
@@ -8287,15 +8434,19 @@
               </a:defRPr>
             </a:lvl9pPr>
           </a:lstStyle>
-          <a:p/>
+          <a:p>
+            <a:endParaRPr/>
+          </a:p>
         </p:txBody>
       </p:sp>
       <p:sp>
         <p:nvSpPr>
           <p:cNvPr id="8" name="Google Shape;8;p8"/>
-          <p:cNvSpPr txBox="1"/>
+          <p:cNvSpPr txBox="1">
+            <a:spLocks noGrp="1"/>
+          </p:cNvSpPr>
           <p:nvPr>
-            <p:ph idx="12" type="sldNum"/>
+            <p:ph type="sldNum" idx="12"/>
           </p:nvPr>
         </p:nvSpPr>
         <p:spPr>
@@ -8312,11 +8463,11 @@
           </a:ln>
         </p:spPr>
         <p:txBody>
-          <a:bodyPr anchorCtr="0" anchor="ctr" bIns="91425" lIns="91425" spcFirstLastPara="1" rIns="91425" wrap="square" tIns="91425">
+          <a:bodyPr spcFirstLastPara="1" wrap="square" lIns="91425" tIns="91425" rIns="91425" bIns="91425" anchor="ctr" anchorCtr="0">
             <a:noAutofit/>
           </a:bodyPr>
           <a:lstStyle>
-            <a:lvl1pPr indent="0" lvl="0" marL="0" marR="0" rtl="0" algn="r">
+            <a:lvl1pPr marL="0" marR="0" lvl="0" indent="0" algn="r" rtl="0">
               <a:lnSpc>
                 <a:spcPct val="100000"/>
               </a:lnSpc>
@@ -8332,7 +8483,7 @@
               <a:buSzPts val="1000"/>
               <a:buFont typeface="Arial"/>
               <a:buNone/>
-              <a:defRPr b="0" i="0" sz="1000" u="none" cap="none" strike="noStrike">
+              <a:defRPr sz="1000" b="0" i="0" u="none" strike="noStrike" cap="none">
                 <a:solidFill>
                   <a:schemeClr val="dk2"/>
                 </a:solidFill>
@@ -8342,7 +8493,7 @@
                 <a:sym typeface="Arial"/>
               </a:defRPr>
             </a:lvl1pPr>
-            <a:lvl2pPr indent="0" lvl="1" marL="0" marR="0" rtl="0" algn="r">
+            <a:lvl2pPr marL="0" marR="0" lvl="1" indent="0" algn="r" rtl="0">
               <a:lnSpc>
                 <a:spcPct val="100000"/>
               </a:lnSpc>
@@ -8358,7 +8509,7 @@
               <a:buSzPts val="1000"/>
               <a:buFont typeface="Arial"/>
               <a:buNone/>
-              <a:defRPr b="0" i="0" sz="1000" u="none" cap="none" strike="noStrike">
+              <a:defRPr sz="1000" b="0" i="0" u="none" strike="noStrike" cap="none">
                 <a:solidFill>
                   <a:schemeClr val="dk2"/>
                 </a:solidFill>
@@ -8368,7 +8519,7 @@
                 <a:sym typeface="Arial"/>
               </a:defRPr>
             </a:lvl2pPr>
-            <a:lvl3pPr indent="0" lvl="2" marL="0" marR="0" rtl="0" algn="r">
+            <a:lvl3pPr marL="0" marR="0" lvl="2" indent="0" algn="r" rtl="0">
               <a:lnSpc>
                 <a:spcPct val="100000"/>
               </a:lnSpc>
@@ -8384,7 +8535,7 @@
               <a:buSzPts val="1000"/>
               <a:buFont typeface="Arial"/>
               <a:buNone/>
-              <a:defRPr b="0" i="0" sz="1000" u="none" cap="none" strike="noStrike">
+              <a:defRPr sz="1000" b="0" i="0" u="none" strike="noStrike" cap="none">
                 <a:solidFill>
                   <a:schemeClr val="dk2"/>
                 </a:solidFill>
@@ -8394,7 +8545,7 @@
                 <a:sym typeface="Arial"/>
               </a:defRPr>
             </a:lvl3pPr>
-            <a:lvl4pPr indent="0" lvl="3" marL="0" marR="0" rtl="0" algn="r">
+            <a:lvl4pPr marL="0" marR="0" lvl="3" indent="0" algn="r" rtl="0">
               <a:lnSpc>
                 <a:spcPct val="100000"/>
               </a:lnSpc>
@@ -8410,7 +8561,7 @@
               <a:buSzPts val="1000"/>
               <a:buFont typeface="Arial"/>
               <a:buNone/>
-              <a:defRPr b="0" i="0" sz="1000" u="none" cap="none" strike="noStrike">
+              <a:defRPr sz="1000" b="0" i="0" u="none" strike="noStrike" cap="none">
                 <a:solidFill>
                   <a:schemeClr val="dk2"/>
                 </a:solidFill>
@@ -8420,7 +8571,7 @@
                 <a:sym typeface="Arial"/>
               </a:defRPr>
             </a:lvl4pPr>
-            <a:lvl5pPr indent="0" lvl="4" marL="0" marR="0" rtl="0" algn="r">
+            <a:lvl5pPr marL="0" marR="0" lvl="4" indent="0" algn="r" rtl="0">
               <a:lnSpc>
                 <a:spcPct val="100000"/>
               </a:lnSpc>
@@ -8436,7 +8587,7 @@
               <a:buSzPts val="1000"/>
               <a:buFont typeface="Arial"/>
               <a:buNone/>
-              <a:defRPr b="0" i="0" sz="1000" u="none" cap="none" strike="noStrike">
+              <a:defRPr sz="1000" b="0" i="0" u="none" strike="noStrike" cap="none">
                 <a:solidFill>
                   <a:schemeClr val="dk2"/>
                 </a:solidFill>
@@ -8446,7 +8597,7 @@
                 <a:sym typeface="Arial"/>
               </a:defRPr>
             </a:lvl5pPr>
-            <a:lvl6pPr indent="0" lvl="5" marL="0" marR="0" rtl="0" algn="r">
+            <a:lvl6pPr marL="0" marR="0" lvl="5" indent="0" algn="r" rtl="0">
               <a:lnSpc>
                 <a:spcPct val="100000"/>
               </a:lnSpc>
@@ -8462,7 +8613,7 @@
               <a:buSzPts val="1000"/>
               <a:buFont typeface="Arial"/>
               <a:buNone/>
-              <a:defRPr b="0" i="0" sz="1000" u="none" cap="none" strike="noStrike">
+              <a:defRPr sz="1000" b="0" i="0" u="none" strike="noStrike" cap="none">
                 <a:solidFill>
                   <a:schemeClr val="dk2"/>
                 </a:solidFill>
@@ -8472,7 +8623,7 @@
                 <a:sym typeface="Arial"/>
               </a:defRPr>
             </a:lvl6pPr>
-            <a:lvl7pPr indent="0" lvl="6" marL="0" marR="0" rtl="0" algn="r">
+            <a:lvl7pPr marL="0" marR="0" lvl="6" indent="0" algn="r" rtl="0">
               <a:lnSpc>
                 <a:spcPct val="100000"/>
               </a:lnSpc>
@@ -8488,7 +8639,7 @@
               <a:buSzPts val="1000"/>
               <a:buFont typeface="Arial"/>
               <a:buNone/>
-              <a:defRPr b="0" i="0" sz="1000" u="none" cap="none" strike="noStrike">
+              <a:defRPr sz="1000" b="0" i="0" u="none" strike="noStrike" cap="none">
                 <a:solidFill>
                   <a:schemeClr val="dk2"/>
                 </a:solidFill>
@@ -8498,7 +8649,7 @@
                 <a:sym typeface="Arial"/>
               </a:defRPr>
             </a:lvl7pPr>
-            <a:lvl8pPr indent="0" lvl="7" marL="0" marR="0" rtl="0" algn="r">
+            <a:lvl8pPr marL="0" marR="0" lvl="7" indent="0" algn="r" rtl="0">
               <a:lnSpc>
                 <a:spcPct val="100000"/>
               </a:lnSpc>
@@ -8514,7 +8665,7 @@
               <a:buSzPts val="1000"/>
               <a:buFont typeface="Arial"/>
               <a:buNone/>
-              <a:defRPr b="0" i="0" sz="1000" u="none" cap="none" strike="noStrike">
+              <a:defRPr sz="1000" b="0" i="0" u="none" strike="noStrike" cap="none">
                 <a:solidFill>
                   <a:schemeClr val="dk2"/>
                 </a:solidFill>
@@ -8524,7 +8675,7 @@
                 <a:sym typeface="Arial"/>
               </a:defRPr>
             </a:lvl8pPr>
-            <a:lvl9pPr indent="0" lvl="8" marL="0" marR="0" rtl="0" algn="r">
+            <a:lvl9pPr marL="0" marR="0" lvl="8" indent="0" algn="r" rtl="0">
               <a:lnSpc>
                 <a:spcPct val="100000"/>
               </a:lnSpc>
@@ -8540,7 +8691,7 @@
               <a:buSzPts val="1000"/>
               <a:buFont typeface="Arial"/>
               <a:buNone/>
-              <a:defRPr b="0" i="0" sz="1000" u="none" cap="none" strike="noStrike">
+              <a:defRPr sz="1000" b="0" i="0" u="none" strike="noStrike" cap="none">
                 <a:solidFill>
                   <a:schemeClr val="dk2"/>
                 </a:solidFill>
@@ -8552,7 +8703,7 @@
             </a:lvl9pPr>
           </a:lstStyle>
           <a:p>
-            <a:pPr indent="0" lvl="0" marL="0" rtl="0" algn="r">
+            <a:pPr marL="0" lvl="0" indent="0" algn="r" rtl="0">
               <a:spcBef>
                 <a:spcPts val="0"/>
               </a:spcBef>
@@ -8571,7 +8722,7 @@
       </p:sp>
     </p:spTree>
   </p:cSld>
-  <p:clrMap accent1="accent1" accent2="accent2" accent3="accent3" accent4="accent4" accent5="accent5" accent6="accent6" bg1="lt1" bg2="dk2" tx1="dk1" tx2="lt2" folHlink="folHlink" hlink="hlink"/>
+  <p:clrMap bg1="lt1" tx1="dk1" bg2="dk2" tx2="lt2" accent1="accent1" accent2="accent2" accent3="accent3" accent4="accent4" accent5="accent5" accent6="accent6" hlink="hlink" folHlink="folHlink"/>
   <p:sldLayoutIdLst>
     <p:sldLayoutId id="2147483649" r:id="rId1"/>
     <p:sldLayoutId id="2147483650" r:id="rId2"/>
@@ -8585,10 +8736,10 @@
     <p:sldLayoutId id="2147483658" r:id="rId10"/>
     <p:sldLayoutId id="2147483659" r:id="rId11"/>
   </p:sldLayoutIdLst>
-  <p:hf dt="0" ftr="0" hdr="0" sldNum="0"/>
+  <p:hf sldNum="0" hdr="0" ftr="0" dt="0"/>
   <p:txStyles>
     <p:titleStyle>
-      <a:defPPr lvl="0" marR="0" rtl="0" algn="l">
+      <a:defPPr marR="0" lvl="0" algn="l" rtl="0">
         <a:lnSpc>
           <a:spcPct val="100000"/>
         </a:lnSpc>
@@ -8599,7 +8750,7 @@
           <a:spcPts val="0"/>
         </a:spcAft>
       </a:defPPr>
-      <a:lvl1pPr lvl="0" marR="0" rtl="0" algn="l">
+      <a:lvl1pPr marR="0" lvl="0" algn="l" rtl="0">
         <a:lnSpc>
           <a:spcPct val="100000"/>
         </a:lnSpc>
@@ -8613,7 +8764,7 @@
           <a:srgbClr val="000000"/>
         </a:buClr>
         <a:buFont typeface="Arial"/>
-        <a:defRPr b="0" i="0" sz="1400" u="none" cap="none" strike="noStrike">
+        <a:defRPr sz="1400" b="0" i="0" u="none" strike="noStrike" cap="none">
           <a:solidFill>
             <a:srgbClr val="000000"/>
           </a:solidFill>
@@ -8623,7 +8774,7 @@
           <a:sym typeface="Arial"/>
         </a:defRPr>
       </a:lvl1pPr>
-      <a:lvl2pPr lvl="1" marR="0" rtl="0" algn="l">
+      <a:lvl2pPr marR="0" lvl="1" algn="l" rtl="0">
         <a:lnSpc>
           <a:spcPct val="100000"/>
         </a:lnSpc>
@@ -8637,7 +8788,7 @@
           <a:srgbClr val="000000"/>
         </a:buClr>
         <a:buFont typeface="Arial"/>
-        <a:defRPr b="0" i="0" sz="1400" u="none" cap="none" strike="noStrike">
+        <a:defRPr sz="1400" b="0" i="0" u="none" strike="noStrike" cap="none">
           <a:solidFill>
             <a:srgbClr val="000000"/>
           </a:solidFill>
@@ -8647,7 +8798,7 @@
           <a:sym typeface="Arial"/>
         </a:defRPr>
       </a:lvl2pPr>
-      <a:lvl3pPr lvl="2" marR="0" rtl="0" algn="l">
+      <a:lvl3pPr marR="0" lvl="2" algn="l" rtl="0">
         <a:lnSpc>
           <a:spcPct val="100000"/>
         </a:lnSpc>
@@ -8661,7 +8812,7 @@
           <a:srgbClr val="000000"/>
         </a:buClr>
         <a:buFont typeface="Arial"/>
-        <a:defRPr b="0" i="0" sz="1400" u="none" cap="none" strike="noStrike">
+        <a:defRPr sz="1400" b="0" i="0" u="none" strike="noStrike" cap="none">
           <a:solidFill>
             <a:srgbClr val="000000"/>
           </a:solidFill>
@@ -8671,7 +8822,7 @@
           <a:sym typeface="Arial"/>
         </a:defRPr>
       </a:lvl3pPr>
-      <a:lvl4pPr lvl="3" marR="0" rtl="0" algn="l">
+      <a:lvl4pPr marR="0" lvl="3" algn="l" rtl="0">
         <a:lnSpc>
           <a:spcPct val="100000"/>
         </a:lnSpc>
@@ -8685,7 +8836,7 @@
           <a:srgbClr val="000000"/>
         </a:buClr>
         <a:buFont typeface="Arial"/>
-        <a:defRPr b="0" i="0" sz="1400" u="none" cap="none" strike="noStrike">
+        <a:defRPr sz="1400" b="0" i="0" u="none" strike="noStrike" cap="none">
           <a:solidFill>
             <a:srgbClr val="000000"/>
           </a:solidFill>
@@ -8695,7 +8846,7 @@
           <a:sym typeface="Arial"/>
         </a:defRPr>
       </a:lvl4pPr>
-      <a:lvl5pPr lvl="4" marR="0" rtl="0" algn="l">
+      <a:lvl5pPr marR="0" lvl="4" algn="l" rtl="0">
         <a:lnSpc>
           <a:spcPct val="100000"/>
         </a:lnSpc>
@@ -8709,7 +8860,7 @@
           <a:srgbClr val="000000"/>
         </a:buClr>
         <a:buFont typeface="Arial"/>
-        <a:defRPr b="0" i="0" sz="1400" u="none" cap="none" strike="noStrike">
+        <a:defRPr sz="1400" b="0" i="0" u="none" strike="noStrike" cap="none">
           <a:solidFill>
             <a:srgbClr val="000000"/>
           </a:solidFill>
@@ -8719,7 +8870,7 @@
           <a:sym typeface="Arial"/>
         </a:defRPr>
       </a:lvl5pPr>
-      <a:lvl6pPr lvl="5" marR="0" rtl="0" algn="l">
+      <a:lvl6pPr marR="0" lvl="5" algn="l" rtl="0">
         <a:lnSpc>
           <a:spcPct val="100000"/>
         </a:lnSpc>
@@ -8733,7 +8884,7 @@
           <a:srgbClr val="000000"/>
         </a:buClr>
         <a:buFont typeface="Arial"/>
-        <a:defRPr b="0" i="0" sz="1400" u="none" cap="none" strike="noStrike">
+        <a:defRPr sz="1400" b="0" i="0" u="none" strike="noStrike" cap="none">
           <a:solidFill>
             <a:srgbClr val="000000"/>
           </a:solidFill>
@@ -8743,7 +8894,7 @@
           <a:sym typeface="Arial"/>
         </a:defRPr>
       </a:lvl6pPr>
-      <a:lvl7pPr lvl="6" marR="0" rtl="0" algn="l">
+      <a:lvl7pPr marR="0" lvl="6" algn="l" rtl="0">
         <a:lnSpc>
           <a:spcPct val="100000"/>
         </a:lnSpc>
@@ -8757,7 +8908,7 @@
           <a:srgbClr val="000000"/>
         </a:buClr>
         <a:buFont typeface="Arial"/>
-        <a:defRPr b="0" i="0" sz="1400" u="none" cap="none" strike="noStrike">
+        <a:defRPr sz="1400" b="0" i="0" u="none" strike="noStrike" cap="none">
           <a:solidFill>
             <a:srgbClr val="000000"/>
           </a:solidFill>
@@ -8767,7 +8918,7 @@
           <a:sym typeface="Arial"/>
         </a:defRPr>
       </a:lvl7pPr>
-      <a:lvl8pPr lvl="7" marR="0" rtl="0" algn="l">
+      <a:lvl8pPr marR="0" lvl="7" algn="l" rtl="0">
         <a:lnSpc>
           <a:spcPct val="100000"/>
         </a:lnSpc>
@@ -8781,7 +8932,7 @@
           <a:srgbClr val="000000"/>
         </a:buClr>
         <a:buFont typeface="Arial"/>
-        <a:defRPr b="0" i="0" sz="1400" u="none" cap="none" strike="noStrike">
+        <a:defRPr sz="1400" b="0" i="0" u="none" strike="noStrike" cap="none">
           <a:solidFill>
             <a:srgbClr val="000000"/>
           </a:solidFill>
@@ -8791,7 +8942,7 @@
           <a:sym typeface="Arial"/>
         </a:defRPr>
       </a:lvl8pPr>
-      <a:lvl9pPr lvl="8" marR="0" rtl="0" algn="l">
+      <a:lvl9pPr marR="0" lvl="8" algn="l" rtl="0">
         <a:lnSpc>
           <a:spcPct val="100000"/>
         </a:lnSpc>
@@ -8805,7 +8956,7 @@
           <a:srgbClr val="000000"/>
         </a:buClr>
         <a:buFont typeface="Arial"/>
-        <a:defRPr b="0" i="0" sz="1400" u="none" cap="none" strike="noStrike">
+        <a:defRPr sz="1400" b="0" i="0" u="none" strike="noStrike" cap="none">
           <a:solidFill>
             <a:srgbClr val="000000"/>
           </a:solidFill>
@@ -8817,7 +8968,7 @@
       </a:lvl9pPr>
     </p:titleStyle>
     <p:bodyStyle>
-      <a:defPPr lvl="0" marR="0" rtl="0" algn="l">
+      <a:defPPr marR="0" lvl="0" algn="l" rtl="0">
         <a:lnSpc>
           <a:spcPct val="100000"/>
         </a:lnSpc>
@@ -8828,7 +8979,7 @@
           <a:spcPts val="0"/>
         </a:spcAft>
       </a:defPPr>
-      <a:lvl1pPr lvl="0" marR="0" rtl="0" algn="l">
+      <a:lvl1pPr marR="0" lvl="0" algn="l" rtl="0">
         <a:lnSpc>
           <a:spcPct val="100000"/>
         </a:lnSpc>
@@ -8842,7 +8993,7 @@
           <a:srgbClr val="000000"/>
         </a:buClr>
         <a:buFont typeface="Arial"/>
-        <a:defRPr b="0" i="0" sz="1400" u="none" cap="none" strike="noStrike">
+        <a:defRPr sz="1400" b="0" i="0" u="none" strike="noStrike" cap="none">
           <a:solidFill>
             <a:srgbClr val="000000"/>
           </a:solidFill>
@@ -8852,7 +9003,7 @@
           <a:sym typeface="Arial"/>
         </a:defRPr>
       </a:lvl1pPr>
-      <a:lvl2pPr lvl="1" marR="0" rtl="0" algn="l">
+      <a:lvl2pPr marR="0" lvl="1" algn="l" rtl="0">
         <a:lnSpc>
           <a:spcPct val="100000"/>
         </a:lnSpc>
@@ -8866,7 +9017,7 @@
           <a:srgbClr val="000000"/>
         </a:buClr>
         <a:buFont typeface="Arial"/>
-        <a:defRPr b="0" i="0" sz="1400" u="none" cap="none" strike="noStrike">
+        <a:defRPr sz="1400" b="0" i="0" u="none" strike="noStrike" cap="none">
           <a:solidFill>
             <a:srgbClr val="000000"/>
           </a:solidFill>
@@ -8876,7 +9027,7 @@
           <a:sym typeface="Arial"/>
         </a:defRPr>
       </a:lvl2pPr>
-      <a:lvl3pPr lvl="2" marR="0" rtl="0" algn="l">
+      <a:lvl3pPr marR="0" lvl="2" algn="l" rtl="0">
         <a:lnSpc>
           <a:spcPct val="100000"/>
         </a:lnSpc>
@@ -8890,7 +9041,7 @@
           <a:srgbClr val="000000"/>
         </a:buClr>
         <a:buFont typeface="Arial"/>
-        <a:defRPr b="0" i="0" sz="1400" u="none" cap="none" strike="noStrike">
+        <a:defRPr sz="1400" b="0" i="0" u="none" strike="noStrike" cap="none">
           <a:solidFill>
             <a:srgbClr val="000000"/>
           </a:solidFill>
@@ -8900,7 +9051,7 @@
           <a:sym typeface="Arial"/>
         </a:defRPr>
       </a:lvl3pPr>
-      <a:lvl4pPr lvl="3" marR="0" rtl="0" algn="l">
+      <a:lvl4pPr marR="0" lvl="3" algn="l" rtl="0">
         <a:lnSpc>
           <a:spcPct val="100000"/>
         </a:lnSpc>
@@ -8914,7 +9065,7 @@
           <a:srgbClr val="000000"/>
         </a:buClr>
         <a:buFont typeface="Arial"/>
-        <a:defRPr b="0" i="0" sz="1400" u="none" cap="none" strike="noStrike">
+        <a:defRPr sz="1400" b="0" i="0" u="none" strike="noStrike" cap="none">
           <a:solidFill>
             <a:srgbClr val="000000"/>
           </a:solidFill>
@@ -8924,7 +9075,7 @@
           <a:sym typeface="Arial"/>
         </a:defRPr>
       </a:lvl4pPr>
-      <a:lvl5pPr lvl="4" marR="0" rtl="0" algn="l">
+      <a:lvl5pPr marR="0" lvl="4" algn="l" rtl="0">
         <a:lnSpc>
           <a:spcPct val="100000"/>
         </a:lnSpc>
@@ -8938,7 +9089,7 @@
           <a:srgbClr val="000000"/>
         </a:buClr>
         <a:buFont typeface="Arial"/>
-        <a:defRPr b="0" i="0" sz="1400" u="none" cap="none" strike="noStrike">
+        <a:defRPr sz="1400" b="0" i="0" u="none" strike="noStrike" cap="none">
           <a:solidFill>
             <a:srgbClr val="000000"/>
           </a:solidFill>
@@ -8948,7 +9099,7 @@
           <a:sym typeface="Arial"/>
         </a:defRPr>
       </a:lvl5pPr>
-      <a:lvl6pPr lvl="5" marR="0" rtl="0" algn="l">
+      <a:lvl6pPr marR="0" lvl="5" algn="l" rtl="0">
         <a:lnSpc>
           <a:spcPct val="100000"/>
         </a:lnSpc>
@@ -8962,7 +9113,7 @@
           <a:srgbClr val="000000"/>
         </a:buClr>
         <a:buFont typeface="Arial"/>
-        <a:defRPr b="0" i="0" sz="1400" u="none" cap="none" strike="noStrike">
+        <a:defRPr sz="1400" b="0" i="0" u="none" strike="noStrike" cap="none">
           <a:solidFill>
             <a:srgbClr val="000000"/>
           </a:solidFill>
@@ -8972,7 +9123,7 @@
           <a:sym typeface="Arial"/>
         </a:defRPr>
       </a:lvl6pPr>
-      <a:lvl7pPr lvl="6" marR="0" rtl="0" algn="l">
+      <a:lvl7pPr marR="0" lvl="6" algn="l" rtl="0">
         <a:lnSpc>
           <a:spcPct val="100000"/>
         </a:lnSpc>
@@ -8986,7 +9137,7 @@
           <a:srgbClr val="000000"/>
         </a:buClr>
         <a:buFont typeface="Arial"/>
-        <a:defRPr b="0" i="0" sz="1400" u="none" cap="none" strike="noStrike">
+        <a:defRPr sz="1400" b="0" i="0" u="none" strike="noStrike" cap="none">
           <a:solidFill>
             <a:srgbClr val="000000"/>
           </a:solidFill>
@@ -8996,7 +9147,7 @@
           <a:sym typeface="Arial"/>
         </a:defRPr>
       </a:lvl7pPr>
-      <a:lvl8pPr lvl="7" marR="0" rtl="0" algn="l">
+      <a:lvl8pPr marR="0" lvl="7" algn="l" rtl="0">
         <a:lnSpc>
           <a:spcPct val="100000"/>
         </a:lnSpc>
@@ -9010,7 +9161,7 @@
           <a:srgbClr val="000000"/>
         </a:buClr>
         <a:buFont typeface="Arial"/>
-        <a:defRPr b="0" i="0" sz="1400" u="none" cap="none" strike="noStrike">
+        <a:defRPr sz="1400" b="0" i="0" u="none" strike="noStrike" cap="none">
           <a:solidFill>
             <a:srgbClr val="000000"/>
           </a:solidFill>
@@ -9020,7 +9171,7 @@
           <a:sym typeface="Arial"/>
         </a:defRPr>
       </a:lvl8pPr>
-      <a:lvl9pPr lvl="8" marR="0" rtl="0" algn="l">
+      <a:lvl9pPr marR="0" lvl="8" algn="l" rtl="0">
         <a:lnSpc>
           <a:spcPct val="100000"/>
         </a:lnSpc>
@@ -9034,7 +9185,7 @@
           <a:srgbClr val="000000"/>
         </a:buClr>
         <a:buFont typeface="Arial"/>
-        <a:defRPr b="0" i="0" sz="1400" u="none" cap="none" strike="noStrike">
+        <a:defRPr sz="1400" b="0" i="0" u="none" strike="noStrike" cap="none">
           <a:solidFill>
             <a:srgbClr val="000000"/>
           </a:solidFill>
@@ -9046,7 +9197,7 @@
       </a:lvl9pPr>
     </p:bodyStyle>
     <p:otherStyle>
-      <a:defPPr lvl="0" marR="0" rtl="0" algn="l">
+      <a:defPPr marR="0" lvl="0" algn="l" rtl="0">
         <a:lnSpc>
           <a:spcPct val="100000"/>
         </a:lnSpc>
@@ -9057,7 +9208,7 @@
           <a:spcPts val="0"/>
         </a:spcAft>
       </a:defPPr>
-      <a:lvl1pPr lvl="0" marR="0" rtl="0" algn="l">
+      <a:lvl1pPr marR="0" lvl="0" algn="l" rtl="0">
         <a:lnSpc>
           <a:spcPct val="100000"/>
         </a:lnSpc>
@@ -9071,7 +9222,7 @@
           <a:srgbClr val="000000"/>
         </a:buClr>
         <a:buFont typeface="Arial"/>
-        <a:defRPr b="0" i="0" sz="1400" u="none" cap="none" strike="noStrike">
+        <a:defRPr sz="1400" b="0" i="0" u="none" strike="noStrike" cap="none">
           <a:solidFill>
             <a:srgbClr val="000000"/>
           </a:solidFill>
@@ -9081,7 +9232,7 @@
           <a:sym typeface="Arial"/>
         </a:defRPr>
       </a:lvl1pPr>
-      <a:lvl2pPr lvl="1" marR="0" rtl="0" algn="l">
+      <a:lvl2pPr marR="0" lvl="1" algn="l" rtl="0">
         <a:lnSpc>
           <a:spcPct val="100000"/>
         </a:lnSpc>
@@ -9095,7 +9246,7 @@
           <a:srgbClr val="000000"/>
         </a:buClr>
         <a:buFont typeface="Arial"/>
-        <a:defRPr b="0" i="0" sz="1400" u="none" cap="none" strike="noStrike">
+        <a:defRPr sz="1400" b="0" i="0" u="none" strike="noStrike" cap="none">
           <a:solidFill>
             <a:srgbClr val="000000"/>
           </a:solidFill>
@@ -9105,7 +9256,7 @@
           <a:sym typeface="Arial"/>
         </a:defRPr>
       </a:lvl2pPr>
-      <a:lvl3pPr lvl="2" marR="0" rtl="0" algn="l">
+      <a:lvl3pPr marR="0" lvl="2" algn="l" rtl="0">
         <a:lnSpc>
           <a:spcPct val="100000"/>
         </a:lnSpc>
@@ -9119,7 +9270,7 @@
           <a:srgbClr val="000000"/>
         </a:buClr>
         <a:buFont typeface="Arial"/>
-        <a:defRPr b="0" i="0" sz="1400" u="none" cap="none" strike="noStrike">
+        <a:defRPr sz="1400" b="0" i="0" u="none" strike="noStrike" cap="none">
           <a:solidFill>
             <a:srgbClr val="000000"/>
           </a:solidFill>
@@ -9129,7 +9280,7 @@
           <a:sym typeface="Arial"/>
         </a:defRPr>
       </a:lvl3pPr>
-      <a:lvl4pPr lvl="3" marR="0" rtl="0" algn="l">
+      <a:lvl4pPr marR="0" lvl="3" algn="l" rtl="0">
         <a:lnSpc>
           <a:spcPct val="100000"/>
         </a:lnSpc>
@@ -9143,7 +9294,7 @@
           <a:srgbClr val="000000"/>
         </a:buClr>
         <a:buFont typeface="Arial"/>
-        <a:defRPr b="0" i="0" sz="1400" u="none" cap="none" strike="noStrike">
+        <a:defRPr sz="1400" b="0" i="0" u="none" strike="noStrike" cap="none">
           <a:solidFill>
             <a:srgbClr val="000000"/>
           </a:solidFill>
@@ -9153,7 +9304,7 @@
           <a:sym typeface="Arial"/>
         </a:defRPr>
       </a:lvl4pPr>
-      <a:lvl5pPr lvl="4" marR="0" rtl="0" algn="l">
+      <a:lvl5pPr marR="0" lvl="4" algn="l" rtl="0">
         <a:lnSpc>
           <a:spcPct val="100000"/>
         </a:lnSpc>
@@ -9167,7 +9318,7 @@
           <a:srgbClr val="000000"/>
         </a:buClr>
         <a:buFont typeface="Arial"/>
-        <a:defRPr b="0" i="0" sz="1400" u="none" cap="none" strike="noStrike">
+        <a:defRPr sz="1400" b="0" i="0" u="none" strike="noStrike" cap="none">
           <a:solidFill>
             <a:srgbClr val="000000"/>
           </a:solidFill>
@@ -9177,7 +9328,7 @@
           <a:sym typeface="Arial"/>
         </a:defRPr>
       </a:lvl5pPr>
-      <a:lvl6pPr lvl="5" marR="0" rtl="0" algn="l">
+      <a:lvl6pPr marR="0" lvl="5" algn="l" rtl="0">
         <a:lnSpc>
           <a:spcPct val="100000"/>
         </a:lnSpc>
@@ -9191,7 +9342,7 @@
           <a:srgbClr val="000000"/>
         </a:buClr>
         <a:buFont typeface="Arial"/>
-        <a:defRPr b="0" i="0" sz="1400" u="none" cap="none" strike="noStrike">
+        <a:defRPr sz="1400" b="0" i="0" u="none" strike="noStrike" cap="none">
           <a:solidFill>
             <a:srgbClr val="000000"/>
           </a:solidFill>
@@ -9201,7 +9352,7 @@
           <a:sym typeface="Arial"/>
         </a:defRPr>
       </a:lvl6pPr>
-      <a:lvl7pPr lvl="6" marR="0" rtl="0" algn="l">
+      <a:lvl7pPr marR="0" lvl="6" algn="l" rtl="0">
         <a:lnSpc>
           <a:spcPct val="100000"/>
         </a:lnSpc>
@@ -9215,7 +9366,7 @@
           <a:srgbClr val="000000"/>
         </a:buClr>
         <a:buFont typeface="Arial"/>
-        <a:defRPr b="0" i="0" sz="1400" u="none" cap="none" strike="noStrike">
+        <a:defRPr sz="1400" b="0" i="0" u="none" strike="noStrike" cap="none">
           <a:solidFill>
             <a:srgbClr val="000000"/>
           </a:solidFill>
@@ -9225,7 +9376,7 @@
           <a:sym typeface="Arial"/>
         </a:defRPr>
       </a:lvl7pPr>
-      <a:lvl8pPr lvl="7" marR="0" rtl="0" algn="l">
+      <a:lvl8pPr marR="0" lvl="7" algn="l" rtl="0">
         <a:lnSpc>
           <a:spcPct val="100000"/>
         </a:lnSpc>
@@ -9239,7 +9390,7 @@
           <a:srgbClr val="000000"/>
         </a:buClr>
         <a:buFont typeface="Arial"/>
-        <a:defRPr b="0" i="0" sz="1400" u="none" cap="none" strike="noStrike">
+        <a:defRPr sz="1400" b="0" i="0" u="none" strike="noStrike" cap="none">
           <a:solidFill>
             <a:srgbClr val="000000"/>
           </a:solidFill>
@@ -9249,7 +9400,7 @@
           <a:sym typeface="Arial"/>
         </a:defRPr>
       </a:lvl8pPr>
-      <a:lvl9pPr lvl="8" marR="0" rtl="0" algn="l">
+      <a:lvl9pPr marR="0" lvl="8" algn="l" rtl="0">
         <a:lnSpc>
           <a:spcPct val="100000"/>
         </a:lnSpc>
@@ -9263,7 +9414,7 @@
           <a:srgbClr val="000000"/>
         </a:buClr>
         <a:buFont typeface="Arial"/>
-        <a:defRPr b="0" i="0" sz="1400" u="none" cap="none" strike="noStrike">
+        <a:defRPr sz="1400" b="0" i="0" u="none" strike="noStrike" cap="none">
           <a:solidFill>
             <a:srgbClr val="000000"/>
           </a:solidFill>
@@ -9279,11 +9430,11 @@
 </file>
 
 <file path=ppt/slides/slide1.xml><?xml version="1.0" encoding="utf-8"?>
-<p:sld xmlns:a="http://schemas.openxmlformats.org/drawingml/2006/main" xmlns:r="http://schemas.openxmlformats.org/officeDocument/2006/relationships" xmlns:mc="http://schemas.openxmlformats.org/markup-compatibility/2006" xmlns:mv="urn:schemas-microsoft-com:mac:vml" xmlns:p="http://schemas.openxmlformats.org/presentationml/2006/main" xmlns:c="http://schemas.openxmlformats.org/drawingml/2006/chart" xmlns:dgm="http://schemas.openxmlformats.org/drawingml/2006/diagram" xmlns:o="urn:schemas-microsoft-com:office:office" xmlns:v="urn:schemas-microsoft-com:vml" xmlns:pvml="urn:schemas-microsoft-com:office:powerpoint" xmlns:com="http://schemas.openxmlformats.org/drawingml/2006/compatibility" xmlns:p14="http://schemas.microsoft.com/office/powerpoint/2010/main" xmlns:p15="http://schemas.microsoft.com/office/powerpoint/2012/main" xmlns:ahyp="http://schemas.microsoft.com/office/drawing/2018/hyperlinkcolor">
+<p:sld xmlns:a="http://schemas.openxmlformats.org/drawingml/2006/main" xmlns:r="http://schemas.openxmlformats.org/officeDocument/2006/relationships" xmlns:p="http://schemas.openxmlformats.org/presentationml/2006/main">
   <p:cSld>
     <p:spTree>
       <p:nvGrpSpPr>
-        <p:cNvPr id="53" name="Shape 53"/>
+        <p:cNvPr id="1" name="Shape 53"/>
         <p:cNvGrpSpPr/>
         <p:nvPr/>
       </p:nvGrpSpPr>
@@ -9298,7 +9449,9 @@
       <p:sp>
         <p:nvSpPr>
           <p:cNvPr id="54" name="Google Shape;54;p1"/>
-          <p:cNvSpPr txBox="1"/>
+          <p:cNvSpPr txBox="1">
+            <a:spLocks noGrp="1"/>
+          </p:cNvSpPr>
           <p:nvPr>
             <p:ph type="ctrTitle"/>
           </p:nvPr>
@@ -9317,12 +9470,12 @@
           </a:ln>
         </p:spPr>
         <p:txBody>
-          <a:bodyPr anchorCtr="0" anchor="b" bIns="91425" lIns="91425" spcFirstLastPara="1" rIns="91425" wrap="square" tIns="91425">
+          <a:bodyPr spcFirstLastPara="1" wrap="square" lIns="91425" tIns="91425" rIns="91425" bIns="91425" anchor="b" anchorCtr="0">
             <a:noAutofit/>
           </a:bodyPr>
           <a:lstStyle/>
           <a:p>
-            <a:pPr indent="0" lvl="0" marL="0" rtl="0" algn="ctr">
+            <a:pPr marL="0" lvl="0" indent="0" algn="ctr" rtl="0">
               <a:lnSpc>
                 <a:spcPct val="100000"/>
               </a:lnSpc>
@@ -9346,9 +9499,11 @@
       <p:sp>
         <p:nvSpPr>
           <p:cNvPr id="55" name="Google Shape;55;p1"/>
-          <p:cNvSpPr txBox="1"/>
+          <p:cNvSpPr txBox="1">
+            <a:spLocks noGrp="1"/>
+          </p:cNvSpPr>
           <p:nvPr>
-            <p:ph idx="1" type="subTitle"/>
+            <p:ph type="subTitle" idx="1"/>
           </p:nvPr>
         </p:nvSpPr>
         <p:spPr>
@@ -9365,12 +9520,12 @@
           </a:ln>
         </p:spPr>
         <p:txBody>
-          <a:bodyPr anchorCtr="0" anchor="t" bIns="91425" lIns="91425" spcFirstLastPara="1" rIns="91425" wrap="square" tIns="91425">
+          <a:bodyPr spcFirstLastPara="1" wrap="square" lIns="91425" tIns="91425" rIns="91425" bIns="91425" anchor="t" anchorCtr="0">
             <a:noAutofit/>
           </a:bodyPr>
           <a:lstStyle/>
           <a:p>
-            <a:pPr indent="0" lvl="0" marL="0" rtl="0" algn="ctr">
+            <a:pPr marL="0" lvl="0" indent="0" algn="ctr" rtl="0">
               <a:lnSpc>
                 <a:spcPct val="100000"/>
               </a:lnSpc>
@@ -9400,11 +9555,111 @@
 </file>
 
 <file path=ppt/slides/slide2.xml><?xml version="1.0" encoding="utf-8"?>
-<p:sld xmlns:a="http://schemas.openxmlformats.org/drawingml/2006/main" xmlns:r="http://schemas.openxmlformats.org/officeDocument/2006/relationships" xmlns:mc="http://schemas.openxmlformats.org/markup-compatibility/2006" xmlns:mv="urn:schemas-microsoft-com:mac:vml" xmlns:p="http://schemas.openxmlformats.org/presentationml/2006/main" xmlns:c="http://schemas.openxmlformats.org/drawingml/2006/chart" xmlns:dgm="http://schemas.openxmlformats.org/drawingml/2006/diagram" xmlns:o="urn:schemas-microsoft-com:office:office" xmlns:v="urn:schemas-microsoft-com:vml" xmlns:pvml="urn:schemas-microsoft-com:office:powerpoint" xmlns:com="http://schemas.openxmlformats.org/drawingml/2006/compatibility" xmlns:p14="http://schemas.microsoft.com/office/powerpoint/2010/main" xmlns:p15="http://schemas.microsoft.com/office/powerpoint/2012/main" xmlns:ahyp="http://schemas.microsoft.com/office/drawing/2018/hyperlinkcolor">
+<p:sld xmlns:a="http://schemas.openxmlformats.org/drawingml/2006/main" xmlns:r="http://schemas.openxmlformats.org/officeDocument/2006/relationships" xmlns:p="http://schemas.openxmlformats.org/presentationml/2006/main">
   <p:cSld>
     <p:spTree>
       <p:nvGrpSpPr>
-        <p:cNvPr id="59" name="Shape 59"/>
+        <p:cNvPr id="1" name=""/>
+        <p:cNvGrpSpPr/>
+        <p:nvPr/>
+      </p:nvGrpSpPr>
+      <p:grpSpPr>
+        <a:xfrm>
+          <a:off x="0" y="0"/>
+          <a:ext cx="0" cy="0"/>
+          <a:chOff x="0" y="0"/>
+          <a:chExt cx="0" cy="0"/>
+        </a:xfrm>
+      </p:grpSpPr>
+      <p:sp>
+        <p:nvSpPr>
+          <p:cNvPr id="2" name="Title 1">
+            <a:extLst>
+              <a:ext uri="{FF2B5EF4-FFF2-40B4-BE49-F238E27FC236}">
+                <a16:creationId xmlns:a16="http://schemas.microsoft.com/office/drawing/2014/main" id="{A65B34DB-7CB5-4EB9-A355-F6ECBBA88452}"/>
+              </a:ext>
+            </a:extLst>
+          </p:cNvPr>
+          <p:cNvSpPr>
+            <a:spLocks noGrp="1"/>
+          </p:cNvSpPr>
+          <p:nvPr>
+            <p:ph type="title"/>
+          </p:nvPr>
+        </p:nvSpPr>
+        <p:spPr/>
+        <p:txBody>
+          <a:bodyPr/>
+          <a:lstStyle/>
+          <a:p>
+            <a:r>
+              <a:rPr lang="en-US" dirty="0"/>
+              <a:t>Call Mr. Brake over at this point to talk about connecting components to your Pi.</a:t>
+            </a:r>
+            <a:br>
+              <a:rPr lang="en-US" dirty="0"/>
+            </a:br>
+            <a:br>
+              <a:rPr lang="en-US" dirty="0"/>
+            </a:br>
+            <a:br>
+              <a:rPr lang="en-US" dirty="0"/>
+            </a:br>
+            <a:r>
+              <a:rPr lang="en-US" dirty="0"/>
+              <a:t>** you will need to update the python module for the </a:t>
+            </a:r>
+            <a:r>
+              <a:rPr lang="en-US" dirty="0" err="1"/>
+              <a:t>explorerhat</a:t>
+            </a:r>
+            <a:br>
+              <a:rPr lang="en-US" dirty="0"/>
+            </a:br>
+            <a:r>
+              <a:rPr lang="en-US" dirty="0"/>
+              <a:t>Open the terminal and type</a:t>
+            </a:r>
+            <a:br>
+              <a:rPr lang="en-US" dirty="0"/>
+            </a:br>
+            <a:br>
+              <a:rPr lang="en-US" dirty="0"/>
+            </a:br>
+            <a:r>
+              <a:rPr lang="en-US" dirty="0"/>
+              <a:t>pip3 install </a:t>
+            </a:r>
+            <a:r>
+              <a:rPr lang="en-US" dirty="0" err="1"/>
+              <a:t>explorerhat</a:t>
+            </a:r>
+            <a:r>
+              <a:rPr lang="en-US" dirty="0"/>
+              <a:t> --upgrade</a:t>
+            </a:r>
+          </a:p>
+        </p:txBody>
+      </p:sp>
+    </p:spTree>
+    <p:extLst>
+      <p:ext uri="{BB962C8B-B14F-4D97-AF65-F5344CB8AC3E}">
+        <p14:creationId xmlns:p14="http://schemas.microsoft.com/office/powerpoint/2010/main" val="19662154"/>
+      </p:ext>
+    </p:extLst>
+  </p:cSld>
+  <p:clrMapOvr>
+    <a:masterClrMapping/>
+  </p:clrMapOvr>
+</p:sld>
+</file>
+
+<file path=ppt/slides/slide3.xml><?xml version="1.0" encoding="utf-8"?>
+<p:sld xmlns:a="http://schemas.openxmlformats.org/drawingml/2006/main" xmlns:r="http://schemas.openxmlformats.org/officeDocument/2006/relationships" xmlns:p="http://schemas.openxmlformats.org/presentationml/2006/main">
+  <p:cSld>
+    <p:spTree>
+      <p:nvGrpSpPr>
+        <p:cNvPr id="1" name="Shape 59"/>
         <p:cNvGrpSpPr/>
         <p:nvPr/>
       </p:nvGrpSpPr>
@@ -9419,7 +9674,9 @@
       <p:sp>
         <p:nvSpPr>
           <p:cNvPr id="60" name="Google Shape;60;p2"/>
-          <p:cNvSpPr txBox="1"/>
+          <p:cNvSpPr txBox="1">
+            <a:spLocks noGrp="1"/>
+          </p:cNvSpPr>
           <p:nvPr>
             <p:ph type="title"/>
           </p:nvPr>
@@ -9438,12 +9695,12 @@
           </a:ln>
         </p:spPr>
         <p:txBody>
-          <a:bodyPr anchorCtr="0" anchor="t" bIns="91425" lIns="91425" spcFirstLastPara="1" rIns="91425" wrap="square" tIns="91425">
+          <a:bodyPr spcFirstLastPara="1" wrap="square" lIns="91425" tIns="91425" rIns="91425" bIns="91425" anchor="t" anchorCtr="0">
             <a:noAutofit/>
           </a:bodyPr>
           <a:lstStyle/>
           <a:p>
-            <a:pPr indent="0" lvl="0" marL="0" rtl="0" algn="l">
+            <a:pPr marL="0" lvl="0" indent="0" algn="l" rtl="0">
               <a:lnSpc>
                 <a:spcPct val="100000"/>
               </a:lnSpc>
@@ -9467,9 +9724,11 @@
       <p:sp>
         <p:nvSpPr>
           <p:cNvPr id="61" name="Google Shape;61;p2"/>
-          <p:cNvSpPr txBox="1"/>
+          <p:cNvSpPr txBox="1">
+            <a:spLocks noGrp="1"/>
+          </p:cNvSpPr>
           <p:nvPr>
-            <p:ph idx="1" type="body"/>
+            <p:ph type="body" idx="1"/>
           </p:nvPr>
         </p:nvSpPr>
         <p:spPr>
@@ -9486,12 +9745,12 @@
           </a:ln>
         </p:spPr>
         <p:txBody>
-          <a:bodyPr anchorCtr="0" anchor="t" bIns="91425" lIns="91425" spcFirstLastPara="1" rIns="91425" wrap="square" tIns="91425">
+          <a:bodyPr spcFirstLastPara="1" wrap="square" lIns="91425" tIns="91425" rIns="91425" bIns="91425" anchor="t" anchorCtr="0">
             <a:noAutofit/>
           </a:bodyPr>
           <a:lstStyle/>
           <a:p>
-            <a:pPr indent="0" lvl="0" marL="0" rtl="0" algn="ctr">
+            <a:pPr marL="0" lvl="0" indent="0" algn="ctr" rtl="0">
               <a:lnSpc>
                 <a:spcPct val="115000"/>
               </a:lnSpc>
@@ -9504,13 +9763,10 @@
               <a:buSzPts val="1800"/>
               <a:buNone/>
             </a:pPr>
-            <a:r>
-              <a:t/>
-            </a:r>
             <a:endParaRPr/>
           </a:p>
           <a:p>
-            <a:pPr indent="0" lvl="0" marL="0" rtl="0" algn="ctr">
+            <a:pPr marL="0" lvl="0" indent="0" algn="ctr" rtl="0">
               <a:lnSpc>
                 <a:spcPct val="115000"/>
               </a:lnSpc>
@@ -9523,13 +9779,10 @@
               <a:buSzPts val="1800"/>
               <a:buNone/>
             </a:pPr>
-            <a:r>
-              <a:t/>
-            </a:r>
             <a:endParaRPr/>
           </a:p>
           <a:p>
-            <a:pPr indent="0" lvl="0" marL="0" rtl="0" algn="ctr">
+            <a:pPr marL="0" lvl="0" indent="0" algn="ctr" rtl="0">
               <a:lnSpc>
                 <a:spcPct val="115000"/>
               </a:lnSpc>
@@ -9549,7 +9802,7 @@
             <a:endParaRPr/>
           </a:p>
           <a:p>
-            <a:pPr indent="0" lvl="0" marL="0" rtl="0" algn="ctr">
+            <a:pPr marL="0" lvl="0" indent="0" algn="ctr" rtl="0">
               <a:lnSpc>
                 <a:spcPct val="115000"/>
               </a:lnSpc>
@@ -9573,7 +9826,7 @@
             <a:endParaRPr/>
           </a:p>
           <a:p>
-            <a:pPr indent="0" lvl="0" marL="0" rtl="0" algn="l">
+            <a:pPr marL="0" lvl="0" indent="0" algn="l" rtl="0">
               <a:lnSpc>
                 <a:spcPct val="115000"/>
               </a:lnSpc>
@@ -9586,9 +9839,6 @@
               <a:buSzPts val="1800"/>
               <a:buNone/>
             </a:pPr>
-            <a:r>
-              <a:t/>
-            </a:r>
             <a:endParaRPr/>
           </a:p>
         </p:txBody>
@@ -9601,12 +9851,12 @@
 </p:sld>
 </file>
 
-<file path=ppt/slides/slide3.xml><?xml version="1.0" encoding="utf-8"?>
-<p:sld xmlns:a="http://schemas.openxmlformats.org/drawingml/2006/main" xmlns:r="http://schemas.openxmlformats.org/officeDocument/2006/relationships" xmlns:mc="http://schemas.openxmlformats.org/markup-compatibility/2006" xmlns:mv="urn:schemas-microsoft-com:mac:vml" xmlns:p="http://schemas.openxmlformats.org/presentationml/2006/main" xmlns:c="http://schemas.openxmlformats.org/drawingml/2006/chart" xmlns:dgm="http://schemas.openxmlformats.org/drawingml/2006/diagram" xmlns:o="urn:schemas-microsoft-com:office:office" xmlns:v="urn:schemas-microsoft-com:vml" xmlns:pvml="urn:schemas-microsoft-com:office:powerpoint" xmlns:com="http://schemas.openxmlformats.org/drawingml/2006/compatibility" xmlns:p14="http://schemas.microsoft.com/office/powerpoint/2010/main" xmlns:p15="http://schemas.microsoft.com/office/powerpoint/2012/main" xmlns:ahyp="http://schemas.microsoft.com/office/drawing/2018/hyperlinkcolor">
+<file path=ppt/slides/slide4.xml><?xml version="1.0" encoding="utf-8"?>
+<p:sld xmlns:a="http://schemas.openxmlformats.org/drawingml/2006/main" xmlns:r="http://schemas.openxmlformats.org/officeDocument/2006/relationships" xmlns:p="http://schemas.openxmlformats.org/presentationml/2006/main">
   <p:cSld>
     <p:spTree>
       <p:nvGrpSpPr>
-        <p:cNvPr id="65" name="Shape 65"/>
+        <p:cNvPr id="1" name="Shape 65"/>
         <p:cNvGrpSpPr/>
         <p:nvPr/>
       </p:nvGrpSpPr>
@@ -9621,7 +9871,9 @@
       <p:sp>
         <p:nvSpPr>
           <p:cNvPr id="66" name="Google Shape;66;p3"/>
-          <p:cNvSpPr txBox="1"/>
+          <p:cNvSpPr txBox="1">
+            <a:spLocks noGrp="1"/>
+          </p:cNvSpPr>
           <p:nvPr>
             <p:ph type="title"/>
           </p:nvPr>
@@ -9640,12 +9892,12 @@
           </a:ln>
         </p:spPr>
         <p:txBody>
-          <a:bodyPr anchorCtr="0" anchor="t" bIns="91425" lIns="91425" spcFirstLastPara="1" rIns="91425" wrap="square" tIns="91425">
+          <a:bodyPr spcFirstLastPara="1" wrap="square" lIns="91425" tIns="91425" rIns="91425" bIns="91425" anchor="t" anchorCtr="0">
             <a:noAutofit/>
           </a:bodyPr>
           <a:lstStyle/>
           <a:p>
-            <a:pPr indent="0" lvl="0" marL="0" rtl="0" algn="l">
+            <a:pPr marL="0" lvl="0" indent="0" algn="l" rtl="0">
               <a:lnSpc>
                 <a:spcPct val="100000"/>
               </a:lnSpc>
@@ -9669,9 +9921,11 @@
       <p:sp>
         <p:nvSpPr>
           <p:cNvPr id="67" name="Google Shape;67;p3"/>
-          <p:cNvSpPr txBox="1"/>
+          <p:cNvSpPr txBox="1">
+            <a:spLocks noGrp="1"/>
+          </p:cNvSpPr>
           <p:nvPr>
-            <p:ph idx="1" type="body"/>
+            <p:ph type="body" idx="1"/>
           </p:nvPr>
         </p:nvSpPr>
         <p:spPr>
@@ -9688,12 +9942,12 @@
           </a:ln>
         </p:spPr>
         <p:txBody>
-          <a:bodyPr anchorCtr="0" anchor="t" bIns="91425" lIns="91425" spcFirstLastPara="1" rIns="91425" wrap="square" tIns="91425">
+          <a:bodyPr spcFirstLastPara="1" wrap="square" lIns="91425" tIns="91425" rIns="91425" bIns="91425" anchor="t" anchorCtr="0">
             <a:noAutofit/>
           </a:bodyPr>
           <a:lstStyle/>
           <a:p>
-            <a:pPr indent="0" lvl="0" marL="0" rtl="0" algn="ctr">
+            <a:pPr marL="0" lvl="0" indent="0" algn="ctr" rtl="0">
               <a:lnSpc>
                 <a:spcPct val="115000"/>
               </a:lnSpc>
@@ -9706,13 +9960,10 @@
               <a:buSzPts val="1800"/>
               <a:buNone/>
             </a:pPr>
-            <a:r>
-              <a:t/>
-            </a:r>
             <a:endParaRPr/>
           </a:p>
           <a:p>
-            <a:pPr indent="0" lvl="0" marL="0" rtl="0" algn="ctr">
+            <a:pPr marL="0" lvl="0" indent="0" algn="ctr" rtl="0">
               <a:lnSpc>
                 <a:spcPct val="115000"/>
               </a:lnSpc>
@@ -9732,7 +9983,7 @@
             <a:endParaRPr/>
           </a:p>
           <a:p>
-            <a:pPr indent="0" lvl="0" marL="0" rtl="0" algn="ctr">
+            <a:pPr marL="0" lvl="0" indent="0" algn="ctr" rtl="0">
               <a:lnSpc>
                 <a:spcPct val="115000"/>
               </a:lnSpc>
@@ -9750,7 +10001,7 @@
               <a:t>One wire will go into the </a:t>
             </a:r>
             <a:r>
-              <a:rPr b="1" lang="en"/>
+              <a:rPr lang="en" b="1"/>
               <a:t>Positive (+) Terminal</a:t>
             </a:r>
             <a:r>
@@ -9758,7 +10009,7 @@
               <a:t>, and the other goes into the </a:t>
             </a:r>
             <a:r>
-              <a:rPr b="1" lang="en"/>
+              <a:rPr lang="en" b="1"/>
               <a:t>Negative (-) Terminal</a:t>
             </a:r>
             <a:r>
@@ -9768,7 +10019,7 @@
             <a:endParaRPr/>
           </a:p>
           <a:p>
-            <a:pPr indent="0" lvl="0" marL="0" rtl="0" algn="ctr">
+            <a:pPr marL="0" lvl="0" indent="0" algn="ctr" rtl="0">
               <a:lnSpc>
                 <a:spcPct val="115000"/>
               </a:lnSpc>
@@ -9782,7 +10033,7 @@
               <a:buNone/>
             </a:pPr>
             <a:r>
-              <a:rPr b="1" i="1" lang="en" u="sng"/>
+              <a:rPr lang="en" b="1" i="1" u="sng"/>
               <a:t>Reversing</a:t>
             </a:r>
             <a:r>
@@ -9790,7 +10041,7 @@
               <a:t> the wires will </a:t>
             </a:r>
             <a:r>
-              <a:rPr b="1" i="1" lang="en" u="sng"/>
+              <a:rPr lang="en" b="1" i="1" u="sng"/>
               <a:t>reverse the direction of rotation</a:t>
             </a:r>
             <a:r>
@@ -9800,7 +10051,7 @@
             <a:endParaRPr/>
           </a:p>
           <a:p>
-            <a:pPr indent="0" lvl="0" marL="0" rtl="0" algn="l">
+            <a:pPr marL="0" lvl="0" indent="0" algn="l" rtl="0">
               <a:lnSpc>
                 <a:spcPct val="115000"/>
               </a:lnSpc>
@@ -9813,9 +10064,6 @@
               <a:buSzPts val="1800"/>
               <a:buNone/>
             </a:pPr>
-            <a:r>
-              <a:t/>
-            </a:r>
             <a:endParaRPr/>
           </a:p>
         </p:txBody>
@@ -9828,12 +10076,12 @@
 </p:sld>
 </file>
 
-<file path=ppt/slides/slide4.xml><?xml version="1.0" encoding="utf-8"?>
-<p:sld xmlns:a="http://schemas.openxmlformats.org/drawingml/2006/main" xmlns:r="http://schemas.openxmlformats.org/officeDocument/2006/relationships" xmlns:mc="http://schemas.openxmlformats.org/markup-compatibility/2006" xmlns:mv="urn:schemas-microsoft-com:mac:vml" xmlns:p="http://schemas.openxmlformats.org/presentationml/2006/main" xmlns:c="http://schemas.openxmlformats.org/drawingml/2006/chart" xmlns:dgm="http://schemas.openxmlformats.org/drawingml/2006/diagram" xmlns:o="urn:schemas-microsoft-com:office:office" xmlns:v="urn:schemas-microsoft-com:vml" xmlns:pvml="urn:schemas-microsoft-com:office:powerpoint" xmlns:com="http://schemas.openxmlformats.org/drawingml/2006/compatibility" xmlns:p14="http://schemas.microsoft.com/office/powerpoint/2010/main" xmlns:p15="http://schemas.microsoft.com/office/powerpoint/2012/main" xmlns:ahyp="http://schemas.microsoft.com/office/drawing/2018/hyperlinkcolor">
+<file path=ppt/slides/slide5.xml><?xml version="1.0" encoding="utf-8"?>
+<p:sld xmlns:a="http://schemas.openxmlformats.org/drawingml/2006/main" xmlns:r="http://schemas.openxmlformats.org/officeDocument/2006/relationships" xmlns:p="http://schemas.openxmlformats.org/presentationml/2006/main">
   <p:cSld>
     <p:spTree>
       <p:nvGrpSpPr>
-        <p:cNvPr id="71" name="Shape 71"/>
+        <p:cNvPr id="1" name="Shape 71"/>
         <p:cNvGrpSpPr/>
         <p:nvPr/>
       </p:nvGrpSpPr>
@@ -9848,7 +10096,9 @@
       <p:sp>
         <p:nvSpPr>
           <p:cNvPr id="72" name="Google Shape;72;p4"/>
-          <p:cNvSpPr txBox="1"/>
+          <p:cNvSpPr txBox="1">
+            <a:spLocks noGrp="1"/>
+          </p:cNvSpPr>
           <p:nvPr>
             <p:ph type="title"/>
           </p:nvPr>
@@ -9867,12 +10117,12 @@
           </a:ln>
         </p:spPr>
         <p:txBody>
-          <a:bodyPr anchorCtr="0" anchor="t" bIns="91425" lIns="91425" spcFirstLastPara="1" rIns="91425" wrap="square" tIns="91425">
+          <a:bodyPr spcFirstLastPara="1" wrap="square" lIns="91425" tIns="91425" rIns="91425" bIns="91425" anchor="t" anchorCtr="0">
             <a:noAutofit/>
           </a:bodyPr>
           <a:lstStyle/>
           <a:p>
-            <a:pPr indent="0" lvl="0" marL="0" rtl="0" algn="l">
+            <a:pPr marL="0" lvl="0" indent="0" algn="l" rtl="0">
               <a:lnSpc>
                 <a:spcPct val="100000"/>
               </a:lnSpc>
@@ -9896,9 +10146,11 @@
       <p:sp>
         <p:nvSpPr>
           <p:cNvPr id="73" name="Google Shape;73;p4"/>
-          <p:cNvSpPr txBox="1"/>
+          <p:cNvSpPr txBox="1">
+            <a:spLocks noGrp="1"/>
+          </p:cNvSpPr>
           <p:nvPr>
-            <p:ph idx="1" type="body"/>
+            <p:ph type="body" idx="1"/>
           </p:nvPr>
         </p:nvSpPr>
         <p:spPr>
@@ -9915,12 +10167,12 @@
           </a:ln>
         </p:spPr>
         <p:txBody>
-          <a:bodyPr anchorCtr="0" anchor="t" bIns="91425" lIns="91425" spcFirstLastPara="1" rIns="91425" wrap="square" tIns="91425">
+          <a:bodyPr spcFirstLastPara="1" wrap="square" lIns="91425" tIns="91425" rIns="91425" bIns="91425" anchor="t" anchorCtr="0">
             <a:noAutofit/>
           </a:bodyPr>
           <a:lstStyle/>
           <a:p>
-            <a:pPr indent="0" lvl="0" marL="0" rtl="0" algn="l">
+            <a:pPr marL="0" lvl="0" indent="0" algn="l" rtl="0">
               <a:lnSpc>
                 <a:spcPct val="115000"/>
               </a:lnSpc>
@@ -9940,7 +10192,7 @@
             <a:endParaRPr/>
           </a:p>
           <a:p>
-            <a:pPr indent="-342900" lvl="0" marL="457200" rtl="0" algn="l">
+            <a:pPr marL="457200" lvl="0" indent="-342900" algn="l" rtl="0">
               <a:lnSpc>
                 <a:spcPct val="115000"/>
               </a:lnSpc>
@@ -9960,7 +10212,7 @@
             <a:endParaRPr/>
           </a:p>
           <a:p>
-            <a:pPr indent="-342900" lvl="0" marL="457200" rtl="0" algn="l">
+            <a:pPr marL="457200" lvl="0" indent="-342900" algn="l" rtl="0">
               <a:lnSpc>
                 <a:spcPct val="115000"/>
               </a:lnSpc>
@@ -9980,7 +10232,7 @@
             <a:endParaRPr/>
           </a:p>
           <a:p>
-            <a:pPr indent="-342900" lvl="0" marL="457200" rtl="0" algn="l">
+            <a:pPr marL="457200" lvl="0" indent="-342900" algn="l" rtl="0">
               <a:lnSpc>
                 <a:spcPct val="115000"/>
               </a:lnSpc>
@@ -10000,7 +10252,7 @@
             <a:endParaRPr/>
           </a:p>
           <a:p>
-            <a:pPr indent="-342900" lvl="0" marL="457200" rtl="0" algn="l">
+            <a:pPr marL="457200" lvl="0" indent="-342900" algn="l" rtl="0">
               <a:lnSpc>
                 <a:spcPct val="115000"/>
               </a:lnSpc>
@@ -10029,12 +10281,12 @@
 </p:sld>
 </file>
 
-<file path=ppt/slides/slide5.xml><?xml version="1.0" encoding="utf-8"?>
-<p:sld xmlns:a="http://schemas.openxmlformats.org/drawingml/2006/main" xmlns:r="http://schemas.openxmlformats.org/officeDocument/2006/relationships" xmlns:mc="http://schemas.openxmlformats.org/markup-compatibility/2006" xmlns:mv="urn:schemas-microsoft-com:mac:vml" xmlns:p="http://schemas.openxmlformats.org/presentationml/2006/main" xmlns:c="http://schemas.openxmlformats.org/drawingml/2006/chart" xmlns:dgm="http://schemas.openxmlformats.org/drawingml/2006/diagram" xmlns:o="urn:schemas-microsoft-com:office:office" xmlns:v="urn:schemas-microsoft-com:vml" xmlns:pvml="urn:schemas-microsoft-com:office:powerpoint" xmlns:com="http://schemas.openxmlformats.org/drawingml/2006/compatibility" xmlns:p14="http://schemas.microsoft.com/office/powerpoint/2010/main" xmlns:p15="http://schemas.microsoft.com/office/powerpoint/2012/main" xmlns:ahyp="http://schemas.microsoft.com/office/drawing/2018/hyperlinkcolor">
+<file path=ppt/slides/slide6.xml><?xml version="1.0" encoding="utf-8"?>
+<p:sld xmlns:a="http://schemas.openxmlformats.org/drawingml/2006/main" xmlns:r="http://schemas.openxmlformats.org/officeDocument/2006/relationships" xmlns:p="http://schemas.openxmlformats.org/presentationml/2006/main">
   <p:cSld>
     <p:spTree>
       <p:nvGrpSpPr>
-        <p:cNvPr id="77" name="Shape 77"/>
+        <p:cNvPr id="1" name="Shape 77"/>
         <p:cNvGrpSpPr/>
         <p:nvPr/>
       </p:nvGrpSpPr>
@@ -10049,7 +10301,9 @@
       <p:sp>
         <p:nvSpPr>
           <p:cNvPr id="78" name="Google Shape;78;p5"/>
-          <p:cNvSpPr txBox="1"/>
+          <p:cNvSpPr txBox="1">
+            <a:spLocks noGrp="1"/>
+          </p:cNvSpPr>
           <p:nvPr>
             <p:ph type="title"/>
           </p:nvPr>
@@ -10068,12 +10322,12 @@
           </a:ln>
         </p:spPr>
         <p:txBody>
-          <a:bodyPr anchorCtr="0" anchor="t" bIns="91425" lIns="91425" spcFirstLastPara="1" rIns="91425" wrap="square" tIns="91425">
+          <a:bodyPr spcFirstLastPara="1" wrap="square" lIns="91425" tIns="91425" rIns="91425" bIns="91425" anchor="t" anchorCtr="0">
             <a:noAutofit/>
           </a:bodyPr>
           <a:lstStyle/>
           <a:p>
-            <a:pPr indent="0" lvl="0" marL="0" rtl="0" algn="l">
+            <a:pPr marL="0" lvl="0" indent="0" algn="l" rtl="0">
               <a:lnSpc>
                 <a:spcPct val="100000"/>
               </a:lnSpc>
@@ -10097,9 +10351,11 @@
       <p:sp>
         <p:nvSpPr>
           <p:cNvPr id="79" name="Google Shape;79;p5"/>
-          <p:cNvSpPr txBox="1"/>
+          <p:cNvSpPr txBox="1">
+            <a:spLocks noGrp="1"/>
+          </p:cNvSpPr>
           <p:nvPr>
-            <p:ph idx="1" type="body"/>
+            <p:ph type="body" idx="1"/>
           </p:nvPr>
         </p:nvSpPr>
         <p:spPr>
@@ -10116,12 +10372,12 @@
           </a:ln>
         </p:spPr>
         <p:txBody>
-          <a:bodyPr anchorCtr="0" anchor="t" bIns="91425" lIns="91425" spcFirstLastPara="1" rIns="91425" wrap="square" tIns="91425">
+          <a:bodyPr spcFirstLastPara="1" wrap="square" lIns="91425" tIns="91425" rIns="91425" bIns="91425" anchor="t" anchorCtr="0">
             <a:noAutofit/>
           </a:bodyPr>
           <a:lstStyle/>
           <a:p>
-            <a:pPr indent="0" lvl="0" marL="0" rtl="0" algn="l">
+            <a:pPr marL="0" lvl="0" indent="0" algn="l" rtl="0">
               <a:lnSpc>
                 <a:spcPct val="115000"/>
               </a:lnSpc>
@@ -10134,9 +10390,6 @@
               <a:buSzPts val="1800"/>
               <a:buNone/>
             </a:pPr>
-            <a:r>
-              <a:t/>
-            </a:r>
             <a:endParaRPr/>
           </a:p>
         </p:txBody>
@@ -10177,12 +10430,12 @@
 </p:sld>
 </file>
 
-<file path=ppt/slides/slide6.xml><?xml version="1.0" encoding="utf-8"?>
-<p:sld xmlns:a="http://schemas.openxmlformats.org/drawingml/2006/main" xmlns:r="http://schemas.openxmlformats.org/officeDocument/2006/relationships" xmlns:mc="http://schemas.openxmlformats.org/markup-compatibility/2006" xmlns:mv="urn:schemas-microsoft-com:mac:vml" xmlns:p="http://schemas.openxmlformats.org/presentationml/2006/main" xmlns:c="http://schemas.openxmlformats.org/drawingml/2006/chart" xmlns:dgm="http://schemas.openxmlformats.org/drawingml/2006/diagram" xmlns:o="urn:schemas-microsoft-com:office:office" xmlns:v="urn:schemas-microsoft-com:vml" xmlns:pvml="urn:schemas-microsoft-com:office:powerpoint" xmlns:com="http://schemas.openxmlformats.org/drawingml/2006/compatibility" xmlns:p14="http://schemas.microsoft.com/office/powerpoint/2010/main" xmlns:p15="http://schemas.microsoft.com/office/powerpoint/2012/main" xmlns:ahyp="http://schemas.microsoft.com/office/drawing/2018/hyperlinkcolor">
+<file path=ppt/slides/slide7.xml><?xml version="1.0" encoding="utf-8"?>
+<p:sld xmlns:a="http://schemas.openxmlformats.org/drawingml/2006/main" xmlns:r="http://schemas.openxmlformats.org/officeDocument/2006/relationships" xmlns:p="http://schemas.openxmlformats.org/presentationml/2006/main">
   <p:cSld>
     <p:spTree>
       <p:nvGrpSpPr>
-        <p:cNvPr id="84" name="Shape 84"/>
+        <p:cNvPr id="1" name="Shape 84"/>
         <p:cNvGrpSpPr/>
         <p:nvPr/>
       </p:nvGrpSpPr>
@@ -10197,7 +10450,9 @@
       <p:sp>
         <p:nvSpPr>
           <p:cNvPr id="85" name="Google Shape;85;p6"/>
-          <p:cNvSpPr txBox="1"/>
+          <p:cNvSpPr txBox="1">
+            <a:spLocks noGrp="1"/>
+          </p:cNvSpPr>
           <p:nvPr>
             <p:ph type="title"/>
           </p:nvPr>
@@ -10216,12 +10471,12 @@
           </a:ln>
         </p:spPr>
         <p:txBody>
-          <a:bodyPr anchorCtr="0" anchor="t" bIns="91425" lIns="91425" spcFirstLastPara="1" rIns="91425" wrap="square" tIns="91425">
+          <a:bodyPr spcFirstLastPara="1" wrap="square" lIns="91425" tIns="91425" rIns="91425" bIns="91425" anchor="t" anchorCtr="0">
             <a:noAutofit/>
           </a:bodyPr>
           <a:lstStyle/>
           <a:p>
-            <a:pPr indent="0" lvl="0" marL="0" rtl="0" algn="l">
+            <a:pPr marL="0" lvl="0" indent="0" algn="l" rtl="0">
               <a:lnSpc>
                 <a:spcPct val="100000"/>
               </a:lnSpc>
@@ -10245,9 +10500,11 @@
       <p:sp>
         <p:nvSpPr>
           <p:cNvPr id="86" name="Google Shape;86;p6"/>
-          <p:cNvSpPr txBox="1"/>
+          <p:cNvSpPr txBox="1">
+            <a:spLocks noGrp="1"/>
+          </p:cNvSpPr>
           <p:nvPr>
-            <p:ph idx="1" type="body"/>
+            <p:ph type="body" idx="1"/>
           </p:nvPr>
         </p:nvSpPr>
         <p:spPr>
@@ -10264,12 +10521,12 @@
           </a:ln>
         </p:spPr>
         <p:txBody>
-          <a:bodyPr anchorCtr="0" anchor="t" bIns="91425" lIns="91425" spcFirstLastPara="1" rIns="91425" wrap="square" tIns="91425">
+          <a:bodyPr spcFirstLastPara="1" wrap="square" lIns="91425" tIns="91425" rIns="91425" bIns="91425" anchor="t" anchorCtr="0">
             <a:noAutofit/>
           </a:bodyPr>
           <a:lstStyle/>
           <a:p>
-            <a:pPr indent="0" lvl="0" marL="0" rtl="0" algn="l">
+            <a:pPr marL="0" lvl="0" indent="0" algn="l" rtl="0">
               <a:lnSpc>
                 <a:spcPct val="115000"/>
               </a:lnSpc>
@@ -10282,9 +10539,6 @@
               <a:buSzPts val="1800"/>
               <a:buNone/>
             </a:pPr>
-            <a:r>
-              <a:t/>
-            </a:r>
             <a:endParaRPr/>
           </a:p>
         </p:txBody>
@@ -10299,7 +10553,7 @@
           <a:blip r:embed="rId3">
             <a:alphaModFix/>
           </a:blip>
-          <a:srcRect b="0" l="0" r="0" t="0"/>
+          <a:srcRect/>
           <a:stretch/>
         </p:blipFill>
         <p:spPr>
@@ -10326,7 +10580,7 @@
           <a:blip r:embed="rId4">
             <a:alphaModFix/>
           </a:blip>
-          <a:srcRect b="0" l="0" r="0" t="0"/>
+          <a:srcRect/>
           <a:stretch/>
         </p:blipFill>
         <p:spPr>
@@ -10353,7 +10607,7 @@
           <a:blip r:embed="rId5">
             <a:alphaModFix/>
           </a:blip>
-          <a:srcRect b="26547" l="31503" r="33819" t="32715"/>
+          <a:srcRect l="31503" t="32715" r="33819" b="26547"/>
           <a:stretch/>
         </p:blipFill>
         <p:spPr>
@@ -10378,12 +10632,12 @@
 </p:sld>
 </file>
 
-<file path=ppt/slides/slide7.xml><?xml version="1.0" encoding="utf-8"?>
-<p:sld xmlns:a="http://schemas.openxmlformats.org/drawingml/2006/main" xmlns:r="http://schemas.openxmlformats.org/officeDocument/2006/relationships" xmlns:mc="http://schemas.openxmlformats.org/markup-compatibility/2006" xmlns:mv="urn:schemas-microsoft-com:mac:vml" xmlns:p="http://schemas.openxmlformats.org/presentationml/2006/main" xmlns:c="http://schemas.openxmlformats.org/drawingml/2006/chart" xmlns:dgm="http://schemas.openxmlformats.org/drawingml/2006/diagram" xmlns:o="urn:schemas-microsoft-com:office:office" xmlns:v="urn:schemas-microsoft-com:vml" xmlns:pvml="urn:schemas-microsoft-com:office:powerpoint" xmlns:com="http://schemas.openxmlformats.org/drawingml/2006/compatibility" xmlns:p14="http://schemas.microsoft.com/office/powerpoint/2010/main" xmlns:p15="http://schemas.microsoft.com/office/powerpoint/2012/main" xmlns:ahyp="http://schemas.microsoft.com/office/drawing/2018/hyperlinkcolor">
+<file path=ppt/slides/slide8.xml><?xml version="1.0" encoding="utf-8"?>
+<p:sld xmlns:a="http://schemas.openxmlformats.org/drawingml/2006/main" xmlns:r="http://schemas.openxmlformats.org/officeDocument/2006/relationships" xmlns:p="http://schemas.openxmlformats.org/presentationml/2006/main">
   <p:cSld>
     <p:spTree>
       <p:nvGrpSpPr>
-        <p:cNvPr id="93" name="Shape 93"/>
+        <p:cNvPr id="1" name="Shape 93"/>
         <p:cNvGrpSpPr/>
         <p:nvPr/>
       </p:nvGrpSpPr>
@@ -10398,7 +10652,9 @@
       <p:sp>
         <p:nvSpPr>
           <p:cNvPr id="94" name="Google Shape;94;p7"/>
-          <p:cNvSpPr txBox="1"/>
+          <p:cNvSpPr txBox="1">
+            <a:spLocks noGrp="1"/>
+          </p:cNvSpPr>
           <p:nvPr>
             <p:ph type="title"/>
           </p:nvPr>
@@ -10417,12 +10673,12 @@
           </a:ln>
         </p:spPr>
         <p:txBody>
-          <a:bodyPr anchorCtr="0" anchor="t" bIns="91425" lIns="91425" spcFirstLastPara="1" rIns="91425" wrap="square" tIns="91425">
+          <a:bodyPr spcFirstLastPara="1" wrap="square" lIns="91425" tIns="91425" rIns="91425" bIns="91425" anchor="t" anchorCtr="0">
             <a:noAutofit/>
           </a:bodyPr>
           <a:lstStyle/>
           <a:p>
-            <a:pPr indent="0" lvl="0" marL="0" rtl="0" algn="l">
+            <a:pPr marL="0" lvl="0" indent="0" algn="l" rtl="0">
               <a:lnSpc>
                 <a:spcPct val="100000"/>
               </a:lnSpc>
@@ -10446,9 +10702,11 @@
       <p:sp>
         <p:nvSpPr>
           <p:cNvPr id="95" name="Google Shape;95;p7"/>
-          <p:cNvSpPr txBox="1"/>
+          <p:cNvSpPr txBox="1">
+            <a:spLocks noGrp="1"/>
+          </p:cNvSpPr>
           <p:nvPr>
-            <p:ph idx="1" type="body"/>
+            <p:ph type="body" idx="1"/>
           </p:nvPr>
         </p:nvSpPr>
         <p:spPr>
@@ -10465,12 +10723,12 @@
           </a:ln>
         </p:spPr>
         <p:txBody>
-          <a:bodyPr anchorCtr="0" anchor="t" bIns="91425" lIns="91425" spcFirstLastPara="1" rIns="91425" wrap="square" tIns="91425">
+          <a:bodyPr spcFirstLastPara="1" wrap="square" lIns="91425" tIns="91425" rIns="91425" bIns="91425" anchor="t" anchorCtr="0">
             <a:noAutofit/>
           </a:bodyPr>
           <a:lstStyle/>
           <a:p>
-            <a:pPr indent="0" lvl="0" marL="0" rtl="0" algn="l">
+            <a:pPr marL="0" lvl="0" indent="0" algn="l" rtl="0">
               <a:lnSpc>
                 <a:spcPct val="115000"/>
               </a:lnSpc>
@@ -10490,7 +10748,7 @@
             <a:endParaRPr/>
           </a:p>
           <a:p>
-            <a:pPr indent="0" lvl="0" marL="0" rtl="0" algn="l">
+            <a:pPr marL="0" lvl="0" indent="0" algn="l" rtl="0">
               <a:lnSpc>
                 <a:spcPct val="115000"/>
               </a:lnSpc>
@@ -10525,7 +10783,288 @@
 </file>
 
 <file path=ppt/theme/theme1.xml><?xml version="1.0" encoding="utf-8"?>
-<a:theme xmlns:a="http://schemas.openxmlformats.org/drawingml/2006/main" xmlns:r="http://schemas.openxmlformats.org/officeDocument/2006/relationships">
+<a:theme xmlns:a="http://schemas.openxmlformats.org/drawingml/2006/main" name="Simple Light">
+  <a:themeElements>
+    <a:clrScheme name="Simple Light">
+      <a:dk1>
+        <a:srgbClr val="000000"/>
+      </a:dk1>
+      <a:lt1>
+        <a:srgbClr val="FFFFFF"/>
+      </a:lt1>
+      <a:dk2>
+        <a:srgbClr val="595959"/>
+      </a:dk2>
+      <a:lt2>
+        <a:srgbClr val="EEEEEE"/>
+      </a:lt2>
+      <a:accent1>
+        <a:srgbClr val="FFAB40"/>
+      </a:accent1>
+      <a:accent2>
+        <a:srgbClr val="212121"/>
+      </a:accent2>
+      <a:accent3>
+        <a:srgbClr val="78909C"/>
+      </a:accent3>
+      <a:accent4>
+        <a:srgbClr val="FFAB40"/>
+      </a:accent4>
+      <a:accent5>
+        <a:srgbClr val="0097A7"/>
+      </a:accent5>
+      <a:accent6>
+        <a:srgbClr val="EEFF41"/>
+      </a:accent6>
+      <a:hlink>
+        <a:srgbClr val="0097A7"/>
+      </a:hlink>
+      <a:folHlink>
+        <a:srgbClr val="0097A7"/>
+      </a:folHlink>
+    </a:clrScheme>
+    <a:fontScheme name="Office">
+      <a:majorFont>
+        <a:latin typeface="Arial"/>
+        <a:ea typeface=""/>
+        <a:cs typeface=""/>
+        <a:font script="Jpan" typeface="ＭＳ Ｐゴシック"/>
+        <a:font script="Hang" typeface="맑은 고딕"/>
+        <a:font script="Hans" typeface="宋体"/>
+        <a:font script="Hant" typeface="新細明體"/>
+        <a:font script="Arab" typeface="Times New Roman"/>
+        <a:font script="Hebr" typeface="Times New Roman"/>
+        <a:font script="Thai" typeface="Angsana New"/>
+        <a:font script="Ethi" typeface="Nyala"/>
+        <a:font script="Beng" typeface="Vrinda"/>
+        <a:font script="Gujr" typeface="Shruti"/>
+        <a:font script="Khmr" typeface="MoolBoran"/>
+        <a:font script="Knda" typeface="Tunga"/>
+        <a:font script="Guru" typeface="Raavi"/>
+        <a:font script="Cans" typeface="Euphemia"/>
+        <a:font script="Cher" typeface="Plantagenet Cherokee"/>
+        <a:font script="Yiii" typeface="Microsoft Yi Baiti"/>
+        <a:font script="Tibt" typeface="Microsoft Himalaya"/>
+        <a:font script="Thaa" typeface="MV Boli"/>
+        <a:font script="Deva" typeface="Mangal"/>
+        <a:font script="Telu" typeface="Gautami"/>
+        <a:font script="Taml" typeface="Latha"/>
+        <a:font script="Syrc" typeface="Estrangelo Edessa"/>
+        <a:font script="Orya" typeface="Kalinga"/>
+        <a:font script="Mlym" typeface="Kartika"/>
+        <a:font script="Laoo" typeface="DokChampa"/>
+        <a:font script="Sinh" typeface="Iskoola Pota"/>
+        <a:font script="Mong" typeface="Mongolian Baiti"/>
+        <a:font script="Viet" typeface="Times New Roman"/>
+        <a:font script="Uigh" typeface="Microsoft Uighur"/>
+        <a:font script="Geor" typeface="Sylfaen"/>
+      </a:majorFont>
+      <a:minorFont>
+        <a:latin typeface="Arial"/>
+        <a:ea typeface=""/>
+        <a:cs typeface=""/>
+        <a:font script="Jpan" typeface="ＭＳ Ｐゴシック"/>
+        <a:font script="Hang" typeface="맑은 고딕"/>
+        <a:font script="Hans" typeface="宋体"/>
+        <a:font script="Hant" typeface="新細明體"/>
+        <a:font script="Arab" typeface="Arial"/>
+        <a:font script="Hebr" typeface="Arial"/>
+        <a:font script="Thai" typeface="Cordia New"/>
+        <a:font script="Ethi" typeface="Nyala"/>
+        <a:font script="Beng" typeface="Vrinda"/>
+        <a:font script="Gujr" typeface="Shruti"/>
+        <a:font script="Khmr" typeface="DaunPenh"/>
+        <a:font script="Knda" typeface="Tunga"/>
+        <a:font script="Guru" typeface="Raavi"/>
+        <a:font script="Cans" typeface="Euphemia"/>
+        <a:font script="Cher" typeface="Plantagenet Cherokee"/>
+        <a:font script="Yiii" typeface="Microsoft Yi Baiti"/>
+        <a:font script="Tibt" typeface="Microsoft Himalaya"/>
+        <a:font script="Thaa" typeface="MV Boli"/>
+        <a:font script="Deva" typeface="Mangal"/>
+        <a:font script="Telu" typeface="Gautami"/>
+        <a:font script="Taml" typeface="Latha"/>
+        <a:font script="Syrc" typeface="Estrangelo Edessa"/>
+        <a:font script="Orya" typeface="Kalinga"/>
+        <a:font script="Mlym" typeface="Kartika"/>
+        <a:font script="Laoo" typeface="DokChampa"/>
+        <a:font script="Sinh" typeface="Iskoola Pota"/>
+        <a:font script="Mong" typeface="Mongolian Baiti"/>
+        <a:font script="Viet" typeface="Arial"/>
+        <a:font script="Uigh" typeface="Microsoft Uighur"/>
+        <a:font script="Geor" typeface="Sylfaen"/>
+      </a:minorFont>
+    </a:fontScheme>
+    <a:fmtScheme name="Office">
+      <a:fillStyleLst>
+        <a:solidFill>
+          <a:schemeClr val="phClr"/>
+        </a:solidFill>
+        <a:gradFill rotWithShape="1">
+          <a:gsLst>
+            <a:gs pos="0">
+              <a:schemeClr val="phClr">
+                <a:tint val="50000"/>
+                <a:satMod val="300000"/>
+              </a:schemeClr>
+            </a:gs>
+            <a:gs pos="35000">
+              <a:schemeClr val="phClr">
+                <a:tint val="37000"/>
+                <a:satMod val="300000"/>
+              </a:schemeClr>
+            </a:gs>
+            <a:gs pos="100000">
+              <a:schemeClr val="phClr">
+                <a:tint val="15000"/>
+                <a:satMod val="350000"/>
+              </a:schemeClr>
+            </a:gs>
+          </a:gsLst>
+          <a:lin ang="16200000" scaled="1"/>
+        </a:gradFill>
+        <a:gradFill rotWithShape="1">
+          <a:gsLst>
+            <a:gs pos="0">
+              <a:schemeClr val="phClr">
+                <a:tint val="100000"/>
+                <a:shade val="100000"/>
+                <a:satMod val="130000"/>
+              </a:schemeClr>
+            </a:gs>
+            <a:gs pos="100000">
+              <a:schemeClr val="phClr">
+                <a:tint val="50000"/>
+                <a:shade val="100000"/>
+                <a:satMod val="350000"/>
+              </a:schemeClr>
+            </a:gs>
+          </a:gsLst>
+          <a:lin ang="16200000" scaled="0"/>
+        </a:gradFill>
+      </a:fillStyleLst>
+      <a:lnStyleLst>
+        <a:ln w="9525" cap="flat" cmpd="sng" algn="ctr">
+          <a:solidFill>
+            <a:schemeClr val="phClr">
+              <a:shade val="95000"/>
+              <a:satMod val="105000"/>
+            </a:schemeClr>
+          </a:solidFill>
+          <a:prstDash val="solid"/>
+        </a:ln>
+        <a:ln w="25400" cap="flat" cmpd="sng" algn="ctr">
+          <a:solidFill>
+            <a:schemeClr val="phClr"/>
+          </a:solidFill>
+          <a:prstDash val="solid"/>
+        </a:ln>
+        <a:ln w="38100" cap="flat" cmpd="sng" algn="ctr">
+          <a:solidFill>
+            <a:schemeClr val="phClr"/>
+          </a:solidFill>
+          <a:prstDash val="solid"/>
+        </a:ln>
+      </a:lnStyleLst>
+      <a:effectStyleLst>
+        <a:effectStyle>
+          <a:effectLst>
+            <a:outerShdw blurRad="40000" dist="20000" dir="5400000" rotWithShape="0">
+              <a:srgbClr val="000000">
+                <a:alpha val="38000"/>
+              </a:srgbClr>
+            </a:outerShdw>
+          </a:effectLst>
+        </a:effectStyle>
+        <a:effectStyle>
+          <a:effectLst>
+            <a:outerShdw blurRad="40000" dist="23000" dir="5400000" rotWithShape="0">
+              <a:srgbClr val="000000">
+                <a:alpha val="35000"/>
+              </a:srgbClr>
+            </a:outerShdw>
+          </a:effectLst>
+        </a:effectStyle>
+        <a:effectStyle>
+          <a:effectLst>
+            <a:outerShdw blurRad="40000" dist="23000" dir="5400000" rotWithShape="0">
+              <a:srgbClr val="000000">
+                <a:alpha val="35000"/>
+              </a:srgbClr>
+            </a:outerShdw>
+          </a:effectLst>
+          <a:scene3d>
+            <a:camera prst="orthographicFront">
+              <a:rot lat="0" lon="0" rev="0"/>
+            </a:camera>
+            <a:lightRig rig="threePt" dir="t">
+              <a:rot lat="0" lon="0" rev="1200000"/>
+            </a:lightRig>
+          </a:scene3d>
+          <a:sp3d>
+            <a:bevelT w="63500" h="25400"/>
+          </a:sp3d>
+        </a:effectStyle>
+      </a:effectStyleLst>
+      <a:bgFillStyleLst>
+        <a:solidFill>
+          <a:schemeClr val="phClr"/>
+        </a:solidFill>
+        <a:gradFill rotWithShape="1">
+          <a:gsLst>
+            <a:gs pos="0">
+              <a:schemeClr val="phClr">
+                <a:tint val="40000"/>
+                <a:satMod val="350000"/>
+              </a:schemeClr>
+            </a:gs>
+            <a:gs pos="40000">
+              <a:schemeClr val="phClr">
+                <a:tint val="45000"/>
+                <a:shade val="99000"/>
+                <a:satMod val="350000"/>
+              </a:schemeClr>
+            </a:gs>
+            <a:gs pos="100000">
+              <a:schemeClr val="phClr">
+                <a:shade val="20000"/>
+                <a:satMod val="255000"/>
+              </a:schemeClr>
+            </a:gs>
+          </a:gsLst>
+          <a:path path="circle">
+            <a:fillToRect l="50000" t="-80000" r="50000" b="180000"/>
+          </a:path>
+        </a:gradFill>
+        <a:gradFill rotWithShape="1">
+          <a:gsLst>
+            <a:gs pos="0">
+              <a:schemeClr val="phClr">
+                <a:tint val="80000"/>
+                <a:satMod val="300000"/>
+              </a:schemeClr>
+            </a:gs>
+            <a:gs pos="100000">
+              <a:schemeClr val="phClr">
+                <a:shade val="30000"/>
+                <a:satMod val="200000"/>
+              </a:schemeClr>
+            </a:gs>
+          </a:gsLst>
+          <a:path path="circle">
+            <a:fillToRect l="50000" t="50000" r="50000" b="50000"/>
+          </a:path>
+        </a:gradFill>
+      </a:bgFillStyleLst>
+    </a:fmtScheme>
+  </a:themeElements>
+  <a:objectDefaults/>
+  <a:extraClrSchemeLst/>
+</a:theme>
+</file>
+
+<file path=ppt/theme/theme2.xml><?xml version="1.0" encoding="utf-8"?>
+<a:theme xmlns:a="http://schemas.openxmlformats.org/drawingml/2006/main">
   <a:themeElements>
     <a:clrScheme name="Default">
       <a:dk1>
@@ -10800,284 +11339,7 @@
       </a:bgFillStyleLst>
     </a:fmtScheme>
   </a:themeElements>
-</a:theme>
-</file>
-
-<file path=ppt/theme/theme2.xml><?xml version="1.0" encoding="utf-8"?>
-<a:theme xmlns:a="http://schemas.openxmlformats.org/drawingml/2006/main" xmlns:r="http://schemas.openxmlformats.org/officeDocument/2006/relationships" name="Simple Light">
-  <a:themeElements>
-    <a:clrScheme name="Simple Light">
-      <a:dk1>
-        <a:srgbClr val="000000"/>
-      </a:dk1>
-      <a:lt1>
-        <a:srgbClr val="FFFFFF"/>
-      </a:lt1>
-      <a:dk2>
-        <a:srgbClr val="595959"/>
-      </a:dk2>
-      <a:lt2>
-        <a:srgbClr val="EEEEEE"/>
-      </a:lt2>
-      <a:accent1>
-        <a:srgbClr val="FFAB40"/>
-      </a:accent1>
-      <a:accent2>
-        <a:srgbClr val="212121"/>
-      </a:accent2>
-      <a:accent3>
-        <a:srgbClr val="78909C"/>
-      </a:accent3>
-      <a:accent4>
-        <a:srgbClr val="FFAB40"/>
-      </a:accent4>
-      <a:accent5>
-        <a:srgbClr val="0097A7"/>
-      </a:accent5>
-      <a:accent6>
-        <a:srgbClr val="EEFF41"/>
-      </a:accent6>
-      <a:hlink>
-        <a:srgbClr val="0097A7"/>
-      </a:hlink>
-      <a:folHlink>
-        <a:srgbClr val="0097A7"/>
-      </a:folHlink>
-    </a:clrScheme>
-    <a:fontScheme name="Office">
-      <a:majorFont>
-        <a:latin typeface="Arial"/>
-        <a:ea typeface=""/>
-        <a:cs typeface=""/>
-        <a:font script="Jpan" typeface="ＭＳ Ｐゴシック"/>
-        <a:font script="Hang" typeface="맑은 고딕"/>
-        <a:font script="Hans" typeface="宋体"/>
-        <a:font script="Hant" typeface="新細明體"/>
-        <a:font script="Arab" typeface="Times New Roman"/>
-        <a:font script="Hebr" typeface="Times New Roman"/>
-        <a:font script="Thai" typeface="Angsana New"/>
-        <a:font script="Ethi" typeface="Nyala"/>
-        <a:font script="Beng" typeface="Vrinda"/>
-        <a:font script="Gujr" typeface="Shruti"/>
-        <a:font script="Khmr" typeface="MoolBoran"/>
-        <a:font script="Knda" typeface="Tunga"/>
-        <a:font script="Guru" typeface="Raavi"/>
-        <a:font script="Cans" typeface="Euphemia"/>
-        <a:font script="Cher" typeface="Plantagenet Cherokee"/>
-        <a:font script="Yiii" typeface="Microsoft Yi Baiti"/>
-        <a:font script="Tibt" typeface="Microsoft Himalaya"/>
-        <a:font script="Thaa" typeface="MV Boli"/>
-        <a:font script="Deva" typeface="Mangal"/>
-        <a:font script="Telu" typeface="Gautami"/>
-        <a:font script="Taml" typeface="Latha"/>
-        <a:font script="Syrc" typeface="Estrangelo Edessa"/>
-        <a:font script="Orya" typeface="Kalinga"/>
-        <a:font script="Mlym" typeface="Kartika"/>
-        <a:font script="Laoo" typeface="DokChampa"/>
-        <a:font script="Sinh" typeface="Iskoola Pota"/>
-        <a:font script="Mong" typeface="Mongolian Baiti"/>
-        <a:font script="Viet" typeface="Times New Roman"/>
-        <a:font script="Uigh" typeface="Microsoft Uighur"/>
-        <a:font script="Geor" typeface="Sylfaen"/>
-      </a:majorFont>
-      <a:minorFont>
-        <a:latin typeface="Arial"/>
-        <a:ea typeface=""/>
-        <a:cs typeface=""/>
-        <a:font script="Jpan" typeface="ＭＳ Ｐゴシック"/>
-        <a:font script="Hang" typeface="맑은 고딕"/>
-        <a:font script="Hans" typeface="宋体"/>
-        <a:font script="Hant" typeface="新細明體"/>
-        <a:font script="Arab" typeface="Arial"/>
-        <a:font script="Hebr" typeface="Arial"/>
-        <a:font script="Thai" typeface="Cordia New"/>
-        <a:font script="Ethi" typeface="Nyala"/>
-        <a:font script="Beng" typeface="Vrinda"/>
-        <a:font script="Gujr" typeface="Shruti"/>
-        <a:font script="Khmr" typeface="DaunPenh"/>
-        <a:font script="Knda" typeface="Tunga"/>
-        <a:font script="Guru" typeface="Raavi"/>
-        <a:font script="Cans" typeface="Euphemia"/>
-        <a:font script="Cher" typeface="Plantagenet Cherokee"/>
-        <a:font script="Yiii" typeface="Microsoft Yi Baiti"/>
-        <a:font script="Tibt" typeface="Microsoft Himalaya"/>
-        <a:font script="Thaa" typeface="MV Boli"/>
-        <a:font script="Deva" typeface="Mangal"/>
-        <a:font script="Telu" typeface="Gautami"/>
-        <a:font script="Taml" typeface="Latha"/>
-        <a:font script="Syrc" typeface="Estrangelo Edessa"/>
-        <a:font script="Orya" typeface="Kalinga"/>
-        <a:font script="Mlym" typeface="Kartika"/>
-        <a:font script="Laoo" typeface="DokChampa"/>
-        <a:font script="Sinh" typeface="Iskoola Pota"/>
-        <a:font script="Mong" typeface="Mongolian Baiti"/>
-        <a:font script="Viet" typeface="Arial"/>
-        <a:font script="Uigh" typeface="Microsoft Uighur"/>
-        <a:font script="Geor" typeface="Sylfaen"/>
-      </a:minorFont>
-    </a:fontScheme>
-    <a:fmtScheme name="Office">
-      <a:fillStyleLst>
-        <a:solidFill>
-          <a:schemeClr val="phClr"/>
-        </a:solidFill>
-        <a:gradFill rotWithShape="1">
-          <a:gsLst>
-            <a:gs pos="0">
-              <a:schemeClr val="phClr">
-                <a:tint val="50000"/>
-                <a:satMod val="300000"/>
-              </a:schemeClr>
-            </a:gs>
-            <a:gs pos="35000">
-              <a:schemeClr val="phClr">
-                <a:tint val="37000"/>
-                <a:satMod val="300000"/>
-              </a:schemeClr>
-            </a:gs>
-            <a:gs pos="100000">
-              <a:schemeClr val="phClr">
-                <a:tint val="15000"/>
-                <a:satMod val="350000"/>
-              </a:schemeClr>
-            </a:gs>
-          </a:gsLst>
-          <a:lin ang="16200000" scaled="1"/>
-        </a:gradFill>
-        <a:gradFill rotWithShape="1">
-          <a:gsLst>
-            <a:gs pos="0">
-              <a:schemeClr val="phClr">
-                <a:tint val="100000"/>
-                <a:shade val="100000"/>
-                <a:satMod val="130000"/>
-              </a:schemeClr>
-            </a:gs>
-            <a:gs pos="100000">
-              <a:schemeClr val="phClr">
-                <a:tint val="50000"/>
-                <a:shade val="100000"/>
-                <a:satMod val="350000"/>
-              </a:schemeClr>
-            </a:gs>
-          </a:gsLst>
-          <a:lin ang="16200000" scaled="0"/>
-        </a:gradFill>
-      </a:fillStyleLst>
-      <a:lnStyleLst>
-        <a:ln w="9525" cap="flat" cmpd="sng" algn="ctr">
-          <a:solidFill>
-            <a:schemeClr val="phClr">
-              <a:shade val="95000"/>
-              <a:satMod val="105000"/>
-            </a:schemeClr>
-          </a:solidFill>
-          <a:prstDash val="solid"/>
-        </a:ln>
-        <a:ln w="25400" cap="flat" cmpd="sng" algn="ctr">
-          <a:solidFill>
-            <a:schemeClr val="phClr"/>
-          </a:solidFill>
-          <a:prstDash val="solid"/>
-        </a:ln>
-        <a:ln w="38100" cap="flat" cmpd="sng" algn="ctr">
-          <a:solidFill>
-            <a:schemeClr val="phClr"/>
-          </a:solidFill>
-          <a:prstDash val="solid"/>
-        </a:ln>
-      </a:lnStyleLst>
-      <a:effectStyleLst>
-        <a:effectStyle>
-          <a:effectLst>
-            <a:outerShdw blurRad="40000" dist="20000" dir="5400000" rotWithShape="0">
-              <a:srgbClr val="000000">
-                <a:alpha val="38000"/>
-              </a:srgbClr>
-            </a:outerShdw>
-          </a:effectLst>
-        </a:effectStyle>
-        <a:effectStyle>
-          <a:effectLst>
-            <a:outerShdw blurRad="40000" dist="23000" dir="5400000" rotWithShape="0">
-              <a:srgbClr val="000000">
-                <a:alpha val="35000"/>
-              </a:srgbClr>
-            </a:outerShdw>
-          </a:effectLst>
-        </a:effectStyle>
-        <a:effectStyle>
-          <a:effectLst>
-            <a:outerShdw blurRad="40000" dist="23000" dir="5400000" rotWithShape="0">
-              <a:srgbClr val="000000">
-                <a:alpha val="35000"/>
-              </a:srgbClr>
-            </a:outerShdw>
-          </a:effectLst>
-          <a:scene3d>
-            <a:camera prst="orthographicFront">
-              <a:rot lat="0" lon="0" rev="0"/>
-            </a:camera>
-            <a:lightRig rig="threePt" dir="t">
-              <a:rot lat="0" lon="0" rev="1200000"/>
-            </a:lightRig>
-          </a:scene3d>
-          <a:sp3d>
-            <a:bevelT w="63500" h="25400"/>
-          </a:sp3d>
-        </a:effectStyle>
-      </a:effectStyleLst>
-      <a:bgFillStyleLst>
-        <a:solidFill>
-          <a:schemeClr val="phClr"/>
-        </a:solidFill>
-        <a:gradFill rotWithShape="1">
-          <a:gsLst>
-            <a:gs pos="0">
-              <a:schemeClr val="phClr">
-                <a:tint val="40000"/>
-                <a:satMod val="350000"/>
-              </a:schemeClr>
-            </a:gs>
-            <a:gs pos="40000">
-              <a:schemeClr val="phClr">
-                <a:tint val="45000"/>
-                <a:shade val="99000"/>
-                <a:satMod val="350000"/>
-              </a:schemeClr>
-            </a:gs>
-            <a:gs pos="100000">
-              <a:schemeClr val="phClr">
-                <a:shade val="20000"/>
-                <a:satMod val="255000"/>
-              </a:schemeClr>
-            </a:gs>
-          </a:gsLst>
-          <a:path path="circle">
-            <a:fillToRect l="50000" t="-80000" r="50000" b="180000"/>
-          </a:path>
-        </a:gradFill>
-        <a:gradFill rotWithShape="1">
-          <a:gsLst>
-            <a:gs pos="0">
-              <a:schemeClr val="phClr">
-                <a:tint val="80000"/>
-                <a:satMod val="300000"/>
-              </a:schemeClr>
-            </a:gs>
-            <a:gs pos="100000">
-              <a:schemeClr val="phClr">
-                <a:shade val="30000"/>
-                <a:satMod val="200000"/>
-              </a:schemeClr>
-            </a:gs>
-          </a:gsLst>
-          <a:path path="circle">
-            <a:fillToRect l="50000" t="50000" r="50000" b="50000"/>
-          </a:path>
-        </a:gradFill>
-      </a:bgFillStyleLst>
-    </a:fmtScheme>
-  </a:themeElements>
+  <a:objectDefaults/>
+  <a:extraClrSchemeLst/>
 </a:theme>
 </file>